--- a/presentations/Thompson_Kevin_Presentation.pptx
+++ b/presentations/Thompson_Kevin_Presentation.pptx
@@ -33,9 +33,6 @@
     <p:sldId id="279" r:id="rId28"/>
     <p:sldId id="280" r:id="rId29"/>
     <p:sldId id="281" r:id="rId30"/>
-    <p:sldId id="282" r:id="rId31"/>
-    <p:sldId id="283" r:id="rId32"/>
-    <p:sldId id="284" r:id="rId33"/>
   </p:sldIdLst>
   <p:sldSz cx="10080625" cy="7559675"/>
   <p:notesSz cx="7772400" cy="10058400"/>
@@ -4140,7 +4137,7 @@
         <p:spPr>
           <a:xfrm>
             <a:off x="0" y="5806440"/>
-            <a:ext cx="10078920" cy="1753560"/>
+            <a:ext cx="10078560" cy="1753200"/>
           </a:xfrm>
           <a:prstGeom prst="rect">
             <a:avLst/>
@@ -4162,8 +4159,8 @@
         </p:nvSpPr>
         <p:spPr>
           <a:xfrm>
-            <a:off x="504000" y="-11160"/>
-            <a:ext cx="9070920" cy="1262160"/>
+            <a:off x="504000" y="300960"/>
+            <a:ext cx="9071640" cy="1262160"/>
           </a:xfrm>
           <a:prstGeom prst="rect">
             <a:avLst/>
@@ -4415,7 +4412,7 @@
         <p:spPr>
           <a:xfrm>
             <a:off x="0" y="5806440"/>
-            <a:ext cx="10078920" cy="1753560"/>
+            <a:ext cx="10078560" cy="1753200"/>
           </a:xfrm>
           <a:prstGeom prst="rect">
             <a:avLst/>
@@ -4454,49 +4451,7 @@
               <a:rPr b="0" lang="en-US" sz="4400" spc="-1" strike="noStrike">
                 <a:latin typeface="Arial"/>
               </a:rPr>
-              <a:t>Click </a:t>
-            </a:r>
-            <a:r>
-              <a:rPr b="0" lang="en-US" sz="4400" spc="-1" strike="noStrike">
-                <a:latin typeface="Arial"/>
-              </a:rPr>
-              <a:t>to </a:t>
-            </a:r>
-            <a:r>
-              <a:rPr b="0" lang="en-US" sz="4400" spc="-1" strike="noStrike">
-                <a:latin typeface="Arial"/>
-              </a:rPr>
-              <a:t>edit </a:t>
-            </a:r>
-            <a:r>
-              <a:rPr b="0" lang="en-US" sz="4400" spc="-1" strike="noStrike">
-                <a:latin typeface="Arial"/>
-              </a:rPr>
-              <a:t>the </a:t>
-            </a:r>
-            <a:r>
-              <a:rPr b="0" lang="en-US" sz="4400" spc="-1" strike="noStrike">
-                <a:latin typeface="Arial"/>
-              </a:rPr>
-              <a:t>title </a:t>
-            </a:r>
-            <a:r>
-              <a:rPr b="0" lang="en-US" sz="4400" spc="-1" strike="noStrike">
-                <a:latin typeface="Arial"/>
-              </a:rPr>
-              <a:t>text </a:t>
-            </a:r>
-            <a:r>
-              <a:rPr b="0" lang="en-US" sz="4400" spc="-1" strike="noStrike">
-                <a:latin typeface="Arial"/>
-              </a:rPr>
-              <a:t>form</a:t>
-            </a:r>
-            <a:r>
-              <a:rPr b="0" lang="en-US" sz="4400" spc="-1" strike="noStrike">
-                <a:latin typeface="Arial"/>
-              </a:rPr>
-              <a:t>at</a:t>
+              <a:t>Click to edit the title text format</a:t>
             </a:r>
             <a:endParaRPr b="0" lang="en-US" sz="4400" spc="-1" strike="noStrike">
               <a:latin typeface="Arial"/>
@@ -4729,7 +4684,7 @@
         <p:spPr>
           <a:xfrm>
             <a:off x="0" y="0"/>
-            <a:ext cx="10076040" cy="941040"/>
+            <a:ext cx="10075680" cy="940680"/>
           </a:xfrm>
           <a:prstGeom prst="rect">
             <a:avLst/>
@@ -4765,7 +4720,7 @@
         <p:spPr>
           <a:xfrm>
             <a:off x="0" y="6620400"/>
-            <a:ext cx="10076040" cy="941040"/>
+            <a:ext cx="10075680" cy="940680"/>
           </a:xfrm>
           <a:prstGeom prst="rect">
             <a:avLst/>
@@ -5054,7 +5009,7 @@
         <p:spPr>
           <a:xfrm>
             <a:off x="0" y="2636280"/>
-            <a:ext cx="9070920" cy="670680"/>
+            <a:ext cx="9070560" cy="670320"/>
           </a:xfrm>
           <a:prstGeom prst="rect">
             <a:avLst/>
@@ -5105,7 +5060,7 @@
         <p:spPr>
           <a:xfrm>
             <a:off x="2011680" y="4023360"/>
-            <a:ext cx="5485680" cy="363960"/>
+            <a:ext cx="5485320" cy="363960"/>
           </a:xfrm>
           <a:prstGeom prst="rect">
             <a:avLst/>
@@ -5226,14 +5181,14 @@
       </p:grpSpPr>
       <p:sp>
         <p:nvSpPr>
-          <p:cNvPr id="130" name="CustomShape 1"/>
+          <p:cNvPr id="133" name="CustomShape 1"/>
           <p:cNvSpPr/>
           <p:nvPr/>
         </p:nvSpPr>
         <p:spPr>
           <a:xfrm>
             <a:off x="504000" y="285120"/>
-            <a:ext cx="9070920" cy="669600"/>
+            <a:ext cx="9070560" cy="669600"/>
           </a:xfrm>
           <a:prstGeom prst="rect">
             <a:avLst/>
@@ -5277,14 +5232,14 @@
       </p:sp>
       <p:sp>
         <p:nvSpPr>
-          <p:cNvPr id="131" name="CustomShape 2"/>
+          <p:cNvPr id="134" name="CustomShape 2"/>
           <p:cNvSpPr/>
           <p:nvPr/>
         </p:nvSpPr>
         <p:spPr>
           <a:xfrm>
             <a:off x="0" y="938880"/>
-            <a:ext cx="9966240" cy="5552640"/>
+            <a:ext cx="9965880" cy="5552280"/>
           </a:xfrm>
           <a:prstGeom prst="rect">
             <a:avLst/>
@@ -5423,7 +5378,7 @@
       </p:sp>
       <p:pic>
         <p:nvPicPr>
-          <p:cNvPr id="132" name="" descr=""/>
+          <p:cNvPr id="135" name="" descr=""/>
           <p:cNvPicPr/>
           <p:nvPr/>
         </p:nvPicPr>
@@ -5434,7 +5389,7 @@
         <p:spPr>
           <a:xfrm>
             <a:off x="548640" y="1996200"/>
-            <a:ext cx="4205880" cy="3489840"/>
+            <a:ext cx="4205520" cy="3489480"/>
           </a:xfrm>
           <a:prstGeom prst="rect">
             <a:avLst/>
@@ -5446,7 +5401,7 @@
       </p:pic>
       <p:pic>
         <p:nvPicPr>
-          <p:cNvPr id="133" name="" descr=""/>
+          <p:cNvPr id="136" name="" descr=""/>
           <p:cNvPicPr/>
           <p:nvPr/>
         </p:nvPicPr>
@@ -5457,7 +5412,7 @@
         <p:spPr>
           <a:xfrm>
             <a:off x="5486400" y="2051280"/>
-            <a:ext cx="4044240" cy="3343320"/>
+            <a:ext cx="4043880" cy="3342960"/>
           </a:xfrm>
           <a:prstGeom prst="rect">
             <a:avLst/>
@@ -5467,6 +5422,57 @@
           </a:ln>
         </p:spPr>
       </p:pic>
+      <p:sp>
+        <p:nvSpPr>
+          <p:cNvPr id="137" name="CustomShape 3"/>
+          <p:cNvSpPr/>
+          <p:nvPr/>
+        </p:nvSpPr>
+        <p:spPr>
+          <a:xfrm>
+            <a:off x="1097280" y="5669280"/>
+            <a:ext cx="7040160" cy="363960"/>
+          </a:xfrm>
+          <a:prstGeom prst="rect">
+            <a:avLst/>
+          </a:prstGeom>
+          <a:noFill/>
+          <a:ln>
+            <a:noFill/>
+          </a:ln>
+        </p:spPr>
+        <p:style>
+          <a:lnRef idx="0"/>
+          <a:fillRef idx="0"/>
+          <a:effectRef idx="0"/>
+          <a:fontRef idx="minor"/>
+        </p:style>
+        <p:txBody>
+          <a:bodyPr lIns="90000" rIns="90000" tIns="45000" bIns="45000">
+            <a:spAutoFit/>
+          </a:bodyPr>
+          <a:p>
+            <a:pPr>
+              <a:lnSpc>
+                <a:spcPct val="100000"/>
+              </a:lnSpc>
+            </a:pPr>
+            <a:r>
+              <a:rPr b="0" lang="en-US" sz="1800" spc="-1" strike="noStrike">
+                <a:solidFill>
+                  <a:srgbClr val="000000"/>
+                </a:solidFill>
+                <a:latin typeface="Arial"/>
+                <a:ea typeface="DejaVu Sans"/>
+              </a:rPr>
+              <a:t>Indication of a relationship between State and Beer Style</a:t>
+            </a:r>
+            <a:endParaRPr b="0" lang="en-US" sz="1800" spc="-1" strike="noStrike">
+              <a:latin typeface="Arial"/>
+            </a:endParaRPr>
+          </a:p>
+        </p:txBody>
+      </p:sp>
     </p:spTree>
   </p:cSld>
   <mc:AlternateContent>
@@ -5526,14 +5532,14 @@
       </p:grpSpPr>
       <p:sp>
         <p:nvSpPr>
-          <p:cNvPr id="134" name="CustomShape 1"/>
+          <p:cNvPr id="138" name="CustomShape 1"/>
           <p:cNvSpPr/>
           <p:nvPr/>
         </p:nvSpPr>
         <p:spPr>
           <a:xfrm>
             <a:off x="504000" y="285120"/>
-            <a:ext cx="9070920" cy="669600"/>
+            <a:ext cx="9070560" cy="669600"/>
           </a:xfrm>
           <a:prstGeom prst="rect">
             <a:avLst/>
@@ -5577,14 +5583,14 @@
       </p:sp>
       <p:sp>
         <p:nvSpPr>
-          <p:cNvPr id="135" name="CustomShape 2"/>
+          <p:cNvPr id="139" name="CustomShape 2"/>
           <p:cNvSpPr/>
           <p:nvPr/>
         </p:nvSpPr>
         <p:spPr>
           <a:xfrm>
             <a:off x="0" y="938880"/>
-            <a:ext cx="9966240" cy="5552640"/>
+            <a:ext cx="9965880" cy="5552280"/>
           </a:xfrm>
           <a:prstGeom prst="rect">
             <a:avLst/>
@@ -5605,117 +5611,31 @@
             <a:noAutofit/>
           </a:bodyPr>
           <a:p>
-            <a:pPr>
+            <a:pPr marL="432000" indent="-322920">
               <a:lnSpc>
                 <a:spcPct val="100000"/>
               </a:lnSpc>
               <a:spcBef>
                 <a:spcPts val="1417"/>
               </a:spcBef>
-            </a:pPr>
-            <a:r>
-              <a:rPr b="0" lang="en-US" sz="2800" spc="-1" strike="noStrike">
+              <a:buClr>
+                <a:srgbClr val="000000"/>
+              </a:buClr>
+              <a:buSzPct val="45000"/>
+              <a:buFont typeface="Wingdings" charset="2"/>
+              <a:buChar char=""/>
+            </a:pPr>
+            <a:r>
+              <a:rPr b="0" lang="en-US" sz="2200" spc="-1" strike="noStrike">
                 <a:solidFill>
                   <a:srgbClr val="0066cc"/>
                 </a:solidFill>
                 <a:latin typeface="Arial"/>
                 <a:ea typeface="DejaVu Sans"/>
               </a:rPr>
-              <a:t>	</a:t>
-            </a:r>
-            <a:r>
-              <a:rPr b="0" lang="en-US" sz="2800" spc="-1" strike="noStrike">
-                <a:solidFill>
-                  <a:srgbClr val="0066cc"/>
-                </a:solidFill>
-                <a:latin typeface="Arial"/>
-                <a:ea typeface="DejaVu Sans"/>
-              </a:rPr>
-              <a:t>	</a:t>
-            </a:r>
-            <a:endParaRPr b="0" lang="en-US" sz="2800" spc="-1" strike="noStrike">
-              <a:latin typeface="Arial"/>
-            </a:endParaRPr>
-          </a:p>
-          <a:p>
-            <a:pPr>
-              <a:lnSpc>
-                <a:spcPct val="100000"/>
-              </a:lnSpc>
-              <a:spcBef>
-                <a:spcPts val="1417"/>
-              </a:spcBef>
-            </a:pPr>
-            <a:r>
-              <a:rPr b="0" lang="en-US" sz="2800" spc="-1" strike="noStrike">
-                <a:solidFill>
-                  <a:srgbClr val="0066cc"/>
-                </a:solidFill>
-                <a:latin typeface="Arial"/>
-                <a:ea typeface="DejaVu Sans"/>
-              </a:rPr>
-              <a:t>	</a:t>
-            </a:r>
-            <a:r>
-              <a:rPr b="0" lang="en-US" sz="2800" spc="-1" strike="noStrike">
-                <a:solidFill>
-                  <a:srgbClr val="0066cc"/>
-                </a:solidFill>
-                <a:latin typeface="Arial"/>
-                <a:ea typeface="DejaVu Sans"/>
-              </a:rPr>
-              <a:t>	</a:t>
-            </a:r>
-            <a:r>
-              <a:rPr b="0" lang="en-US" sz="2800" spc="-1" strike="noStrike">
-                <a:solidFill>
-                  <a:srgbClr val="0066cc"/>
-                </a:solidFill>
-                <a:latin typeface="Arial"/>
-                <a:ea typeface="DejaVu Sans"/>
-              </a:rPr>
-              <a:t>Style By State</a:t>
-            </a:r>
-            <a:endParaRPr b="0" lang="en-US" sz="2800" spc="-1" strike="noStrike">
-              <a:latin typeface="Arial"/>
-            </a:endParaRPr>
-          </a:p>
-          <a:p>
-            <a:pPr>
-              <a:lnSpc>
-                <a:spcPct val="100000"/>
-              </a:lnSpc>
-              <a:spcBef>
-                <a:spcPts val="1417"/>
-              </a:spcBef>
-            </a:pPr>
-            <a:endParaRPr b="0" lang="en-US" sz="2800" spc="-1" strike="noStrike">
-              <a:latin typeface="Arial"/>
-            </a:endParaRPr>
-          </a:p>
-          <a:p>
-            <a:pPr>
-              <a:lnSpc>
-                <a:spcPct val="100000"/>
-              </a:lnSpc>
-              <a:spcBef>
-                <a:spcPts val="1417"/>
-              </a:spcBef>
-            </a:pPr>
-            <a:endParaRPr b="0" lang="en-US" sz="2800" spc="-1" strike="noStrike">
-              <a:latin typeface="Arial"/>
-            </a:endParaRPr>
-          </a:p>
-          <a:p>
-            <a:pPr>
-              <a:lnSpc>
-                <a:spcPct val="100000"/>
-              </a:lnSpc>
-              <a:spcBef>
-                <a:spcPts val="1417"/>
-              </a:spcBef>
-            </a:pPr>
-            <a:endParaRPr b="0" lang="en-US" sz="2800" spc="-1" strike="noStrike">
+              <a:t>Ounces And Style</a:t>
+            </a:r>
+            <a:endParaRPr b="0" lang="en-US" sz="2200" spc="-1" strike="noStrike">
               <a:latin typeface="Arial"/>
             </a:endParaRPr>
           </a:p>
@@ -5723,7 +5643,7 @@
       </p:sp>
       <p:pic>
         <p:nvPicPr>
-          <p:cNvPr id="136" name="" descr=""/>
+          <p:cNvPr id="140" name="" descr=""/>
           <p:cNvPicPr/>
           <p:nvPr/>
         </p:nvPicPr>
@@ -5733,8 +5653,8 @@
         </p:blipFill>
         <p:spPr>
           <a:xfrm>
-            <a:off x="548640" y="1996200"/>
-            <a:ext cx="4205880" cy="3489840"/>
+            <a:off x="1119600" y="1316160"/>
+            <a:ext cx="7749000" cy="5266800"/>
           </a:xfrm>
           <a:prstGeom prst="rect">
             <a:avLst/>
@@ -5744,76 +5664,6 @@
           </a:ln>
         </p:spPr>
       </p:pic>
-      <p:pic>
-        <p:nvPicPr>
-          <p:cNvPr id="137" name="" descr=""/>
-          <p:cNvPicPr/>
-          <p:nvPr/>
-        </p:nvPicPr>
-        <p:blipFill>
-          <a:blip r:embed="rId2"/>
-          <a:stretch/>
-        </p:blipFill>
-        <p:spPr>
-          <a:xfrm>
-            <a:off x="5486400" y="2051280"/>
-            <a:ext cx="4044240" cy="3343320"/>
-          </a:xfrm>
-          <a:prstGeom prst="rect">
-            <a:avLst/>
-          </a:prstGeom>
-          <a:ln>
-            <a:noFill/>
-          </a:ln>
-        </p:spPr>
-      </p:pic>
-      <p:sp>
-        <p:nvSpPr>
-          <p:cNvPr id="138" name="CustomShape 3"/>
-          <p:cNvSpPr/>
-          <p:nvPr/>
-        </p:nvSpPr>
-        <p:spPr>
-          <a:xfrm>
-            <a:off x="1097280" y="5669280"/>
-            <a:ext cx="7040520" cy="363960"/>
-          </a:xfrm>
-          <a:prstGeom prst="rect">
-            <a:avLst/>
-          </a:prstGeom>
-          <a:noFill/>
-          <a:ln>
-            <a:noFill/>
-          </a:ln>
-        </p:spPr>
-        <p:style>
-          <a:lnRef idx="0"/>
-          <a:fillRef idx="0"/>
-          <a:effectRef idx="0"/>
-          <a:fontRef idx="minor"/>
-        </p:style>
-        <p:txBody>
-          <a:bodyPr lIns="90000" rIns="90000" tIns="45000" bIns="45000">
-            <a:spAutoFit/>
-          </a:bodyPr>
-          <a:p>
-            <a:pPr>
-              <a:lnSpc>
-                <a:spcPct val="100000"/>
-              </a:lnSpc>
-            </a:pPr>
-            <a:r>
-              <a:rPr b="0" lang="en-US" sz="1800" spc="-1" strike="noStrike">
-                <a:latin typeface="Arial"/>
-              </a:rPr>
-              <a:t>Indication of a relationship between State and Beer Style</a:t>
-            </a:r>
-            <a:endParaRPr b="0" lang="en-US" sz="1800" spc="-1" strike="noStrike">
-              <a:latin typeface="Arial"/>
-            </a:endParaRPr>
-          </a:p>
-        </p:txBody>
-      </p:sp>
     </p:spTree>
   </p:cSld>
   <mc:AlternateContent>
@@ -5873,14 +5723,14 @@
       </p:grpSpPr>
       <p:sp>
         <p:nvSpPr>
-          <p:cNvPr id="139" name="CustomShape 1"/>
+          <p:cNvPr id="141" name="CustomShape 1"/>
           <p:cNvSpPr/>
           <p:nvPr/>
         </p:nvSpPr>
         <p:spPr>
           <a:xfrm>
-            <a:off x="504000" y="285120"/>
-            <a:ext cx="9070920" cy="669600"/>
+            <a:off x="504000" y="314640"/>
+            <a:ext cx="9070560" cy="609840"/>
           </a:xfrm>
           <a:prstGeom prst="rect">
             <a:avLst/>
@@ -5907,31 +5757,31 @@
               </a:lnSpc>
             </a:pPr>
             <a:r>
-              <a:rPr b="0" lang="en-US" sz="4400" spc="-1" strike="noStrike">
+              <a:rPr b="0" lang="en-US" sz="4000" spc="-1" strike="noStrike">
                 <a:solidFill>
                   <a:srgbClr val="ffffff"/>
                 </a:solidFill>
                 <a:latin typeface="Arial"/>
                 <a:ea typeface="DejaVu Sans"/>
               </a:rPr>
-              <a:t>Exploratory Analysis</a:t>
-            </a:r>
-            <a:endParaRPr b="0" lang="en-US" sz="4400" spc="-1" strike="noStrike">
-              <a:latin typeface="Arial"/>
-            </a:endParaRPr>
-          </a:p>
-        </p:txBody>
-      </p:sp>
-      <p:sp>
-        <p:nvSpPr>
-          <p:cNvPr id="140" name="CustomShape 2"/>
+              <a:t>Exploratory Analysis: IBU Missingness</a:t>
+            </a:r>
+            <a:endParaRPr b="0" lang="en-US" sz="4000" spc="-1" strike="noStrike">
+              <a:latin typeface="Arial"/>
+            </a:endParaRPr>
+          </a:p>
+        </p:txBody>
+      </p:sp>
+      <p:sp>
+        <p:nvSpPr>
+          <p:cNvPr id="142" name="CustomShape 2"/>
           <p:cNvSpPr/>
           <p:nvPr/>
         </p:nvSpPr>
         <p:spPr>
           <a:xfrm>
-            <a:off x="0" y="938880"/>
-            <a:ext cx="9966240" cy="5552640"/>
+            <a:off x="347040" y="1371600"/>
+            <a:ext cx="9070560" cy="4383360"/>
           </a:xfrm>
           <a:prstGeom prst="rect">
             <a:avLst/>
@@ -5952,7 +5802,7 @@
             <a:noAutofit/>
           </a:bodyPr>
           <a:p>
-            <a:pPr marL="432000" indent="-323280">
+            <a:pPr marL="432000" indent="-322920">
               <a:lnSpc>
                 <a:spcPct val="100000"/>
               </a:lnSpc>
@@ -5967,16 +5817,81 @@
               <a:buChar char=""/>
             </a:pPr>
             <a:r>
-              <a:rPr b="0" lang="en-US" sz="2200" spc="-1" strike="noStrike">
+              <a:rPr b="0" lang="en-US" sz="3200" spc="-1" strike="noStrike">
                 <a:solidFill>
                   <a:srgbClr val="0066cc"/>
                 </a:solidFill>
                 <a:latin typeface="Arial"/>
                 <a:ea typeface="DejaVu Sans"/>
               </a:rPr>
-              <a:t>Ounces And Style</a:t>
-            </a:r>
-            <a:endParaRPr b="0" lang="en-US" sz="2200" spc="-1" strike="noStrike">
+              <a:t>Missingness By State, Style, Ounces</a:t>
+            </a:r>
+            <a:endParaRPr b="0" lang="en-US" sz="3200" spc="-1" strike="noStrike">
+              <a:latin typeface="Arial"/>
+            </a:endParaRPr>
+          </a:p>
+          <a:p>
+            <a:pPr>
+              <a:lnSpc>
+                <a:spcPct val="100000"/>
+              </a:lnSpc>
+              <a:spcBef>
+                <a:spcPts val="1417"/>
+              </a:spcBef>
+            </a:pPr>
+            <a:endParaRPr b="0" lang="en-US" sz="3200" spc="-1" strike="noStrike">
+              <a:latin typeface="Arial"/>
+            </a:endParaRPr>
+          </a:p>
+          <a:p>
+            <a:pPr>
+              <a:lnSpc>
+                <a:spcPct val="100000"/>
+              </a:lnSpc>
+              <a:spcBef>
+                <a:spcPts val="1417"/>
+              </a:spcBef>
+            </a:pPr>
+            <a:endParaRPr b="0" lang="en-US" sz="3200" spc="-1" strike="noStrike">
+              <a:latin typeface="Arial"/>
+            </a:endParaRPr>
+          </a:p>
+          <a:p>
+            <a:pPr>
+              <a:lnSpc>
+                <a:spcPct val="100000"/>
+              </a:lnSpc>
+              <a:spcBef>
+                <a:spcPts val="1417"/>
+              </a:spcBef>
+            </a:pPr>
+            <a:endParaRPr b="0" lang="en-US" sz="3200" spc="-1" strike="noStrike">
+              <a:latin typeface="Arial"/>
+            </a:endParaRPr>
+          </a:p>
+          <a:p>
+            <a:pPr>
+              <a:lnSpc>
+                <a:spcPct val="100000"/>
+              </a:lnSpc>
+              <a:spcBef>
+                <a:spcPts val="1417"/>
+              </a:spcBef>
+            </a:pPr>
+            <a:endParaRPr b="0" lang="en-US" sz="3200" spc="-1" strike="noStrike">
+              <a:latin typeface="Arial"/>
+            </a:endParaRPr>
+          </a:p>
+          <a:p>
+            <a:pPr>
+              <a:lnSpc>
+                <a:spcPct val="100000"/>
+              </a:lnSpc>
+              <a:spcBef>
+                <a:spcPts val="1417"/>
+              </a:spcBef>
+            </a:pPr>
+            <a:endParaRPr b="0" lang="en-US" sz="3200" spc="-1" strike="noStrike">
               <a:latin typeface="Arial"/>
             </a:endParaRPr>
           </a:p>
@@ -5984,7 +5899,7 @@
       </p:sp>
       <p:pic>
         <p:nvPicPr>
-          <p:cNvPr id="141" name="" descr=""/>
+          <p:cNvPr id="143" name="" descr=""/>
           <p:cNvPicPr/>
           <p:nvPr/>
         </p:nvPicPr>
@@ -5994,8 +5909,54 @@
         </p:blipFill>
         <p:spPr>
           <a:xfrm>
-            <a:off x="1119600" y="1316160"/>
-            <a:ext cx="7749360" cy="5267160"/>
+            <a:off x="6651000" y="2377440"/>
+            <a:ext cx="3427920" cy="2833560"/>
+          </a:xfrm>
+          <a:prstGeom prst="rect">
+            <a:avLst/>
+          </a:prstGeom>
+          <a:ln>
+            <a:noFill/>
+          </a:ln>
+        </p:spPr>
+      </p:pic>
+      <p:pic>
+        <p:nvPicPr>
+          <p:cNvPr id="144" name="" descr=""/>
+          <p:cNvPicPr/>
+          <p:nvPr/>
+        </p:nvPicPr>
+        <p:blipFill>
+          <a:blip r:embed="rId2"/>
+          <a:stretch/>
+        </p:blipFill>
+        <p:spPr>
+          <a:xfrm rot="21595200">
+            <a:off x="188640" y="2363400"/>
+            <a:ext cx="3286800" cy="2716920"/>
+          </a:xfrm>
+          <a:prstGeom prst="rect">
+            <a:avLst/>
+          </a:prstGeom>
+          <a:ln>
+            <a:noFill/>
+          </a:ln>
+        </p:spPr>
+      </p:pic>
+      <p:pic>
+        <p:nvPicPr>
+          <p:cNvPr id="145" name="" descr=""/>
+          <p:cNvPicPr/>
+          <p:nvPr/>
+        </p:nvPicPr>
+        <p:blipFill>
+          <a:blip r:embed="rId3"/>
+          <a:stretch/>
+        </p:blipFill>
+        <p:spPr>
+          <a:xfrm>
+            <a:off x="3017520" y="2286000"/>
+            <a:ext cx="3674160" cy="3037320"/>
           </a:xfrm>
           <a:prstGeom prst="rect">
             <a:avLst/>
@@ -6064,14 +6025,14 @@
       </p:grpSpPr>
       <p:sp>
         <p:nvSpPr>
-          <p:cNvPr id="142" name="CustomShape 1"/>
+          <p:cNvPr id="146" name="CustomShape 1"/>
           <p:cNvSpPr/>
           <p:nvPr/>
         </p:nvSpPr>
         <p:spPr>
           <a:xfrm>
-            <a:off x="504000" y="314640"/>
-            <a:ext cx="9070920" cy="610200"/>
+            <a:off x="504000" y="285120"/>
+            <a:ext cx="9070560" cy="669600"/>
           </a:xfrm>
           <a:prstGeom prst="rect">
             <a:avLst/>
@@ -6098,31 +6059,31 @@
               </a:lnSpc>
             </a:pPr>
             <a:r>
-              <a:rPr b="0" lang="en-US" sz="4000" spc="-1" strike="noStrike">
+              <a:rPr b="0" lang="en-US" sz="4400" spc="-1" strike="noStrike">
                 <a:solidFill>
                   <a:srgbClr val="ffffff"/>
                 </a:solidFill>
                 <a:latin typeface="Arial"/>
                 <a:ea typeface="DejaVu Sans"/>
               </a:rPr>
-              <a:t>Exploratory Analysis: IBU Missingness</a:t>
-            </a:r>
-            <a:endParaRPr b="0" lang="en-US" sz="4000" spc="-1" strike="noStrike">
-              <a:latin typeface="Arial"/>
-            </a:endParaRPr>
-          </a:p>
-        </p:txBody>
-      </p:sp>
-      <p:sp>
-        <p:nvSpPr>
-          <p:cNvPr id="143" name="CustomShape 2"/>
+              <a:t>Exploratory Analysis: Missingness</a:t>
+            </a:r>
+            <a:endParaRPr b="0" lang="en-US" sz="4400" spc="-1" strike="noStrike">
+              <a:latin typeface="Arial"/>
+            </a:endParaRPr>
+          </a:p>
+        </p:txBody>
+      </p:sp>
+      <p:sp>
+        <p:nvSpPr>
+          <p:cNvPr id="147" name="CustomShape 2"/>
           <p:cNvSpPr/>
           <p:nvPr/>
         </p:nvSpPr>
         <p:spPr>
           <a:xfrm>
-            <a:off x="347040" y="1371600"/>
-            <a:ext cx="9070920" cy="4383720"/>
+            <a:off x="347040" y="1376640"/>
+            <a:ext cx="9070560" cy="4383360"/>
           </a:xfrm>
           <a:prstGeom prst="rect">
             <a:avLst/>
@@ -6143,7 +6104,7 @@
             <a:noAutofit/>
           </a:bodyPr>
           <a:p>
-            <a:pPr marL="432000" indent="-323280">
+            <a:pPr marL="432000" indent="-322920">
               <a:lnSpc>
                 <a:spcPct val="100000"/>
               </a:lnSpc>
@@ -6236,11 +6197,40 @@
               <a:latin typeface="Arial"/>
             </a:endParaRPr>
           </a:p>
+          <a:p>
+            <a:pPr marL="432000" indent="-322920">
+              <a:lnSpc>
+                <a:spcPct val="100000"/>
+              </a:lnSpc>
+              <a:spcBef>
+                <a:spcPts val="1417"/>
+              </a:spcBef>
+              <a:buClr>
+                <a:srgbClr val="000000"/>
+              </a:buClr>
+              <a:buSzPct val="45000"/>
+              <a:buFont typeface="Wingdings" charset="2"/>
+              <a:buChar char=""/>
+            </a:pPr>
+            <a:r>
+              <a:rPr b="0" lang="en-US" sz="2600" spc="-1" strike="noStrike">
+                <a:solidFill>
+                  <a:srgbClr val="0066cc"/>
+                </a:solidFill>
+                <a:latin typeface="Arial"/>
+                <a:ea typeface="DejaVu Sans"/>
+              </a:rPr>
+              <a:t>1) Missingness isn’t completely at random</a:t>
+            </a:r>
+            <a:endParaRPr b="0" lang="en-US" sz="2600" spc="-1" strike="noStrike">
+              <a:latin typeface="Arial"/>
+            </a:endParaRPr>
+          </a:p>
         </p:txBody>
       </p:sp>
       <p:pic>
         <p:nvPicPr>
-          <p:cNvPr id="144" name="" descr=""/>
+          <p:cNvPr id="148" name="" descr=""/>
           <p:cNvPicPr/>
           <p:nvPr/>
         </p:nvPicPr>
@@ -6251,7 +6241,7 @@
         <p:spPr>
           <a:xfrm>
             <a:off x="6651000" y="2377440"/>
-            <a:ext cx="3428280" cy="2833920"/>
+            <a:ext cx="3427920" cy="2833560"/>
           </a:xfrm>
           <a:prstGeom prst="rect">
             <a:avLst/>
@@ -6263,7 +6253,7 @@
       </p:pic>
       <p:pic>
         <p:nvPicPr>
-          <p:cNvPr id="145" name="" descr=""/>
+          <p:cNvPr id="149" name="" descr=""/>
           <p:cNvPicPr/>
           <p:nvPr/>
         </p:nvPicPr>
@@ -6273,8 +6263,8 @@
         </p:blipFill>
         <p:spPr>
           <a:xfrm rot="21595200">
-            <a:off x="188640" y="2363760"/>
-            <a:ext cx="3287160" cy="2717280"/>
+            <a:off x="188640" y="2363400"/>
+            <a:ext cx="3286800" cy="2716920"/>
           </a:xfrm>
           <a:prstGeom prst="rect">
             <a:avLst/>
@@ -6286,7 +6276,7 @@
       </p:pic>
       <p:pic>
         <p:nvPicPr>
-          <p:cNvPr id="146" name="" descr=""/>
+          <p:cNvPr id="150" name="" descr=""/>
           <p:cNvPicPr/>
           <p:nvPr/>
         </p:nvPicPr>
@@ -6297,7 +6287,7 @@
         <p:spPr>
           <a:xfrm>
             <a:off x="3017520" y="2286000"/>
-            <a:ext cx="3674520" cy="3037680"/>
+            <a:ext cx="3674160" cy="3037320"/>
           </a:xfrm>
           <a:prstGeom prst="rect">
             <a:avLst/>
@@ -6366,14 +6356,14 @@
       </p:grpSpPr>
       <p:sp>
         <p:nvSpPr>
-          <p:cNvPr id="147" name="CustomShape 1"/>
+          <p:cNvPr id="151" name="CustomShape 1"/>
           <p:cNvSpPr/>
           <p:nvPr/>
         </p:nvSpPr>
         <p:spPr>
           <a:xfrm>
             <a:off x="504000" y="285120"/>
-            <a:ext cx="9070920" cy="669600"/>
+            <a:ext cx="9070560" cy="669600"/>
           </a:xfrm>
           <a:prstGeom prst="rect">
             <a:avLst/>
@@ -6417,14 +6407,14 @@
       </p:sp>
       <p:sp>
         <p:nvSpPr>
-          <p:cNvPr id="148" name="CustomShape 2"/>
+          <p:cNvPr id="152" name="CustomShape 2"/>
           <p:cNvSpPr/>
           <p:nvPr/>
         </p:nvSpPr>
         <p:spPr>
           <a:xfrm>
-            <a:off x="347040" y="1376640"/>
-            <a:ext cx="9070920" cy="4383720"/>
+            <a:off x="347040" y="1371600"/>
+            <a:ext cx="9070560" cy="4383360"/>
           </a:xfrm>
           <a:prstGeom prst="rect">
             <a:avLst/>
@@ -6445,7 +6435,7 @@
             <a:noAutofit/>
           </a:bodyPr>
           <a:p>
-            <a:pPr marL="432000" indent="-323280">
+            <a:pPr marL="432000" indent="-322920">
               <a:lnSpc>
                 <a:spcPct val="100000"/>
               </a:lnSpc>
@@ -6539,7 +6529,7 @@
             </a:endParaRPr>
           </a:p>
           <a:p>
-            <a:pPr marL="432000" indent="-323280">
+            <a:pPr marL="432000" indent="-322920">
               <a:lnSpc>
                 <a:spcPct val="100000"/>
               </a:lnSpc>
@@ -6561,7 +6551,36 @@
                 <a:latin typeface="Arial"/>
                 <a:ea typeface="DejaVu Sans"/>
               </a:rPr>
-              <a:t>1) Missingness isn’t completely at random</a:t>
+              <a:t>1) Missingness isn’t completely at random                  </a:t>
+            </a:r>
+            <a:endParaRPr b="0" lang="en-US" sz="2600" spc="-1" strike="noStrike">
+              <a:latin typeface="Arial"/>
+            </a:endParaRPr>
+          </a:p>
+          <a:p>
+            <a:pPr marL="432000" indent="-322920">
+              <a:lnSpc>
+                <a:spcPct val="100000"/>
+              </a:lnSpc>
+              <a:spcBef>
+                <a:spcPts val="1417"/>
+              </a:spcBef>
+              <a:buClr>
+                <a:srgbClr val="000000"/>
+              </a:buClr>
+              <a:buSzPct val="45000"/>
+              <a:buFont typeface="Wingdings" charset="2"/>
+              <a:buChar char=""/>
+            </a:pPr>
+            <a:r>
+              <a:rPr b="0" lang="en-US" sz="2600" spc="-1" strike="noStrike">
+                <a:solidFill>
+                  <a:srgbClr val="0066cc"/>
+                </a:solidFill>
+                <a:latin typeface="Arial"/>
+                <a:ea typeface="DejaVu Sans"/>
+              </a:rPr>
+              <a:t>2) Missingness depends largely on State and Style</a:t>
             </a:r>
             <a:endParaRPr b="0" lang="en-US" sz="2600" spc="-1" strike="noStrike">
               <a:latin typeface="Arial"/>
@@ -6571,7 +6590,7 @@
       </p:sp>
       <p:pic>
         <p:nvPicPr>
-          <p:cNvPr id="149" name="" descr=""/>
+          <p:cNvPr id="153" name="" descr=""/>
           <p:cNvPicPr/>
           <p:nvPr/>
         </p:nvPicPr>
@@ -6582,7 +6601,7 @@
         <p:spPr>
           <a:xfrm>
             <a:off x="6651000" y="2377440"/>
-            <a:ext cx="3428280" cy="2833920"/>
+            <a:ext cx="3427920" cy="2833560"/>
           </a:xfrm>
           <a:prstGeom prst="rect">
             <a:avLst/>
@@ -6594,7 +6613,7 @@
       </p:pic>
       <p:pic>
         <p:nvPicPr>
-          <p:cNvPr id="150" name="" descr=""/>
+          <p:cNvPr id="154" name="" descr=""/>
           <p:cNvPicPr/>
           <p:nvPr/>
         </p:nvPicPr>
@@ -6604,8 +6623,8 @@
         </p:blipFill>
         <p:spPr>
           <a:xfrm rot="21595200">
-            <a:off x="188640" y="2363760"/>
-            <a:ext cx="3287160" cy="2717280"/>
+            <a:off x="188640" y="2363400"/>
+            <a:ext cx="3286800" cy="2716920"/>
           </a:xfrm>
           <a:prstGeom prst="rect">
             <a:avLst/>
@@ -6617,7 +6636,7 @@
       </p:pic>
       <p:pic>
         <p:nvPicPr>
-          <p:cNvPr id="151" name="" descr=""/>
+          <p:cNvPr id="155" name="" descr=""/>
           <p:cNvPicPr/>
           <p:nvPr/>
         </p:nvPicPr>
@@ -6628,7 +6647,7 @@
         <p:spPr>
           <a:xfrm>
             <a:off x="3017520" y="2286000"/>
-            <a:ext cx="3674520" cy="3037680"/>
+            <a:ext cx="3674160" cy="3037320"/>
           </a:xfrm>
           <a:prstGeom prst="rect">
             <a:avLst/>
@@ -6697,14 +6716,14 @@
       </p:grpSpPr>
       <p:sp>
         <p:nvSpPr>
-          <p:cNvPr id="152" name="CustomShape 1"/>
+          <p:cNvPr id="156" name="CustomShape 1"/>
           <p:cNvSpPr/>
           <p:nvPr/>
         </p:nvSpPr>
         <p:spPr>
           <a:xfrm>
             <a:off x="504000" y="285120"/>
-            <a:ext cx="9070920" cy="669600"/>
+            <a:ext cx="9070560" cy="669600"/>
           </a:xfrm>
           <a:prstGeom prst="rect">
             <a:avLst/>
@@ -6738,7 +6757,7 @@
                 <a:latin typeface="Arial"/>
                 <a:ea typeface="DejaVu Sans"/>
               </a:rPr>
-              <a:t>Exploratory Analysis: Missingness</a:t>
+              <a:t>Exploratory Analysis: ABV</a:t>
             </a:r>
             <a:endParaRPr b="0" lang="en-US" sz="4400" spc="-1" strike="noStrike">
               <a:latin typeface="Arial"/>
@@ -6748,14 +6767,14 @@
       </p:sp>
       <p:sp>
         <p:nvSpPr>
-          <p:cNvPr id="153" name="CustomShape 2"/>
+          <p:cNvPr id="157" name="CustomShape 2"/>
           <p:cNvSpPr/>
           <p:nvPr/>
         </p:nvSpPr>
         <p:spPr>
           <a:xfrm>
-            <a:off x="347040" y="1371600"/>
-            <a:ext cx="9070920" cy="4383720"/>
+            <a:off x="504000" y="1769040"/>
+            <a:ext cx="9070560" cy="4383360"/>
           </a:xfrm>
           <a:prstGeom prst="rect">
             <a:avLst/>
@@ -6776,7 +6795,7 @@
             <a:noAutofit/>
           </a:bodyPr>
           <a:p>
-            <a:pPr marL="432000" indent="-323280">
+            <a:pPr marL="432000" indent="-322920">
               <a:lnSpc>
                 <a:spcPct val="100000"/>
               </a:lnSpc>
@@ -6798,7 +6817,7 @@
                 <a:latin typeface="Arial"/>
                 <a:ea typeface="DejaVu Sans"/>
               </a:rPr>
-              <a:t>Missingness By State, Style, Ounces</a:t>
+              <a:t>Ounces and Style on ABV</a:t>
             </a:r>
             <a:endParaRPr b="0" lang="en-US" sz="3200" spc="-1" strike="noStrike">
               <a:latin typeface="Arial"/>
@@ -6869,69 +6888,11 @@
               <a:latin typeface="Arial"/>
             </a:endParaRPr>
           </a:p>
-          <a:p>
-            <a:pPr marL="432000" indent="-323280">
-              <a:lnSpc>
-                <a:spcPct val="100000"/>
-              </a:lnSpc>
-              <a:spcBef>
-                <a:spcPts val="1417"/>
-              </a:spcBef>
-              <a:buClr>
-                <a:srgbClr val="000000"/>
-              </a:buClr>
-              <a:buSzPct val="45000"/>
-              <a:buFont typeface="Wingdings" charset="2"/>
-              <a:buChar char=""/>
-            </a:pPr>
-            <a:r>
-              <a:rPr b="0" lang="en-US" sz="2600" spc="-1" strike="noStrike">
-                <a:solidFill>
-                  <a:srgbClr val="0066cc"/>
-                </a:solidFill>
-                <a:latin typeface="Arial"/>
-                <a:ea typeface="DejaVu Sans"/>
-              </a:rPr>
-              <a:t>1) Missingness isn’t completely at random                  </a:t>
-            </a:r>
-            <a:endParaRPr b="0" lang="en-US" sz="2600" spc="-1" strike="noStrike">
-              <a:latin typeface="Arial"/>
-            </a:endParaRPr>
-          </a:p>
-          <a:p>
-            <a:pPr marL="432000" indent="-323280">
-              <a:lnSpc>
-                <a:spcPct val="100000"/>
-              </a:lnSpc>
-              <a:spcBef>
-                <a:spcPts val="1417"/>
-              </a:spcBef>
-              <a:buClr>
-                <a:srgbClr val="000000"/>
-              </a:buClr>
-              <a:buSzPct val="45000"/>
-              <a:buFont typeface="Wingdings" charset="2"/>
-              <a:buChar char=""/>
-            </a:pPr>
-            <a:r>
-              <a:rPr b="0" lang="en-US" sz="2600" spc="-1" strike="noStrike">
-                <a:solidFill>
-                  <a:srgbClr val="0066cc"/>
-                </a:solidFill>
-                <a:latin typeface="Arial"/>
-                <a:ea typeface="DejaVu Sans"/>
-              </a:rPr>
-              <a:t>2) Missingness depends largely on State and Style</a:t>
-            </a:r>
-            <a:endParaRPr b="0" lang="en-US" sz="2600" spc="-1" strike="noStrike">
-              <a:latin typeface="Arial"/>
-            </a:endParaRPr>
-          </a:p>
         </p:txBody>
       </p:sp>
       <p:pic>
         <p:nvPicPr>
-          <p:cNvPr id="154" name="" descr=""/>
+          <p:cNvPr id="158" name="" descr=""/>
           <p:cNvPicPr/>
           <p:nvPr/>
         </p:nvPicPr>
@@ -6941,8 +6902,8 @@
         </p:blipFill>
         <p:spPr>
           <a:xfrm>
-            <a:off x="6651000" y="2377440"/>
-            <a:ext cx="3428280" cy="2833920"/>
+            <a:off x="91440" y="2434320"/>
+            <a:ext cx="5302800" cy="3965760"/>
           </a:xfrm>
           <a:prstGeom prst="rect">
             <a:avLst/>
@@ -6954,7 +6915,7 @@
       </p:pic>
       <p:pic>
         <p:nvPicPr>
-          <p:cNvPr id="155" name="" descr=""/>
+          <p:cNvPr id="159" name="" descr=""/>
           <p:cNvPicPr/>
           <p:nvPr/>
         </p:nvPicPr>
@@ -6963,32 +6924,9 @@
           <a:stretch/>
         </p:blipFill>
         <p:spPr>
-          <a:xfrm rot="21595200">
-            <a:off x="188640" y="2363760"/>
-            <a:ext cx="3287160" cy="2717280"/>
-          </a:xfrm>
-          <a:prstGeom prst="rect">
-            <a:avLst/>
-          </a:prstGeom>
-          <a:ln>
-            <a:noFill/>
-          </a:ln>
-        </p:spPr>
-      </p:pic>
-      <p:pic>
-        <p:nvPicPr>
-          <p:cNvPr id="156" name="" descr=""/>
-          <p:cNvPicPr/>
-          <p:nvPr/>
-        </p:nvPicPr>
-        <p:blipFill>
-          <a:blip r:embed="rId3"/>
-          <a:stretch/>
-        </p:blipFill>
-        <p:spPr>
-          <a:xfrm>
-            <a:off x="3017520" y="2286000"/>
-            <a:ext cx="3674520" cy="3037680"/>
+          <a:xfrm>
+            <a:off x="5527440" y="2468880"/>
+            <a:ext cx="4552560" cy="3839760"/>
           </a:xfrm>
           <a:prstGeom prst="rect">
             <a:avLst/>
@@ -7057,14 +6995,14 @@
       </p:grpSpPr>
       <p:sp>
         <p:nvSpPr>
-          <p:cNvPr id="157" name="CustomShape 1"/>
+          <p:cNvPr id="160" name="CustomShape 1"/>
           <p:cNvSpPr/>
           <p:nvPr/>
         </p:nvSpPr>
         <p:spPr>
           <a:xfrm>
             <a:off x="504000" y="285120"/>
-            <a:ext cx="9070920" cy="669600"/>
+            <a:ext cx="9070560" cy="669600"/>
           </a:xfrm>
           <a:prstGeom prst="rect">
             <a:avLst/>
@@ -7108,14 +7046,14 @@
       </p:sp>
       <p:sp>
         <p:nvSpPr>
-          <p:cNvPr id="158" name="CustomShape 2"/>
+          <p:cNvPr id="161" name="CustomShape 2"/>
           <p:cNvSpPr/>
           <p:nvPr/>
         </p:nvSpPr>
         <p:spPr>
           <a:xfrm>
             <a:off x="504000" y="1769040"/>
-            <a:ext cx="9070920" cy="4383720"/>
+            <a:ext cx="9070560" cy="4383360"/>
           </a:xfrm>
           <a:prstGeom prst="rect">
             <a:avLst/>
@@ -7136,31 +7074,15 @@
             <a:noAutofit/>
           </a:bodyPr>
           <a:p>
-            <a:pPr marL="432000" indent="-323280">
+            <a:pPr>
               <a:lnSpc>
                 <a:spcPct val="100000"/>
               </a:lnSpc>
               <a:spcBef>
                 <a:spcPts val="1417"/>
               </a:spcBef>
-              <a:buClr>
-                <a:srgbClr val="000000"/>
-              </a:buClr>
-              <a:buSzPct val="45000"/>
-              <a:buFont typeface="Wingdings" charset="2"/>
-              <a:buChar char=""/>
-            </a:pPr>
-            <a:r>
-              <a:rPr b="0" lang="en-US" sz="3200" spc="-1" strike="noStrike">
-                <a:solidFill>
-                  <a:srgbClr val="0066cc"/>
-                </a:solidFill>
-                <a:latin typeface="Arial"/>
-                <a:ea typeface="DejaVu Sans"/>
-              </a:rPr>
-              <a:t>Ounces and Style on ABV</a:t>
-            </a:r>
-            <a:endParaRPr b="0" lang="en-US" sz="3200" spc="-1" strike="noStrike">
+            </a:pPr>
+            <a:endParaRPr b="0" lang="en-US" sz="1800" spc="-1" strike="noStrike">
               <a:latin typeface="Arial"/>
             </a:endParaRPr>
           </a:p>
@@ -7173,7 +7095,7 @@
                 <a:spcPts val="1417"/>
               </a:spcBef>
             </a:pPr>
-            <a:endParaRPr b="0" lang="en-US" sz="3200" spc="-1" strike="noStrike">
+            <a:endParaRPr b="0" lang="en-US" sz="1800" spc="-1" strike="noStrike">
               <a:latin typeface="Arial"/>
             </a:endParaRPr>
           </a:p>
@@ -7186,7 +7108,7 @@
                 <a:spcPts val="1417"/>
               </a:spcBef>
             </a:pPr>
-            <a:endParaRPr b="0" lang="en-US" sz="3200" spc="-1" strike="noStrike">
+            <a:endParaRPr b="0" lang="en-US" sz="1800" spc="-1" strike="noStrike">
               <a:latin typeface="Arial"/>
             </a:endParaRPr>
           </a:p>
@@ -7199,7 +7121,7 @@
                 <a:spcPts val="1417"/>
               </a:spcBef>
             </a:pPr>
-            <a:endParaRPr b="0" lang="en-US" sz="3200" spc="-1" strike="noStrike">
+            <a:endParaRPr b="0" lang="en-US" sz="1800" spc="-1" strike="noStrike">
               <a:latin typeface="Arial"/>
             </a:endParaRPr>
           </a:p>
@@ -7212,7 +7134,7 @@
                 <a:spcPts val="1417"/>
               </a:spcBef>
             </a:pPr>
-            <a:endParaRPr b="0" lang="en-US" sz="3200" spc="-1" strike="noStrike">
+            <a:endParaRPr b="0" lang="en-US" sz="1800" spc="-1" strike="noStrike">
               <a:latin typeface="Arial"/>
             </a:endParaRPr>
           </a:p>
@@ -7225,7 +7147,7 @@
                 <a:spcPts val="1417"/>
               </a:spcBef>
             </a:pPr>
-            <a:endParaRPr b="0" lang="en-US" sz="3200" spc="-1" strike="noStrike">
+            <a:endParaRPr b="0" lang="en-US" sz="1800" spc="-1" strike="noStrike">
               <a:latin typeface="Arial"/>
             </a:endParaRPr>
           </a:p>
@@ -7233,7 +7155,7 @@
       </p:sp>
       <p:pic>
         <p:nvPicPr>
-          <p:cNvPr id="159" name="" descr=""/>
+          <p:cNvPr id="162" name="" descr=""/>
           <p:cNvPicPr/>
           <p:nvPr/>
         </p:nvPicPr>
@@ -7243,8 +7165,8 @@
         </p:blipFill>
         <p:spPr>
           <a:xfrm>
-            <a:off x="91440" y="2434320"/>
-            <a:ext cx="5303160" cy="3966120"/>
+            <a:off x="91440" y="1905480"/>
+            <a:ext cx="6217200" cy="4494600"/>
           </a:xfrm>
           <a:prstGeom prst="rect">
             <a:avLst/>
@@ -7254,29 +7176,188 @@
           </a:ln>
         </p:spPr>
       </p:pic>
-      <p:pic>
-        <p:nvPicPr>
-          <p:cNvPr id="160" name="" descr=""/>
-          <p:cNvPicPr/>
+      <p:sp>
+        <p:nvSpPr>
+          <p:cNvPr id="163" name="CustomShape 3"/>
+          <p:cNvSpPr/>
           <p:nvPr/>
-        </p:nvPicPr>
-        <p:blipFill>
-          <a:blip r:embed="rId2"/>
-          <a:stretch/>
-        </p:blipFill>
-        <p:spPr>
-          <a:xfrm>
-            <a:off x="5527440" y="2468880"/>
-            <a:ext cx="4552920" cy="3840120"/>
-          </a:xfrm>
-          <a:prstGeom prst="rect">
-            <a:avLst/>
-          </a:prstGeom>
+        </p:nvSpPr>
+        <p:spPr>
+          <a:xfrm>
+            <a:off x="274320" y="1208160"/>
+            <a:ext cx="5577120" cy="363960"/>
+          </a:xfrm>
+          <a:prstGeom prst="rect">
+            <a:avLst/>
+          </a:prstGeom>
+          <a:noFill/>
           <a:ln>
             <a:noFill/>
           </a:ln>
         </p:spPr>
-      </p:pic>
+        <p:style>
+          <a:lnRef idx="0"/>
+          <a:fillRef idx="0"/>
+          <a:effectRef idx="0"/>
+          <a:fontRef idx="minor"/>
+        </p:style>
+        <p:txBody>
+          <a:bodyPr lIns="90000" rIns="90000" tIns="45000" bIns="45000">
+            <a:spAutoFit/>
+          </a:bodyPr>
+          <a:p>
+            <a:pPr>
+              <a:lnSpc>
+                <a:spcPct val="100000"/>
+              </a:lnSpc>
+            </a:pPr>
+            <a:r>
+              <a:rPr b="1" lang="en-US" sz="1800" spc="-1" strike="noStrike">
+                <a:solidFill>
+                  <a:srgbClr val="000000"/>
+                </a:solidFill>
+                <a:latin typeface="Arial"/>
+                <a:ea typeface="DejaVu Sans"/>
+              </a:rPr>
+              <a:t>Is there a relationship between Ounces and ABV?</a:t>
+            </a:r>
+            <a:endParaRPr b="0" lang="en-US" sz="1800" spc="-1" strike="noStrike">
+              <a:latin typeface="Arial"/>
+            </a:endParaRPr>
+          </a:p>
+        </p:txBody>
+      </p:sp>
+      <p:sp>
+        <p:nvSpPr>
+          <p:cNvPr id="164" name="CustomShape 4"/>
+          <p:cNvSpPr/>
+          <p:nvPr/>
+        </p:nvSpPr>
+        <p:spPr>
+          <a:xfrm>
+            <a:off x="6309360" y="1446120"/>
+            <a:ext cx="3722400" cy="4753080"/>
+          </a:xfrm>
+          <a:prstGeom prst="rect">
+            <a:avLst/>
+          </a:prstGeom>
+          <a:noFill/>
+          <a:ln>
+            <a:noFill/>
+          </a:ln>
+        </p:spPr>
+        <p:style>
+          <a:lnRef idx="0"/>
+          <a:fillRef idx="0"/>
+          <a:effectRef idx="0"/>
+          <a:fontRef idx="minor"/>
+        </p:style>
+        <p:txBody>
+          <a:bodyPr lIns="90000" rIns="90000" tIns="45000" bIns="45000">
+            <a:spAutoFit/>
+          </a:bodyPr>
+          <a:p>
+            <a:pPr>
+              <a:lnSpc>
+                <a:spcPct val="100000"/>
+              </a:lnSpc>
+            </a:pPr>
+            <a:r>
+              <a:rPr b="0" lang="en-US" sz="1800" spc="-1" strike="noStrike">
+                <a:solidFill>
+                  <a:srgbClr val="000000"/>
+                </a:solidFill>
+                <a:latin typeface="Arial"/>
+                <a:ea typeface="DejaVu Sans"/>
+              </a:rPr>
+              <a:t>The data seems quite friendly to the t-test and the large sample size should yield sufficient statistical power.</a:t>
+            </a:r>
+            <a:endParaRPr b="0" lang="en-US" sz="1800" spc="-1" strike="noStrike">
+              <a:latin typeface="Arial"/>
+            </a:endParaRPr>
+          </a:p>
+          <a:p>
+            <a:pPr>
+              <a:lnSpc>
+                <a:spcPct val="100000"/>
+              </a:lnSpc>
+            </a:pPr>
+            <a:endParaRPr b="0" lang="en-US" sz="1800" spc="-1" strike="noStrike">
+              <a:latin typeface="Arial"/>
+            </a:endParaRPr>
+          </a:p>
+          <a:p>
+            <a:pPr>
+              <a:lnSpc>
+                <a:spcPct val="100000"/>
+              </a:lnSpc>
+            </a:pPr>
+            <a:endParaRPr b="0" lang="en-US" sz="1800" spc="-1" strike="noStrike">
+              <a:latin typeface="Arial"/>
+            </a:endParaRPr>
+          </a:p>
+          <a:p>
+            <a:pPr>
+              <a:lnSpc>
+                <a:spcPct val="100000"/>
+              </a:lnSpc>
+            </a:pPr>
+            <a:r>
+              <a:rPr b="0" lang="en-US" sz="1800" spc="-1" strike="noStrike">
+                <a:solidFill>
+                  <a:srgbClr val="000000"/>
+                </a:solidFill>
+                <a:latin typeface="Arial"/>
+                <a:ea typeface="DejaVu Sans"/>
+              </a:rPr>
+              <a:t>A paired t-test yields no evidence of a significant difference between the 12 ounce and the 16 ounce group (p = 0.57) with a confidence interval [-0.06%, 0.03%].</a:t>
+            </a:r>
+            <a:endParaRPr b="0" lang="en-US" sz="1800" spc="-1" strike="noStrike">
+              <a:latin typeface="Arial"/>
+            </a:endParaRPr>
+          </a:p>
+          <a:p>
+            <a:pPr>
+              <a:lnSpc>
+                <a:spcPct val="100000"/>
+              </a:lnSpc>
+            </a:pPr>
+            <a:endParaRPr b="0" lang="en-US" sz="1800" spc="-1" strike="noStrike">
+              <a:latin typeface="Arial"/>
+            </a:endParaRPr>
+          </a:p>
+          <a:p>
+            <a:pPr>
+              <a:lnSpc>
+                <a:spcPct val="100000"/>
+              </a:lnSpc>
+            </a:pPr>
+            <a:endParaRPr b="0" lang="en-US" sz="1800" spc="-1" strike="noStrike">
+              <a:latin typeface="Arial"/>
+            </a:endParaRPr>
+          </a:p>
+          <a:p>
+            <a:pPr>
+              <a:lnSpc>
+                <a:spcPct val="100000"/>
+              </a:lnSpc>
+            </a:pPr>
+            <a:r>
+              <a:rPr b="0" lang="en-US" sz="1800" spc="-1" strike="noStrike">
+                <a:solidFill>
+                  <a:srgbClr val="000000"/>
+                </a:solidFill>
+                <a:latin typeface="Arial"/>
+                <a:ea typeface="DejaVu Sans"/>
+              </a:rPr>
+              <a:t>The data is very conformable with there being no difference in mean ABV values between the two groups. </a:t>
+            </a:r>
+            <a:endParaRPr b="0" lang="en-US" sz="1800" spc="-1" strike="noStrike">
+              <a:latin typeface="Arial"/>
+            </a:endParaRPr>
+          </a:p>
+        </p:txBody>
+      </p:sp>
     </p:spTree>
   </p:cSld>
   <mc:AlternateContent>
@@ -7336,14 +7417,14 @@
       </p:grpSpPr>
       <p:sp>
         <p:nvSpPr>
-          <p:cNvPr id="161" name="CustomShape 1"/>
+          <p:cNvPr id="165" name="CustomShape 1"/>
           <p:cNvSpPr/>
           <p:nvPr/>
         </p:nvSpPr>
         <p:spPr>
           <a:xfrm>
-            <a:off x="504000" y="285120"/>
-            <a:ext cx="9070920" cy="669600"/>
+            <a:off x="504000" y="284400"/>
+            <a:ext cx="9070560" cy="670320"/>
           </a:xfrm>
           <a:prstGeom prst="rect">
             <a:avLst/>
@@ -7387,14 +7468,14 @@
       </p:sp>
       <p:sp>
         <p:nvSpPr>
-          <p:cNvPr id="162" name="CustomShape 2"/>
+          <p:cNvPr id="166" name="CustomShape 2"/>
           <p:cNvSpPr/>
           <p:nvPr/>
         </p:nvSpPr>
         <p:spPr>
           <a:xfrm>
             <a:off x="504000" y="1769040"/>
-            <a:ext cx="9070920" cy="4383720"/>
+            <a:ext cx="9070560" cy="4383360"/>
           </a:xfrm>
           <a:prstGeom prst="rect">
             <a:avLst/>
@@ -7494,9 +7575,60 @@
           </a:p>
         </p:txBody>
       </p:sp>
+      <p:sp>
+        <p:nvSpPr>
+          <p:cNvPr id="167" name="CustomShape 3"/>
+          <p:cNvSpPr/>
+          <p:nvPr/>
+        </p:nvSpPr>
+        <p:spPr>
+          <a:xfrm>
+            <a:off x="457200" y="1280160"/>
+            <a:ext cx="5485680" cy="363960"/>
+          </a:xfrm>
+          <a:prstGeom prst="rect">
+            <a:avLst/>
+          </a:prstGeom>
+          <a:noFill/>
+          <a:ln>
+            <a:noFill/>
+          </a:ln>
+        </p:spPr>
+        <p:style>
+          <a:lnRef idx="0"/>
+          <a:fillRef idx="0"/>
+          <a:effectRef idx="0"/>
+          <a:fontRef idx="minor"/>
+        </p:style>
+        <p:txBody>
+          <a:bodyPr lIns="90000" rIns="90000" tIns="45000" bIns="45000">
+            <a:spAutoFit/>
+          </a:bodyPr>
+          <a:p>
+            <a:pPr>
+              <a:lnSpc>
+                <a:spcPct val="100000"/>
+              </a:lnSpc>
+            </a:pPr>
+            <a:r>
+              <a:rPr b="1" lang="en-US" sz="1800" spc="-1" strike="noStrike">
+                <a:solidFill>
+                  <a:srgbClr val="000000"/>
+                </a:solidFill>
+                <a:latin typeface="Arial"/>
+                <a:ea typeface="DejaVu Sans"/>
+              </a:rPr>
+              <a:t>ABV and Missingness of IBU</a:t>
+            </a:r>
+            <a:endParaRPr b="0" lang="en-US" sz="1800" spc="-1" strike="noStrike">
+              <a:latin typeface="Arial"/>
+            </a:endParaRPr>
+          </a:p>
+        </p:txBody>
+      </p:sp>
       <p:pic>
         <p:nvPicPr>
-          <p:cNvPr id="163" name="" descr=""/>
+          <p:cNvPr id="168" name="" descr=""/>
           <p:cNvPicPr/>
           <p:nvPr/>
         </p:nvPicPr>
@@ -7506,8 +7638,8 @@
         </p:blipFill>
         <p:spPr>
           <a:xfrm>
-            <a:off x="91440" y="1905480"/>
-            <a:ext cx="6217560" cy="4494960"/>
+            <a:off x="645480" y="1645920"/>
+            <a:ext cx="5571720" cy="4817160"/>
           </a:xfrm>
           <a:prstGeom prst="rect">
             <a:avLst/>
@@ -7517,172 +7649,6 @@
           </a:ln>
         </p:spPr>
       </p:pic>
-      <p:sp>
-        <p:nvSpPr>
-          <p:cNvPr id="164" name="CustomShape 3"/>
-          <p:cNvSpPr/>
-          <p:nvPr/>
-        </p:nvSpPr>
-        <p:spPr>
-          <a:xfrm>
-            <a:off x="274320" y="1208160"/>
-            <a:ext cx="5577480" cy="363960"/>
-          </a:xfrm>
-          <a:prstGeom prst="rect">
-            <a:avLst/>
-          </a:prstGeom>
-          <a:noFill/>
-          <a:ln>
-            <a:noFill/>
-          </a:ln>
-        </p:spPr>
-        <p:style>
-          <a:lnRef idx="0"/>
-          <a:fillRef idx="0"/>
-          <a:effectRef idx="0"/>
-          <a:fontRef idx="minor"/>
-        </p:style>
-        <p:txBody>
-          <a:bodyPr lIns="90000" rIns="90000" tIns="45000" bIns="45000">
-            <a:spAutoFit/>
-          </a:bodyPr>
-          <a:p>
-            <a:pPr>
-              <a:lnSpc>
-                <a:spcPct val="100000"/>
-              </a:lnSpc>
-            </a:pPr>
-            <a:r>
-              <a:rPr b="1" lang="en-US" sz="1800" spc="-1" strike="noStrike">
-                <a:latin typeface="Arial"/>
-              </a:rPr>
-              <a:t>Is there a relationship between Ounces and ABV?</a:t>
-            </a:r>
-            <a:endParaRPr b="0" lang="en-US" sz="1800" spc="-1" strike="noStrike">
-              <a:latin typeface="Arial"/>
-            </a:endParaRPr>
-          </a:p>
-        </p:txBody>
-      </p:sp>
-      <p:sp>
-        <p:nvSpPr>
-          <p:cNvPr id="165" name="CustomShape 4"/>
-          <p:cNvSpPr/>
-          <p:nvPr/>
-        </p:nvSpPr>
-        <p:spPr>
-          <a:xfrm>
-            <a:off x="6309360" y="1446120"/>
-            <a:ext cx="3722760" cy="4753080"/>
-          </a:xfrm>
-          <a:prstGeom prst="rect">
-            <a:avLst/>
-          </a:prstGeom>
-          <a:noFill/>
-          <a:ln>
-            <a:noFill/>
-          </a:ln>
-        </p:spPr>
-        <p:style>
-          <a:lnRef idx="0"/>
-          <a:fillRef idx="0"/>
-          <a:effectRef idx="0"/>
-          <a:fontRef idx="minor"/>
-        </p:style>
-        <p:txBody>
-          <a:bodyPr lIns="90000" rIns="90000" tIns="45000" bIns="45000">
-            <a:spAutoFit/>
-          </a:bodyPr>
-          <a:p>
-            <a:pPr>
-              <a:lnSpc>
-                <a:spcPct val="100000"/>
-              </a:lnSpc>
-            </a:pPr>
-            <a:r>
-              <a:rPr b="0" lang="en-US" sz="1800" spc="-1" strike="noStrike">
-                <a:latin typeface="Arial"/>
-              </a:rPr>
-              <a:t>The data seems quite friendly to the t-test and the large sample size should yield sufficient statistical power.</a:t>
-            </a:r>
-            <a:endParaRPr b="0" lang="en-US" sz="1800" spc="-1" strike="noStrike">
-              <a:latin typeface="Arial"/>
-            </a:endParaRPr>
-          </a:p>
-          <a:p>
-            <a:pPr>
-              <a:lnSpc>
-                <a:spcPct val="100000"/>
-              </a:lnSpc>
-            </a:pPr>
-            <a:endParaRPr b="0" lang="en-US" sz="1800" spc="-1" strike="noStrike">
-              <a:latin typeface="Arial"/>
-            </a:endParaRPr>
-          </a:p>
-          <a:p>
-            <a:pPr>
-              <a:lnSpc>
-                <a:spcPct val="100000"/>
-              </a:lnSpc>
-            </a:pPr>
-            <a:endParaRPr b="0" lang="en-US" sz="1800" spc="-1" strike="noStrike">
-              <a:latin typeface="Arial"/>
-            </a:endParaRPr>
-          </a:p>
-          <a:p>
-            <a:pPr>
-              <a:lnSpc>
-                <a:spcPct val="100000"/>
-              </a:lnSpc>
-            </a:pPr>
-            <a:r>
-              <a:rPr b="0" lang="en-US" sz="1800" spc="-1" strike="noStrike">
-                <a:latin typeface="Arial"/>
-              </a:rPr>
-              <a:t>A paired t-test yields no evidence of a significant difference between the 12 ounce and the 16 ounce group (p = 0.57) with a confidence interval [-0.06%, 0.03%].</a:t>
-            </a:r>
-            <a:endParaRPr b="0" lang="en-US" sz="1800" spc="-1" strike="noStrike">
-              <a:latin typeface="Arial"/>
-            </a:endParaRPr>
-          </a:p>
-          <a:p>
-            <a:pPr>
-              <a:lnSpc>
-                <a:spcPct val="100000"/>
-              </a:lnSpc>
-            </a:pPr>
-            <a:endParaRPr b="0" lang="en-US" sz="1800" spc="-1" strike="noStrike">
-              <a:latin typeface="Arial"/>
-            </a:endParaRPr>
-          </a:p>
-          <a:p>
-            <a:pPr>
-              <a:lnSpc>
-                <a:spcPct val="100000"/>
-              </a:lnSpc>
-            </a:pPr>
-            <a:endParaRPr b="0" lang="en-US" sz="1800" spc="-1" strike="noStrike">
-              <a:latin typeface="Arial"/>
-            </a:endParaRPr>
-          </a:p>
-          <a:p>
-            <a:pPr>
-              <a:lnSpc>
-                <a:spcPct val="100000"/>
-              </a:lnSpc>
-            </a:pPr>
-            <a:r>
-              <a:rPr b="0" lang="en-US" sz="1800" spc="-1" strike="noStrike">
-                <a:latin typeface="Arial"/>
-              </a:rPr>
-              <a:t>The data is very conformable with there being no difference in mean ABV values between the two groups. </a:t>
-            </a:r>
-            <a:endParaRPr b="0" lang="en-US" sz="1800" spc="-1" strike="noStrike">
-              <a:latin typeface="Arial"/>
-            </a:endParaRPr>
-          </a:p>
-        </p:txBody>
-      </p:sp>
     </p:spTree>
   </p:cSld>
   <mc:AlternateContent>
@@ -7742,14 +7708,14 @@
       </p:grpSpPr>
       <p:sp>
         <p:nvSpPr>
-          <p:cNvPr id="166" name="CustomShape 1"/>
+          <p:cNvPr id="169" name="CustomShape 1"/>
           <p:cNvSpPr/>
           <p:nvPr/>
         </p:nvSpPr>
         <p:spPr>
           <a:xfrm>
             <a:off x="504000" y="284400"/>
-            <a:ext cx="9070920" cy="670680"/>
+            <a:ext cx="9070560" cy="670320"/>
           </a:xfrm>
           <a:prstGeom prst="rect">
             <a:avLst/>
@@ -7793,14 +7759,14 @@
       </p:sp>
       <p:sp>
         <p:nvSpPr>
-          <p:cNvPr id="167" name="CustomShape 2"/>
+          <p:cNvPr id="170" name="CustomShape 2"/>
           <p:cNvSpPr/>
           <p:nvPr/>
         </p:nvSpPr>
         <p:spPr>
           <a:xfrm>
             <a:off x="504000" y="1769040"/>
-            <a:ext cx="9070920" cy="4383720"/>
+            <a:ext cx="9070560" cy="4383360"/>
           </a:xfrm>
           <a:prstGeom prst="rect">
             <a:avLst/>
@@ -7902,14 +7868,14 @@
       </p:sp>
       <p:sp>
         <p:nvSpPr>
-          <p:cNvPr id="168" name="CustomShape 3"/>
+          <p:cNvPr id="171" name="CustomShape 3"/>
           <p:cNvSpPr/>
           <p:nvPr/>
         </p:nvSpPr>
         <p:spPr>
           <a:xfrm>
             <a:off x="457200" y="1280160"/>
-            <a:ext cx="5486040" cy="363960"/>
+            <a:ext cx="5485680" cy="363960"/>
           </a:xfrm>
           <a:prstGeom prst="rect">
             <a:avLst/>
@@ -7937,7 +7903,11 @@
             </a:pPr>
             <a:r>
               <a:rPr b="1" lang="en-US" sz="1800" spc="-1" strike="noStrike">
-                <a:latin typeface="Arial"/>
+                <a:solidFill>
+                  <a:srgbClr val="000000"/>
+                </a:solidFill>
+                <a:latin typeface="Arial"/>
+                <a:ea typeface="DejaVu Sans"/>
               </a:rPr>
               <a:t>ABV and Missingness of IBU</a:t>
             </a:r>
@@ -7949,7 +7919,7 @@
       </p:sp>
       <p:pic>
         <p:nvPicPr>
-          <p:cNvPr id="169" name="" descr=""/>
+          <p:cNvPr id="172" name="" descr=""/>
           <p:cNvPicPr/>
           <p:nvPr/>
         </p:nvPicPr>
@@ -7960,7 +7930,7 @@
         <p:spPr>
           <a:xfrm>
             <a:off x="645480" y="1645920"/>
-            <a:ext cx="5572080" cy="4817520"/>
+            <a:ext cx="5571720" cy="4817160"/>
           </a:xfrm>
           <a:prstGeom prst="rect">
             <a:avLst/>
@@ -7970,6 +7940,57 @@
           </a:ln>
         </p:spPr>
       </p:pic>
+      <p:sp>
+        <p:nvSpPr>
+          <p:cNvPr id="173" name="CustomShape 4"/>
+          <p:cNvSpPr/>
+          <p:nvPr/>
+        </p:nvSpPr>
+        <p:spPr>
+          <a:xfrm>
+            <a:off x="6309360" y="1737360"/>
+            <a:ext cx="3382560" cy="1430640"/>
+          </a:xfrm>
+          <a:prstGeom prst="rect">
+            <a:avLst/>
+          </a:prstGeom>
+          <a:noFill/>
+          <a:ln>
+            <a:noFill/>
+          </a:ln>
+        </p:spPr>
+        <p:style>
+          <a:lnRef idx="0"/>
+          <a:fillRef idx="0"/>
+          <a:effectRef idx="0"/>
+          <a:fontRef idx="minor"/>
+        </p:style>
+        <p:txBody>
+          <a:bodyPr lIns="90000" rIns="90000" tIns="45000" bIns="45000">
+            <a:spAutoFit/>
+          </a:bodyPr>
+          <a:p>
+            <a:pPr>
+              <a:lnSpc>
+                <a:spcPct val="100000"/>
+              </a:lnSpc>
+            </a:pPr>
+            <a:r>
+              <a:rPr b="0" lang="en-US" sz="2200" spc="-1" strike="noStrike">
+                <a:solidFill>
+                  <a:srgbClr val="000000"/>
+                </a:solidFill>
+                <a:latin typeface="Arial"/>
+                <a:ea typeface="DejaVu Sans"/>
+              </a:rPr>
+              <a:t>There is a very strong sign of independence between ABV and the missingness of IBU.</a:t>
+            </a:r>
+            <a:endParaRPr b="0" lang="en-US" sz="2200" spc="-1" strike="noStrike">
+              <a:latin typeface="Arial"/>
+            </a:endParaRPr>
+          </a:p>
+        </p:txBody>
+      </p:sp>
     </p:spTree>
   </p:cSld>
   <mc:AlternateContent>
@@ -8029,14 +8050,14 @@
       </p:grpSpPr>
       <p:sp>
         <p:nvSpPr>
-          <p:cNvPr id="170" name="CustomShape 1"/>
+          <p:cNvPr id="174" name="CustomShape 1"/>
           <p:cNvSpPr/>
           <p:nvPr/>
         </p:nvSpPr>
         <p:spPr>
           <a:xfrm>
             <a:off x="504000" y="284400"/>
-            <a:ext cx="9070920" cy="670680"/>
+            <a:ext cx="9070560" cy="670320"/>
           </a:xfrm>
           <a:prstGeom prst="rect">
             <a:avLst/>
@@ -8070,7 +8091,7 @@
                 <a:latin typeface="Arial"/>
                 <a:ea typeface="DejaVu Sans"/>
               </a:rPr>
-              <a:t>Exploratory Analysis: ABV</a:t>
+              <a:t>IBU and ABV by State</a:t>
             </a:r>
             <a:endParaRPr b="0" lang="en-US" sz="4400" spc="-1" strike="noStrike">
               <a:latin typeface="Arial"/>
@@ -8080,14 +8101,14 @@
       </p:sp>
       <p:sp>
         <p:nvSpPr>
-          <p:cNvPr id="171" name="CustomShape 2"/>
+          <p:cNvPr id="175" name="CustomShape 2"/>
           <p:cNvSpPr/>
           <p:nvPr/>
         </p:nvSpPr>
         <p:spPr>
           <a:xfrm>
             <a:off x="504000" y="1769040"/>
-            <a:ext cx="9070920" cy="4383720"/>
+            <a:ext cx="9070560" cy="4383360"/>
           </a:xfrm>
           <a:prstGeom prst="rect">
             <a:avLst/>
@@ -8187,56 +8208,9 @@
           </a:p>
         </p:txBody>
       </p:sp>
-      <p:sp>
-        <p:nvSpPr>
-          <p:cNvPr id="172" name="CustomShape 3"/>
-          <p:cNvSpPr/>
-          <p:nvPr/>
-        </p:nvSpPr>
-        <p:spPr>
-          <a:xfrm>
-            <a:off x="457200" y="1280160"/>
-            <a:ext cx="5486040" cy="363960"/>
-          </a:xfrm>
-          <a:prstGeom prst="rect">
-            <a:avLst/>
-          </a:prstGeom>
-          <a:noFill/>
-          <a:ln>
-            <a:noFill/>
-          </a:ln>
-        </p:spPr>
-        <p:style>
-          <a:lnRef idx="0"/>
-          <a:fillRef idx="0"/>
-          <a:effectRef idx="0"/>
-          <a:fontRef idx="minor"/>
-        </p:style>
-        <p:txBody>
-          <a:bodyPr lIns="90000" rIns="90000" tIns="45000" bIns="45000">
-            <a:spAutoFit/>
-          </a:bodyPr>
-          <a:p>
-            <a:pPr>
-              <a:lnSpc>
-                <a:spcPct val="100000"/>
-              </a:lnSpc>
-            </a:pPr>
-            <a:r>
-              <a:rPr b="1" lang="en-US" sz="1800" spc="-1" strike="noStrike">
-                <a:latin typeface="Arial"/>
-              </a:rPr>
-              <a:t>ABV and Missingness of IBU</a:t>
-            </a:r>
-            <a:endParaRPr b="0" lang="en-US" sz="1800" spc="-1" strike="noStrike">
-              <a:latin typeface="Arial"/>
-            </a:endParaRPr>
-          </a:p>
-        </p:txBody>
-      </p:sp>
       <p:pic>
         <p:nvPicPr>
-          <p:cNvPr id="173" name="" descr=""/>
+          <p:cNvPr id="176" name="" descr=""/>
           <p:cNvPicPr/>
           <p:nvPr/>
         </p:nvPicPr>
@@ -8246,8 +8220,8 @@
         </p:blipFill>
         <p:spPr>
           <a:xfrm>
-            <a:off x="645480" y="1645920"/>
-            <a:ext cx="5572080" cy="4817520"/>
+            <a:off x="169560" y="1371600"/>
+            <a:ext cx="5076000" cy="4388400"/>
           </a:xfrm>
           <a:prstGeom prst="rect">
             <a:avLst/>
@@ -8257,53 +8231,29 @@
           </a:ln>
         </p:spPr>
       </p:pic>
-      <p:sp>
-        <p:nvSpPr>
-          <p:cNvPr id="174" name="CustomShape 4"/>
-          <p:cNvSpPr/>
+      <p:pic>
+        <p:nvPicPr>
+          <p:cNvPr id="177" name="" descr=""/>
+          <p:cNvPicPr/>
           <p:nvPr/>
-        </p:nvSpPr>
-        <p:spPr>
-          <a:xfrm>
-            <a:off x="6309360" y="1737360"/>
-            <a:ext cx="3382920" cy="1431000"/>
-          </a:xfrm>
-          <a:prstGeom prst="rect">
-            <a:avLst/>
-          </a:prstGeom>
-          <a:noFill/>
+        </p:nvPicPr>
+        <p:blipFill>
+          <a:blip r:embed="rId2"/>
+          <a:stretch/>
+        </p:blipFill>
+        <p:spPr>
+          <a:xfrm>
+            <a:off x="5394960" y="1554480"/>
+            <a:ext cx="4571280" cy="3952080"/>
+          </a:xfrm>
+          <a:prstGeom prst="rect">
+            <a:avLst/>
+          </a:prstGeom>
           <a:ln>
             <a:noFill/>
           </a:ln>
         </p:spPr>
-        <p:style>
-          <a:lnRef idx="0"/>
-          <a:fillRef idx="0"/>
-          <a:effectRef idx="0"/>
-          <a:fontRef idx="minor"/>
-        </p:style>
-        <p:txBody>
-          <a:bodyPr lIns="90000" rIns="90000" tIns="45000" bIns="45000">
-            <a:spAutoFit/>
-          </a:bodyPr>
-          <a:p>
-            <a:pPr>
-              <a:lnSpc>
-                <a:spcPct val="100000"/>
-              </a:lnSpc>
-            </a:pPr>
-            <a:r>
-              <a:rPr b="0" lang="en-US" sz="2200" spc="-1" strike="noStrike">
-                <a:latin typeface="Arial"/>
-              </a:rPr>
-              <a:t>There is a very strong sign of independence between ABV and the missingness of IBU.</a:t>
-            </a:r>
-            <a:endParaRPr b="0" lang="en-US" sz="2200" spc="-1" strike="noStrike">
-              <a:latin typeface="Arial"/>
-            </a:endParaRPr>
-          </a:p>
-        </p:txBody>
-      </p:sp>
+      </p:pic>
     </p:spTree>
   </p:cSld>
   <mc:AlternateContent>
@@ -8370,7 +8320,7 @@
         <p:spPr>
           <a:xfrm>
             <a:off x="822960" y="1097280"/>
-            <a:ext cx="7954560" cy="455400"/>
+            <a:ext cx="7954200" cy="455400"/>
           </a:xfrm>
           <a:prstGeom prst="rect">
             <a:avLst/>
@@ -8472,14 +8422,14 @@
       </p:grpSpPr>
       <p:sp>
         <p:nvSpPr>
-          <p:cNvPr id="175" name="CustomShape 1"/>
+          <p:cNvPr id="178" name="CustomShape 1"/>
           <p:cNvSpPr/>
           <p:nvPr/>
         </p:nvSpPr>
         <p:spPr>
           <a:xfrm>
-            <a:off x="504000" y="284400"/>
-            <a:ext cx="9070920" cy="670680"/>
+            <a:off x="504000" y="285120"/>
+            <a:ext cx="9070560" cy="669600"/>
           </a:xfrm>
           <a:prstGeom prst="rect">
             <a:avLst/>
@@ -8513,7 +8463,7 @@
                 <a:latin typeface="Arial"/>
                 <a:ea typeface="DejaVu Sans"/>
               </a:rPr>
-              <a:t>IBU and ABV by State</a:t>
+              <a:t>What We Have Learned</a:t>
             </a:r>
             <a:endParaRPr b="0" lang="en-US" sz="4400" spc="-1" strike="noStrike">
               <a:latin typeface="Arial"/>
@@ -8523,14 +8473,14 @@
       </p:sp>
       <p:sp>
         <p:nvSpPr>
-          <p:cNvPr id="176" name="CustomShape 2"/>
+          <p:cNvPr id="179" name="CustomShape 2"/>
           <p:cNvSpPr/>
           <p:nvPr/>
         </p:nvSpPr>
         <p:spPr>
           <a:xfrm>
             <a:off x="504000" y="1769040"/>
-            <a:ext cx="9070920" cy="4383720"/>
+            <a:ext cx="9070560" cy="4383360"/>
           </a:xfrm>
           <a:prstGeom prst="rect">
             <a:avLst/>
@@ -8546,93 +8496,10 @@
           <a:effectRef idx="0"/>
           <a:fontRef idx="minor"/>
         </p:style>
-        <p:txBody>
-          <a:bodyPr lIns="0" rIns="0" tIns="0" bIns="0">
-            <a:noAutofit/>
-          </a:bodyPr>
-          <a:p>
-            <a:pPr>
-              <a:lnSpc>
-                <a:spcPct val="100000"/>
-              </a:lnSpc>
-              <a:spcBef>
-                <a:spcPts val="1417"/>
-              </a:spcBef>
-            </a:pPr>
-            <a:endParaRPr b="0" lang="en-US" sz="1800" spc="-1" strike="noStrike">
-              <a:latin typeface="Arial"/>
-            </a:endParaRPr>
-          </a:p>
-          <a:p>
-            <a:pPr>
-              <a:lnSpc>
-                <a:spcPct val="100000"/>
-              </a:lnSpc>
-              <a:spcBef>
-                <a:spcPts val="1417"/>
-              </a:spcBef>
-            </a:pPr>
-            <a:endParaRPr b="0" lang="en-US" sz="1800" spc="-1" strike="noStrike">
-              <a:latin typeface="Arial"/>
-            </a:endParaRPr>
-          </a:p>
-          <a:p>
-            <a:pPr>
-              <a:lnSpc>
-                <a:spcPct val="100000"/>
-              </a:lnSpc>
-              <a:spcBef>
-                <a:spcPts val="1417"/>
-              </a:spcBef>
-            </a:pPr>
-            <a:endParaRPr b="0" lang="en-US" sz="1800" spc="-1" strike="noStrike">
-              <a:latin typeface="Arial"/>
-            </a:endParaRPr>
-          </a:p>
-          <a:p>
-            <a:pPr>
-              <a:lnSpc>
-                <a:spcPct val="100000"/>
-              </a:lnSpc>
-              <a:spcBef>
-                <a:spcPts val="1417"/>
-              </a:spcBef>
-            </a:pPr>
-            <a:endParaRPr b="0" lang="en-US" sz="1800" spc="-1" strike="noStrike">
-              <a:latin typeface="Arial"/>
-            </a:endParaRPr>
-          </a:p>
-          <a:p>
-            <a:pPr>
-              <a:lnSpc>
-                <a:spcPct val="100000"/>
-              </a:lnSpc>
-              <a:spcBef>
-                <a:spcPts val="1417"/>
-              </a:spcBef>
-            </a:pPr>
-            <a:endParaRPr b="0" lang="en-US" sz="1800" spc="-1" strike="noStrike">
-              <a:latin typeface="Arial"/>
-            </a:endParaRPr>
-          </a:p>
-          <a:p>
-            <a:pPr>
-              <a:lnSpc>
-                <a:spcPct val="100000"/>
-              </a:lnSpc>
-              <a:spcBef>
-                <a:spcPts val="1417"/>
-              </a:spcBef>
-            </a:pPr>
-            <a:endParaRPr b="0" lang="en-US" sz="1800" spc="-1" strike="noStrike">
-              <a:latin typeface="Arial"/>
-            </a:endParaRPr>
-          </a:p>
-        </p:txBody>
       </p:sp>
       <p:pic>
         <p:nvPicPr>
-          <p:cNvPr id="177" name="" descr=""/>
+          <p:cNvPr id="180" name="" descr=""/>
           <p:cNvPicPr/>
           <p:nvPr/>
         </p:nvPicPr>
@@ -8642,31 +8509,8 @@
         </p:blipFill>
         <p:spPr>
           <a:xfrm>
-            <a:off x="169560" y="1371600"/>
-            <a:ext cx="5076360" cy="4388760"/>
-          </a:xfrm>
-          <a:prstGeom prst="rect">
-            <a:avLst/>
-          </a:prstGeom>
-          <a:ln>
-            <a:noFill/>
-          </a:ln>
-        </p:spPr>
-      </p:pic>
-      <p:pic>
-        <p:nvPicPr>
-          <p:cNvPr id="178" name="" descr=""/>
-          <p:cNvPicPr/>
-          <p:nvPr/>
-        </p:nvPicPr>
-        <p:blipFill>
-          <a:blip r:embed="rId2"/>
-          <a:stretch/>
-        </p:blipFill>
-        <p:spPr>
-          <a:xfrm>
-            <a:off x="5394960" y="1554480"/>
-            <a:ext cx="4571640" cy="3952440"/>
+            <a:off x="1645920" y="1554480"/>
+            <a:ext cx="7040160" cy="4479840"/>
           </a:xfrm>
           <a:prstGeom prst="rect">
             <a:avLst/>
@@ -8735,14 +8579,14 @@
       </p:grpSpPr>
       <p:sp>
         <p:nvSpPr>
-          <p:cNvPr id="179" name="CustomShape 1"/>
+          <p:cNvPr id="181" name="CustomShape 1"/>
           <p:cNvSpPr/>
           <p:nvPr/>
         </p:nvSpPr>
         <p:spPr>
           <a:xfrm>
             <a:off x="504000" y="285120"/>
-            <a:ext cx="9070920" cy="669600"/>
+            <a:ext cx="9070560" cy="669600"/>
           </a:xfrm>
           <a:prstGeom prst="rect">
             <a:avLst/>
@@ -8776,7 +8620,7 @@
                 <a:latin typeface="Arial"/>
                 <a:ea typeface="DejaVu Sans"/>
               </a:rPr>
-              <a:t>What We Have Learned</a:t>
+              <a:t>Estimation: ABV vs IBU</a:t>
             </a:r>
             <a:endParaRPr b="0" lang="en-US" sz="4400" spc="-1" strike="noStrike">
               <a:latin typeface="Arial"/>
@@ -8786,14 +8630,14 @@
       </p:sp>
       <p:sp>
         <p:nvSpPr>
-          <p:cNvPr id="180" name="CustomShape 2"/>
+          <p:cNvPr id="182" name="CustomShape 2"/>
           <p:cNvSpPr/>
           <p:nvPr/>
         </p:nvSpPr>
         <p:spPr>
           <a:xfrm>
             <a:off x="504000" y="1769040"/>
-            <a:ext cx="9070920" cy="4383720"/>
+            <a:ext cx="9070560" cy="4383360"/>
           </a:xfrm>
           <a:prstGeom prst="rect">
             <a:avLst/>
@@ -8810,96 +8654,16 @@
           <a:fontRef idx="minor"/>
         </p:style>
       </p:sp>
-      <p:pic>
-        <p:nvPicPr>
-          <p:cNvPr id="181" name="" descr=""/>
-          <p:cNvPicPr/>
-          <p:nvPr/>
-        </p:nvPicPr>
-        <p:blipFill>
-          <a:blip r:embed="rId1"/>
-          <a:stretch/>
-        </p:blipFill>
-        <p:spPr>
-          <a:xfrm>
-            <a:off x="1645920" y="1554480"/>
-            <a:ext cx="7040520" cy="4480200"/>
-          </a:xfrm>
-          <a:prstGeom prst="rect">
-            <a:avLst/>
-          </a:prstGeom>
-          <a:ln>
-            <a:noFill/>
-          </a:ln>
-        </p:spPr>
-      </p:pic>
-    </p:spTree>
-  </p:cSld>
-  <mc:AlternateContent>
-    <mc:Choice Requires="p14">
-      <p:transition spd="slow" p14:dur="2000"/>
-    </mc:Choice>
-    <mc:Fallback>
-      <p:transition spd="slow"/>
-    </mc:Fallback>
-  </mc:AlternateContent>
-  <p:timing>
-    <p:tnLst>
-      <p:par>
-        <p:cTn id="41" dur="indefinite" restart="never" nodeType="tmRoot">
-          <p:childTnLst>
-            <p:seq>
-              <p:cTn id="42" dur="indefinite" nodeType="mainSeq"/>
-              <p:prevCondLst>
-                <p:cond delay="0" evt="onPrev">
-                  <p:tgtEl>
-                    <p:sldTgt/>
-                  </p:tgtEl>
-                </p:cond>
-              </p:prevCondLst>
-              <p:nextCondLst>
-                <p:cond delay="0" evt="onNext">
-                  <p:tgtEl>
-                    <p:sldTgt/>
-                  </p:tgtEl>
-                </p:cond>
-              </p:nextCondLst>
-            </p:seq>
-          </p:childTnLst>
-        </p:cTn>
-      </p:par>
-    </p:tnLst>
-  </p:timing>
-</p:sld>
-</file>
-
-<file path=ppt/slides/slide22.xml><?xml version="1.0" encoding="utf-8"?>
-<p:sld xmlns:a="http://schemas.openxmlformats.org/drawingml/2006/main" xmlns:p="http://schemas.openxmlformats.org/presentationml/2006/main" xmlns:r="http://schemas.openxmlformats.org/officeDocument/2006/relationships" xmlns:p14="http://schemas.microsoft.com/office/powerpoint/2010/main" xmlns:p15="http://schemas.microsoft.com/office/powerpoint/2012/main" xmlns:mc="http://schemas.openxmlformats.org/markup-compatibility/2006">
-  <p:cSld>
-    <p:spTree>
-      <p:nvGrpSpPr>
-        <p:cNvPr id="1" name=""/>
-        <p:cNvGrpSpPr/>
-        <p:nvPr/>
-      </p:nvGrpSpPr>
-      <p:grpSpPr>
-        <a:xfrm>
-          <a:off x="0" y="0"/>
-          <a:ext cx="0" cy="0"/>
-          <a:chOff x="0" y="0"/>
-          <a:chExt cx="0" cy="0"/>
-        </a:xfrm>
-      </p:grpSpPr>
-      <p:sp>
-        <p:nvSpPr>
-          <p:cNvPr id="182" name="CustomShape 1"/>
+      <p:sp>
+        <p:nvSpPr>
+          <p:cNvPr id="183" name="CustomShape 3"/>
           <p:cNvSpPr/>
           <p:nvPr/>
         </p:nvSpPr>
         <p:spPr>
           <a:xfrm>
-            <a:off x="504000" y="285120"/>
-            <a:ext cx="9070920" cy="669600"/>
+            <a:off x="1463040" y="1463040"/>
+            <a:ext cx="6674400" cy="2832840"/>
           </a:xfrm>
           <a:prstGeom prst="rect">
             <a:avLst/>
@@ -8916,83 +8680,6 @@
           <a:fontRef idx="minor"/>
         </p:style>
         <p:txBody>
-          <a:bodyPr lIns="0" rIns="0" tIns="0" bIns="0" anchor="ctr">
-            <a:spAutoFit/>
-          </a:bodyPr>
-          <a:p>
-            <a:pPr algn="ctr">
-              <a:lnSpc>
-                <a:spcPct val="100000"/>
-              </a:lnSpc>
-            </a:pPr>
-            <a:r>
-              <a:rPr b="0" lang="en-US" sz="4400" spc="-1" strike="noStrike">
-                <a:solidFill>
-                  <a:srgbClr val="ffffff"/>
-                </a:solidFill>
-                <a:latin typeface="Arial"/>
-                <a:ea typeface="DejaVu Sans"/>
-              </a:rPr>
-              <a:t>Estimation: ABV vs IBU</a:t>
-            </a:r>
-            <a:endParaRPr b="0" lang="en-US" sz="4400" spc="-1" strike="noStrike">
-              <a:latin typeface="Arial"/>
-            </a:endParaRPr>
-          </a:p>
-        </p:txBody>
-      </p:sp>
-      <p:sp>
-        <p:nvSpPr>
-          <p:cNvPr id="183" name="CustomShape 2"/>
-          <p:cNvSpPr/>
-          <p:nvPr/>
-        </p:nvSpPr>
-        <p:spPr>
-          <a:xfrm>
-            <a:off x="504000" y="1769040"/>
-            <a:ext cx="9070920" cy="4383720"/>
-          </a:xfrm>
-          <a:prstGeom prst="rect">
-            <a:avLst/>
-          </a:prstGeom>
-          <a:noFill/>
-          <a:ln>
-            <a:noFill/>
-          </a:ln>
-        </p:spPr>
-        <p:style>
-          <a:lnRef idx="0"/>
-          <a:fillRef idx="0"/>
-          <a:effectRef idx="0"/>
-          <a:fontRef idx="minor"/>
-        </p:style>
-      </p:sp>
-      <p:sp>
-        <p:nvSpPr>
-          <p:cNvPr id="184" name="CustomShape 3"/>
-          <p:cNvSpPr/>
-          <p:nvPr/>
-        </p:nvSpPr>
-        <p:spPr>
-          <a:xfrm>
-            <a:off x="1463040" y="1463040"/>
-            <a:ext cx="6674760" cy="2832840"/>
-          </a:xfrm>
-          <a:prstGeom prst="rect">
-            <a:avLst/>
-          </a:prstGeom>
-          <a:noFill/>
-          <a:ln>
-            <a:noFill/>
-          </a:ln>
-        </p:spPr>
-        <p:style>
-          <a:lnRef idx="0"/>
-          <a:fillRef idx="0"/>
-          <a:effectRef idx="0"/>
-          <a:fontRef idx="minor"/>
-        </p:style>
-        <p:txBody>
           <a:bodyPr lIns="90000" rIns="90000" tIns="45000" bIns="45000">
             <a:spAutoFit/>
           </a:bodyPr>
@@ -9004,7 +8691,11 @@
             </a:pPr>
             <a:r>
               <a:rPr b="0" lang="en-US" sz="1800" spc="-1" strike="noStrike">
-                <a:latin typeface="Arial"/>
+                <a:solidFill>
+                  <a:srgbClr val="000000"/>
+                </a:solidFill>
+                <a:latin typeface="Arial"/>
+                <a:ea typeface="DejaVu Sans"/>
               </a:rPr>
               <a:t>We impute the missing values for IBU using a linear model and then regress ABV on IBU to get the following results:</a:t>
             </a:r>
@@ -9060,7 +8751,11 @@
             </a:pPr>
             <a:r>
               <a:rPr b="0" lang="en-US" sz="1800" spc="-1" strike="noStrike">
-                <a:latin typeface="Arial"/>
+                <a:solidFill>
+                  <a:srgbClr val="000000"/>
+                </a:solidFill>
+                <a:latin typeface="Arial"/>
+                <a:ea typeface="DejaVu Sans"/>
               </a:rPr>
               <a:t>  </a:t>
             </a:r>
@@ -9102,7 +8797,7 @@
       </p:sp>
       <p:graphicFrame>
         <p:nvGraphicFramePr>
-          <p:cNvPr id="185" name="Table 4"/>
+          <p:cNvPr id="184" name="Table 4"/>
           <p:cNvGraphicFramePr/>
           <p:nvPr/>
         </p:nvGraphicFramePr>
@@ -9610,14 +9305,14 @@
       </p:graphicFrame>
       <p:sp>
         <p:nvSpPr>
-          <p:cNvPr id="186" name="CustomShape 5"/>
+          <p:cNvPr id="185" name="CustomShape 5"/>
           <p:cNvSpPr/>
           <p:nvPr/>
         </p:nvSpPr>
         <p:spPr>
           <a:xfrm>
             <a:off x="1005840" y="5303520"/>
-            <a:ext cx="7863480" cy="912600"/>
+            <a:ext cx="7863120" cy="912600"/>
           </a:xfrm>
           <a:prstGeom prst="rect">
             <a:avLst/>
@@ -9645,7 +9340,11 @@
             </a:pPr>
             <a:r>
               <a:rPr b="0" lang="en-US" sz="1800" spc="-1" strike="noStrike">
-                <a:latin typeface="Arial"/>
+                <a:solidFill>
+                  <a:srgbClr val="000000"/>
+                </a:solidFill>
+                <a:latin typeface="Arial"/>
+                <a:ea typeface="DejaVu Sans"/>
               </a:rPr>
               <a:t>Each coefficient is very statistically significant and suggests that a one point increase in IBU is associated with a .03% absolute increase in ABV. Given the respective ranges of ABV and IBU, this is actually not insignificant. </a:t>
             </a:r>
@@ -9657,7 +9356,7 @@
       </p:sp>
       <p:pic>
         <p:nvPicPr>
-          <p:cNvPr id="187" name="" descr=""/>
+          <p:cNvPr id="186" name="" descr=""/>
           <p:cNvPicPr/>
           <p:nvPr/>
         </p:nvPicPr>
@@ -9668,7 +9367,7 @@
         <p:spPr>
           <a:xfrm>
             <a:off x="6217920" y="2062080"/>
-            <a:ext cx="3749040" cy="3241440"/>
+            <a:ext cx="3748680" cy="3241080"/>
           </a:xfrm>
           <a:prstGeom prst="rect">
             <a:avLst/>
@@ -9678,6 +9377,187 @@
           </a:ln>
         </p:spPr>
       </p:pic>
+    </p:spTree>
+  </p:cSld>
+  <mc:AlternateContent>
+    <mc:Choice Requires="p14">
+      <p:transition spd="slow" p14:dur="2000"/>
+    </mc:Choice>
+    <mc:Fallback>
+      <p:transition spd="slow"/>
+    </mc:Fallback>
+  </mc:AlternateContent>
+  <p:timing>
+    <p:tnLst>
+      <p:par>
+        <p:cTn id="41" dur="indefinite" restart="never" nodeType="tmRoot">
+          <p:childTnLst>
+            <p:seq>
+              <p:cTn id="42" dur="indefinite" nodeType="mainSeq"/>
+              <p:prevCondLst>
+                <p:cond delay="0" evt="onPrev">
+                  <p:tgtEl>
+                    <p:sldTgt/>
+                  </p:tgtEl>
+                </p:cond>
+              </p:prevCondLst>
+              <p:nextCondLst>
+                <p:cond delay="0" evt="onNext">
+                  <p:tgtEl>
+                    <p:sldTgt/>
+                  </p:tgtEl>
+                </p:cond>
+              </p:nextCondLst>
+            </p:seq>
+          </p:childTnLst>
+        </p:cTn>
+      </p:par>
+    </p:tnLst>
+  </p:timing>
+</p:sld>
+</file>
+
+<file path=ppt/slides/slide22.xml><?xml version="1.0" encoding="utf-8"?>
+<p:sld xmlns:a="http://schemas.openxmlformats.org/drawingml/2006/main" xmlns:p="http://schemas.openxmlformats.org/presentationml/2006/main" xmlns:r="http://schemas.openxmlformats.org/officeDocument/2006/relationships" xmlns:p14="http://schemas.microsoft.com/office/powerpoint/2010/main" xmlns:p15="http://schemas.microsoft.com/office/powerpoint/2012/main" xmlns:mc="http://schemas.openxmlformats.org/markup-compatibility/2006">
+  <p:cSld>
+    <p:spTree>
+      <p:nvGrpSpPr>
+        <p:cNvPr id="1" name=""/>
+        <p:cNvGrpSpPr/>
+        <p:nvPr/>
+      </p:nvGrpSpPr>
+      <p:grpSpPr>
+        <a:xfrm>
+          <a:off x="0" y="0"/>
+          <a:ext cx="0" cy="0"/>
+          <a:chOff x="0" y="0"/>
+          <a:chExt cx="0" cy="0"/>
+        </a:xfrm>
+      </p:grpSpPr>
+      <p:sp>
+        <p:nvSpPr>
+          <p:cNvPr id="187" name="CustomShape 1"/>
+          <p:cNvSpPr/>
+          <p:nvPr/>
+        </p:nvSpPr>
+        <p:spPr>
+          <a:xfrm>
+            <a:off x="504000" y="285120"/>
+            <a:ext cx="9070560" cy="669600"/>
+          </a:xfrm>
+          <a:prstGeom prst="rect">
+            <a:avLst/>
+          </a:prstGeom>
+          <a:noFill/>
+          <a:ln>
+            <a:noFill/>
+          </a:ln>
+        </p:spPr>
+        <p:style>
+          <a:lnRef idx="0"/>
+          <a:fillRef idx="0"/>
+          <a:effectRef idx="0"/>
+          <a:fontRef idx="minor"/>
+        </p:style>
+        <p:txBody>
+          <a:bodyPr lIns="0" rIns="0" tIns="0" bIns="0" anchor="ctr">
+            <a:spAutoFit/>
+          </a:bodyPr>
+          <a:p>
+            <a:pPr algn="ctr">
+              <a:lnSpc>
+                <a:spcPct val="100000"/>
+              </a:lnSpc>
+            </a:pPr>
+            <a:r>
+              <a:rPr b="0" lang="en-US" sz="4400" spc="-1" strike="noStrike">
+                <a:solidFill>
+                  <a:srgbClr val="ffffff"/>
+                </a:solidFill>
+                <a:latin typeface="Arial"/>
+                <a:ea typeface="DejaVu Sans"/>
+              </a:rPr>
+              <a:t>Conclusions</a:t>
+            </a:r>
+            <a:endParaRPr b="0" lang="en-US" sz="4400" spc="-1" strike="noStrike">
+              <a:latin typeface="Arial"/>
+            </a:endParaRPr>
+          </a:p>
+        </p:txBody>
+      </p:sp>
+      <p:sp>
+        <p:nvSpPr>
+          <p:cNvPr id="188" name="CustomShape 2"/>
+          <p:cNvSpPr/>
+          <p:nvPr/>
+        </p:nvSpPr>
+        <p:spPr>
+          <a:xfrm>
+            <a:off x="504000" y="1769040"/>
+            <a:ext cx="9070560" cy="4383360"/>
+          </a:xfrm>
+          <a:prstGeom prst="rect">
+            <a:avLst/>
+          </a:prstGeom>
+          <a:noFill/>
+          <a:ln>
+            <a:noFill/>
+          </a:ln>
+        </p:spPr>
+        <p:style>
+          <a:lnRef idx="0"/>
+          <a:fillRef idx="0"/>
+          <a:effectRef idx="0"/>
+          <a:fontRef idx="minor"/>
+        </p:style>
+      </p:sp>
+      <p:sp>
+        <p:nvSpPr>
+          <p:cNvPr id="189" name="CustomShape 3"/>
+          <p:cNvSpPr/>
+          <p:nvPr/>
+        </p:nvSpPr>
+        <p:spPr>
+          <a:xfrm>
+            <a:off x="1097280" y="1463040"/>
+            <a:ext cx="7772040" cy="638280"/>
+          </a:xfrm>
+          <a:prstGeom prst="rect">
+            <a:avLst/>
+          </a:prstGeom>
+          <a:noFill/>
+          <a:ln>
+            <a:noFill/>
+          </a:ln>
+        </p:spPr>
+        <p:style>
+          <a:lnRef idx="0"/>
+          <a:fillRef idx="0"/>
+          <a:effectRef idx="0"/>
+          <a:fontRef idx="minor"/>
+        </p:style>
+        <p:txBody>
+          <a:bodyPr lIns="90000" rIns="90000" tIns="45000" bIns="45000">
+            <a:spAutoFit/>
+          </a:bodyPr>
+          <a:p>
+            <a:pPr>
+              <a:lnSpc>
+                <a:spcPct val="100000"/>
+              </a:lnSpc>
+            </a:pPr>
+            <a:r>
+              <a:rPr b="0" lang="en-US" sz="1800" spc="-1" strike="noStrike">
+                <a:latin typeface="Arial"/>
+              </a:rPr>
+              <a:t>There is a critical assumption in the modeling of IBU that, if violated, would significantly bias most estimates involving IBU:</a:t>
+            </a:r>
+            <a:endParaRPr b="0" lang="en-US" sz="1800" spc="-1" strike="noStrike">
+              <a:latin typeface="Arial"/>
+            </a:endParaRPr>
+          </a:p>
+        </p:txBody>
+      </p:sp>
     </p:spTree>
   </p:cSld>
   <mc:AlternateContent>
@@ -9737,14 +9617,14 @@
       </p:grpSpPr>
       <p:sp>
         <p:nvSpPr>
-          <p:cNvPr id="188" name="CustomShape 1"/>
+          <p:cNvPr id="190" name="CustomShape 1"/>
           <p:cNvSpPr/>
           <p:nvPr/>
         </p:nvSpPr>
         <p:spPr>
           <a:xfrm>
             <a:off x="504000" y="285120"/>
-            <a:ext cx="9070920" cy="669600"/>
+            <a:ext cx="9070560" cy="669600"/>
           </a:xfrm>
           <a:prstGeom prst="rect">
             <a:avLst/>
@@ -9778,7 +9658,7 @@
                 <a:latin typeface="Arial"/>
                 <a:ea typeface="DejaVu Sans"/>
               </a:rPr>
-              <a:t>Interesting Facts</a:t>
+              <a:t>Conclusions</a:t>
             </a:r>
             <a:endParaRPr b="0" lang="en-US" sz="4400" spc="-1" strike="noStrike">
               <a:latin typeface="Arial"/>
@@ -9788,14 +9668,14 @@
       </p:sp>
       <p:sp>
         <p:nvSpPr>
-          <p:cNvPr id="189" name="CustomShape 2"/>
+          <p:cNvPr id="191" name="CustomShape 2"/>
           <p:cNvSpPr/>
           <p:nvPr/>
         </p:nvSpPr>
         <p:spPr>
           <a:xfrm>
             <a:off x="504000" y="1769040"/>
-            <a:ext cx="9070920" cy="4383720"/>
+            <a:ext cx="9070560" cy="4383360"/>
           </a:xfrm>
           <a:prstGeom prst="rect">
             <a:avLst/>
@@ -9812,553 +9692,119 @@
           <a:fontRef idx="minor"/>
         </p:style>
       </p:sp>
-      <p:graphicFrame>
-        <p:nvGraphicFramePr>
-          <p:cNvPr id="190" name="Table 3"/>
-          <p:cNvGraphicFramePr/>
+      <p:sp>
+        <p:nvSpPr>
+          <p:cNvPr id="192" name="CustomShape 3"/>
+          <p:cNvSpPr/>
           <p:nvPr/>
-        </p:nvGraphicFramePr>
-        <p:xfrm>
-          <a:off x="2507040" y="2337480"/>
-          <a:ext cx="5075280" cy="2879280"/>
-        </p:xfrm>
-        <a:graphic>
-          <a:graphicData uri="http://schemas.openxmlformats.org/drawingml/2006/table">
-            <a:tbl>
-              <a:tblPr/>
-              <a:tblGrid>
-                <a:gridCol w="1691640"/>
-                <a:gridCol w="1691640"/>
-                <a:gridCol w="1692360"/>
-              </a:tblGrid>
-              <a:tr h="719640">
-                <a:tc>
-                  <a:txBody>
-                    <a:bodyPr lIns="90000" rIns="90000" tIns="46800" bIns="46800">
-                      <a:noAutofit/>
-                    </a:bodyPr>
-                    <a:p>
-                      <a:r>
-                        <a:rPr b="0" lang="en-US" sz="1800" spc="-1" strike="noStrike">
-                          <a:latin typeface="Arial"/>
-                        </a:rPr>
-                        <a:t>Measurement</a:t>
-                      </a:r>
-                      <a:endParaRPr b="0" lang="en-US" sz="1800" spc="-1" strike="noStrike">
-                        <a:latin typeface="Arial"/>
-                      </a:endParaRPr>
-                    </a:p>
-                  </a:txBody>
-                  <a:tcPr marL="90000" marR="90000">
-                    <a:lnL w="720">
-                      <a:solidFill>
-                        <a:srgbClr val="ffffff"/>
-                      </a:solidFill>
-                    </a:lnL>
-                    <a:lnR w="720">
-                      <a:solidFill>
-                        <a:srgbClr val="ffffff"/>
-                      </a:solidFill>
-                    </a:lnR>
-                    <a:lnT w="720">
-                      <a:solidFill>
-                        <a:srgbClr val="ffffff"/>
-                      </a:solidFill>
-                    </a:lnT>
-                    <a:lnB w="720">
-                      <a:solidFill>
-                        <a:srgbClr val="ffffff"/>
-                      </a:solidFill>
-                    </a:lnB>
-                    <a:solidFill>
-                      <a:srgbClr val="b3b3b3"/>
-                    </a:solidFill>
-                  </a:tcPr>
-                </a:tc>
-                <a:tc>
-                  <a:txBody>
-                    <a:bodyPr lIns="90000" rIns="90000" tIns="46800" bIns="46800">
-                      <a:noAutofit/>
-                    </a:bodyPr>
-                    <a:p>
-                      <a:r>
-                        <a:rPr b="0" lang="en-US" sz="1800" spc="-1" strike="noStrike">
-                          <a:latin typeface="Arial"/>
-                        </a:rPr>
-                        <a:t>State</a:t>
-                      </a:r>
-                      <a:endParaRPr b="0" lang="en-US" sz="1800" spc="-1" strike="noStrike">
-                        <a:latin typeface="Arial"/>
-                      </a:endParaRPr>
-                    </a:p>
-                  </a:txBody>
-                  <a:tcPr marL="90000" marR="90000">
-                    <a:lnL w="720">
-                      <a:solidFill>
-                        <a:srgbClr val="ffffff"/>
-                      </a:solidFill>
-                    </a:lnL>
-                    <a:lnR w="720">
-                      <a:solidFill>
-                        <a:srgbClr val="ffffff"/>
-                      </a:solidFill>
-                    </a:lnR>
-                    <a:lnT w="720">
-                      <a:solidFill>
-                        <a:srgbClr val="ffffff"/>
-                      </a:solidFill>
-                    </a:lnT>
-                    <a:lnB w="720">
-                      <a:solidFill>
-                        <a:srgbClr val="ffffff"/>
-                      </a:solidFill>
-                    </a:lnB>
-                    <a:solidFill>
-                      <a:srgbClr val="b3b3b3"/>
-                    </a:solidFill>
-                  </a:tcPr>
-                </a:tc>
-                <a:tc>
-                  <a:txBody>
-                    <a:bodyPr lIns="90000" rIns="90000" tIns="46800" bIns="46800">
-                      <a:noAutofit/>
-                    </a:bodyPr>
-                    <a:p>
-                      <a:r>
-                        <a:rPr b="0" lang="en-US" sz="1800" spc="-1" strike="noStrike">
-                          <a:latin typeface="Arial"/>
-                        </a:rPr>
-                        <a:t>Maximum   Value</a:t>
-                      </a:r>
-                      <a:endParaRPr b="0" lang="en-US" sz="1800" spc="-1" strike="noStrike">
-                        <a:latin typeface="Arial"/>
-                      </a:endParaRPr>
-                    </a:p>
-                  </a:txBody>
-                  <a:tcPr marL="90000" marR="90000">
-                    <a:lnL w="720">
-                      <a:solidFill>
-                        <a:srgbClr val="ffffff"/>
-                      </a:solidFill>
-                    </a:lnL>
-                    <a:lnR w="720">
-                      <a:solidFill>
-                        <a:srgbClr val="ffffff"/>
-                      </a:solidFill>
-                    </a:lnR>
-                    <a:lnT w="720">
-                      <a:solidFill>
-                        <a:srgbClr val="ffffff"/>
-                      </a:solidFill>
-                    </a:lnT>
-                    <a:lnB w="720">
-                      <a:solidFill>
-                        <a:srgbClr val="ffffff"/>
-                      </a:solidFill>
-                    </a:lnB>
-                    <a:solidFill>
-                      <a:srgbClr val="b3b3b3"/>
-                    </a:solidFill>
-                  </a:tcPr>
-                </a:tc>
-              </a:tr>
-              <a:tr h="719640">
-                <a:tc>
-                  <a:txBody>
-                    <a:bodyPr lIns="90000" rIns="90000" tIns="46800" bIns="46800">
-                      <a:noAutofit/>
-                    </a:bodyPr>
-                    <a:p>
-                      <a:r>
-                        <a:rPr b="0" lang="en-US" sz="1800" spc="-1" strike="noStrike">
-                          <a:latin typeface="Arial"/>
-                        </a:rPr>
-                        <a:t>Breweries Per State</a:t>
-                      </a:r>
-                      <a:endParaRPr b="0" lang="en-US" sz="1800" spc="-1" strike="noStrike">
-                        <a:latin typeface="Arial"/>
-                      </a:endParaRPr>
-                    </a:p>
-                  </a:txBody>
-                  <a:tcPr marL="90000" marR="90000">
-                    <a:lnL w="720">
-                      <a:solidFill>
-                        <a:srgbClr val="ffffff"/>
-                      </a:solidFill>
-                    </a:lnL>
-                    <a:lnR w="720">
-                      <a:solidFill>
-                        <a:srgbClr val="ffffff"/>
-                      </a:solidFill>
-                    </a:lnR>
-                    <a:lnT w="720">
-                      <a:solidFill>
-                        <a:srgbClr val="ffffff"/>
-                      </a:solidFill>
-                    </a:lnT>
-                    <a:lnB w="720">
-                      <a:solidFill>
-                        <a:srgbClr val="ffffff"/>
-                      </a:solidFill>
-                    </a:lnB>
-                    <a:solidFill>
-                      <a:srgbClr val="cccccc"/>
-                    </a:solidFill>
-                  </a:tcPr>
-                </a:tc>
-                <a:tc>
-                  <a:txBody>
-                    <a:bodyPr lIns="90000" rIns="90000" tIns="46800" bIns="46800">
-                      <a:noAutofit/>
-                    </a:bodyPr>
-                    <a:p>
-                      <a:r>
-                        <a:rPr b="0" lang="en-US" sz="1800" spc="-1" strike="noStrike">
-                          <a:latin typeface="Arial"/>
-                        </a:rPr>
-                        <a:t>Colorado</a:t>
-                      </a:r>
-                      <a:endParaRPr b="0" lang="en-US" sz="1800" spc="-1" strike="noStrike">
-                        <a:latin typeface="Arial"/>
-                      </a:endParaRPr>
-                    </a:p>
-                  </a:txBody>
-                  <a:tcPr marL="90000" marR="90000">
-                    <a:lnL w="720">
-                      <a:solidFill>
-                        <a:srgbClr val="ffffff"/>
-                      </a:solidFill>
-                    </a:lnL>
-                    <a:lnR w="720">
-                      <a:solidFill>
-                        <a:srgbClr val="ffffff"/>
-                      </a:solidFill>
-                    </a:lnR>
-                    <a:lnT w="720">
-                      <a:solidFill>
-                        <a:srgbClr val="ffffff"/>
-                      </a:solidFill>
-                    </a:lnT>
-                    <a:lnB w="720">
-                      <a:solidFill>
-                        <a:srgbClr val="ffffff"/>
-                      </a:solidFill>
-                    </a:lnB>
-                    <a:solidFill>
-                      <a:srgbClr val="cccccc"/>
-                    </a:solidFill>
-                  </a:tcPr>
-                </a:tc>
-                <a:tc>
-                  <a:txBody>
-                    <a:bodyPr lIns="90000" rIns="90000" tIns="46800" bIns="46800">
-                      <a:noAutofit/>
-                    </a:bodyPr>
-                    <a:p>
-                      <a:r>
-                        <a:rPr b="0" lang="en-US" sz="1800" spc="-1" strike="noStrike">
-                          <a:latin typeface="Arial"/>
-                        </a:rPr>
-                        <a:t>47</a:t>
-                      </a:r>
-                      <a:endParaRPr b="0" lang="en-US" sz="1800" spc="-1" strike="noStrike">
-                        <a:latin typeface="Arial"/>
-                      </a:endParaRPr>
-                    </a:p>
-                  </a:txBody>
-                  <a:tcPr marL="90000" marR="90000">
-                    <a:lnL w="720">
-                      <a:solidFill>
-                        <a:srgbClr val="ffffff"/>
-                      </a:solidFill>
-                    </a:lnL>
-                    <a:lnR w="720">
-                      <a:solidFill>
-                        <a:srgbClr val="ffffff"/>
-                      </a:solidFill>
-                    </a:lnR>
-                    <a:lnT w="720">
-                      <a:solidFill>
-                        <a:srgbClr val="ffffff"/>
-                      </a:solidFill>
-                    </a:lnT>
-                    <a:lnB w="720">
-                      <a:solidFill>
-                        <a:srgbClr val="ffffff"/>
-                      </a:solidFill>
-                    </a:lnB>
-                    <a:solidFill>
-                      <a:srgbClr val="cccccc"/>
-                    </a:solidFill>
-                  </a:tcPr>
-                </a:tc>
-              </a:tr>
-              <a:tr h="719640">
-                <a:tc>
-                  <a:txBody>
-                    <a:bodyPr lIns="90000" rIns="90000" tIns="46800" bIns="46800">
-                      <a:noAutofit/>
-                    </a:bodyPr>
-                    <a:p>
-                      <a:r>
-                        <a:rPr b="0" lang="en-US" sz="1800" spc="-1" strike="noStrike">
-                          <a:latin typeface="Arial"/>
-                        </a:rPr>
-                        <a:t>ABV</a:t>
-                      </a:r>
-                      <a:endParaRPr b="0" lang="en-US" sz="1800" spc="-1" strike="noStrike">
-                        <a:latin typeface="Arial"/>
-                      </a:endParaRPr>
-                    </a:p>
-                  </a:txBody>
-                  <a:tcPr marL="90000" marR="90000">
-                    <a:lnL w="720">
-                      <a:solidFill>
-                        <a:srgbClr val="ffffff"/>
-                      </a:solidFill>
-                    </a:lnL>
-                    <a:lnR w="720">
-                      <a:solidFill>
-                        <a:srgbClr val="ffffff"/>
-                      </a:solidFill>
-                    </a:lnR>
-                    <a:lnT w="720">
-                      <a:solidFill>
-                        <a:srgbClr val="ffffff"/>
-                      </a:solidFill>
-                    </a:lnT>
-                    <a:lnB w="720">
-                      <a:solidFill>
-                        <a:srgbClr val="ffffff"/>
-                      </a:solidFill>
-                    </a:lnB>
-                    <a:solidFill>
-                      <a:srgbClr val="e6e6e6"/>
-                    </a:solidFill>
-                  </a:tcPr>
-                </a:tc>
-                <a:tc>
-                  <a:txBody>
-                    <a:bodyPr lIns="90000" rIns="90000" tIns="46800" bIns="46800">
-                      <a:noAutofit/>
-                    </a:bodyPr>
-                    <a:p>
-                      <a:r>
-                        <a:rPr b="0" lang="en-US" sz="1800" spc="-1" strike="noStrike">
-                          <a:latin typeface="Arial"/>
-                        </a:rPr>
-                        <a:t>Kentucky</a:t>
-                      </a:r>
-                      <a:endParaRPr b="0" lang="en-US" sz="1800" spc="-1" strike="noStrike">
-                        <a:latin typeface="Arial"/>
-                      </a:endParaRPr>
-                    </a:p>
-                  </a:txBody>
-                  <a:tcPr marL="90000" marR="90000">
-                    <a:lnL w="720">
-                      <a:solidFill>
-                        <a:srgbClr val="ffffff"/>
-                      </a:solidFill>
-                    </a:lnL>
-                    <a:lnR w="720">
-                      <a:solidFill>
-                        <a:srgbClr val="ffffff"/>
-                      </a:solidFill>
-                    </a:lnR>
-                    <a:lnT w="720">
-                      <a:solidFill>
-                        <a:srgbClr val="ffffff"/>
-                      </a:solidFill>
-                    </a:lnT>
-                    <a:lnB w="720">
-                      <a:solidFill>
-                        <a:srgbClr val="ffffff"/>
-                      </a:solidFill>
-                    </a:lnB>
-                    <a:solidFill>
-                      <a:srgbClr val="e6e6e6"/>
-                    </a:solidFill>
-                  </a:tcPr>
-                </a:tc>
-                <a:tc>
-                  <a:txBody>
-                    <a:bodyPr lIns="90000" rIns="90000" tIns="46800" bIns="46800">
-                      <a:noAutofit/>
-                    </a:bodyPr>
-                    <a:p>
-                      <a:r>
-                        <a:rPr b="0" lang="en-US" sz="1800" spc="-1" strike="noStrike">
-                          <a:latin typeface="Arial"/>
-                        </a:rPr>
-                        <a:t>12.8%</a:t>
-                      </a:r>
-                      <a:endParaRPr b="0" lang="en-US" sz="1800" spc="-1" strike="noStrike">
-                        <a:latin typeface="Arial"/>
-                      </a:endParaRPr>
-                    </a:p>
-                  </a:txBody>
-                  <a:tcPr marL="90000" marR="90000">
-                    <a:lnL w="720">
-                      <a:solidFill>
-                        <a:srgbClr val="ffffff"/>
-                      </a:solidFill>
-                    </a:lnL>
-                    <a:lnR w="720">
-                      <a:solidFill>
-                        <a:srgbClr val="ffffff"/>
-                      </a:solidFill>
-                    </a:lnR>
-                    <a:lnT w="720">
-                      <a:solidFill>
-                        <a:srgbClr val="ffffff"/>
-                      </a:solidFill>
-                    </a:lnT>
-                    <a:lnB w="720">
-                      <a:solidFill>
-                        <a:srgbClr val="ffffff"/>
-                      </a:solidFill>
-                    </a:lnB>
-                    <a:solidFill>
-                      <a:srgbClr val="e6e6e6"/>
-                    </a:solidFill>
-                  </a:tcPr>
-                </a:tc>
-              </a:tr>
-              <a:tr h="720720">
-                <a:tc>
-                  <a:txBody>
-                    <a:bodyPr lIns="90000" rIns="90000" tIns="46800" bIns="46800">
-                      <a:noAutofit/>
-                    </a:bodyPr>
-                    <a:p>
-                      <a:r>
-                        <a:rPr b="0" lang="en-US" sz="1800" spc="-1" strike="noStrike">
-                          <a:latin typeface="Arial"/>
-                        </a:rPr>
-                        <a:t>IBU</a:t>
-                      </a:r>
-                      <a:endParaRPr b="0" lang="en-US" sz="1800" spc="-1" strike="noStrike">
-                        <a:latin typeface="Arial"/>
-                      </a:endParaRPr>
-                    </a:p>
-                  </a:txBody>
-                  <a:tcPr marL="90000" marR="90000">
-                    <a:lnL w="720">
-                      <a:solidFill>
-                        <a:srgbClr val="ffffff"/>
-                      </a:solidFill>
-                    </a:lnL>
-                    <a:lnR w="720">
-                      <a:solidFill>
-                        <a:srgbClr val="ffffff"/>
-                      </a:solidFill>
-                    </a:lnR>
-                    <a:lnT w="720">
-                      <a:solidFill>
-                        <a:srgbClr val="ffffff"/>
-                      </a:solidFill>
-                    </a:lnT>
-                    <a:lnB w="720">
-                      <a:solidFill>
-                        <a:srgbClr val="ffffff"/>
-                      </a:solidFill>
-                    </a:lnB>
-                    <a:solidFill>
-                      <a:srgbClr val="cccccc"/>
-                    </a:solidFill>
-                  </a:tcPr>
-                </a:tc>
-                <a:tc>
-                  <a:txBody>
-                    <a:bodyPr lIns="90000" rIns="90000" tIns="46800" bIns="46800">
-                      <a:noAutofit/>
-                    </a:bodyPr>
-                    <a:p>
-                      <a:r>
-                        <a:rPr b="0" lang="en-US" sz="1800" spc="-1" strike="noStrike">
-                          <a:latin typeface="Arial"/>
-                        </a:rPr>
-                        <a:t>Maine</a:t>
-                      </a:r>
-                      <a:endParaRPr b="0" lang="en-US" sz="1800" spc="-1" strike="noStrike">
-                        <a:latin typeface="Arial"/>
-                      </a:endParaRPr>
-                    </a:p>
-                  </a:txBody>
-                  <a:tcPr marL="90000" marR="90000">
-                    <a:lnL w="720">
-                      <a:solidFill>
-                        <a:srgbClr val="ffffff"/>
-                      </a:solidFill>
-                    </a:lnL>
-                    <a:lnR w="720">
-                      <a:solidFill>
-                        <a:srgbClr val="ffffff"/>
-                      </a:solidFill>
-                    </a:lnR>
-                    <a:lnT w="720">
-                      <a:solidFill>
-                        <a:srgbClr val="ffffff"/>
-                      </a:solidFill>
-                    </a:lnT>
-                    <a:lnB w="720">
-                      <a:solidFill>
-                        <a:srgbClr val="ffffff"/>
-                      </a:solidFill>
-                    </a:lnB>
-                    <a:solidFill>
-                      <a:srgbClr val="cccccc"/>
-                    </a:solidFill>
-                  </a:tcPr>
-                </a:tc>
-                <a:tc>
-                  <a:txBody>
-                    <a:bodyPr lIns="90000" rIns="90000" tIns="46800" bIns="46800">
-                      <a:noAutofit/>
-                    </a:bodyPr>
-                    <a:p>
-                      <a:r>
-                        <a:rPr b="0" lang="en-US" sz="1800" spc="-1" strike="noStrike">
-                          <a:latin typeface="Arial"/>
-                        </a:rPr>
-                        <a:t>138</a:t>
-                      </a:r>
-                      <a:endParaRPr b="0" lang="en-US" sz="1800" spc="-1" strike="noStrike">
-                        <a:latin typeface="Arial"/>
-                      </a:endParaRPr>
-                    </a:p>
-                  </a:txBody>
-                  <a:tcPr marL="90000" marR="90000">
-                    <a:lnL w="720">
-                      <a:solidFill>
-                        <a:srgbClr val="ffffff"/>
-                      </a:solidFill>
-                    </a:lnL>
-                    <a:lnR w="720">
-                      <a:solidFill>
-                        <a:srgbClr val="ffffff"/>
-                      </a:solidFill>
-                    </a:lnR>
-                    <a:lnT w="720">
-                      <a:solidFill>
-                        <a:srgbClr val="ffffff"/>
-                      </a:solidFill>
-                    </a:lnT>
-                    <a:lnB w="720">
-                      <a:solidFill>
-                        <a:srgbClr val="ffffff"/>
-                      </a:solidFill>
-                    </a:lnB>
-                    <a:solidFill>
-                      <a:srgbClr val="cccccc"/>
-                    </a:solidFill>
-                  </a:tcPr>
-                </a:tc>
-              </a:tr>
-            </a:tbl>
-          </a:graphicData>
-        </a:graphic>
-      </p:graphicFrame>
+        </p:nvSpPr>
+        <p:spPr>
+          <a:xfrm>
+            <a:off x="1097280" y="1463040"/>
+            <a:ext cx="7772040" cy="1735560"/>
+          </a:xfrm>
+          <a:prstGeom prst="rect">
+            <a:avLst/>
+          </a:prstGeom>
+          <a:noFill/>
+          <a:ln>
+            <a:noFill/>
+          </a:ln>
+        </p:spPr>
+        <p:style>
+          <a:lnRef idx="0"/>
+          <a:fillRef idx="0"/>
+          <a:effectRef idx="0"/>
+          <a:fontRef idx="minor"/>
+        </p:style>
+        <p:txBody>
+          <a:bodyPr lIns="90000" rIns="90000" tIns="45000" bIns="45000">
+            <a:spAutoFit/>
+          </a:bodyPr>
+          <a:p>
+            <a:pPr>
+              <a:lnSpc>
+                <a:spcPct val="100000"/>
+              </a:lnSpc>
+            </a:pPr>
+            <a:r>
+              <a:rPr b="0" lang="en-US" sz="1800" spc="-1" strike="noStrike">
+                <a:latin typeface="Arial"/>
+              </a:rPr>
+              <a:t>There is a critical assumption in the modelling of IBU that, if violated, would significantly bias most estimates involving IBU:</a:t>
+            </a:r>
+            <a:endParaRPr b="0" lang="en-US" sz="1800" spc="-1" strike="noStrike">
+              <a:latin typeface="Arial"/>
+            </a:endParaRPr>
+          </a:p>
+          <a:p>
+            <a:pPr>
+              <a:lnSpc>
+                <a:spcPct val="100000"/>
+              </a:lnSpc>
+            </a:pPr>
+            <a:endParaRPr b="0" lang="en-US" sz="1800" spc="-1" strike="noStrike">
+              <a:latin typeface="Arial"/>
+            </a:endParaRPr>
+          </a:p>
+          <a:p>
+            <a:pPr>
+              <a:lnSpc>
+                <a:spcPct val="100000"/>
+              </a:lnSpc>
+            </a:pPr>
+            <a:r>
+              <a:rPr b="0" lang="en-US" sz="1800" spc="-1" strike="noStrike">
+                <a:latin typeface="Arial"/>
+              </a:rPr>
+              <a:t>	</a:t>
+            </a:r>
+            <a:r>
+              <a:rPr b="0" lang="en-US" sz="1800" spc="-1" strike="noStrike">
+                <a:latin typeface="Arial"/>
+              </a:rPr>
+              <a:t>	</a:t>
+            </a:r>
+            <a:r>
+              <a:rPr b="0" lang="en-US" sz="1800" spc="-1" strike="noStrike">
+                <a:latin typeface="Arial"/>
+              </a:rPr>
+              <a:t>If missingness of IBU is caused by IBU being low, then consistent </a:t>
+            </a:r>
+            <a:r>
+              <a:rPr b="0" lang="en-US" sz="1800" spc="-1" strike="noStrike">
+                <a:latin typeface="Arial"/>
+              </a:rPr>
+              <a:t>	</a:t>
+            </a:r>
+            <a:r>
+              <a:rPr b="0" lang="en-US" sz="1800" spc="-1" strike="noStrike">
+                <a:latin typeface="Arial"/>
+              </a:rPr>
+              <a:t>	</a:t>
+            </a:r>
+            <a:r>
+              <a:rPr b="0" lang="en-US" sz="1800" spc="-1" strike="noStrike">
+                <a:latin typeface="Arial"/>
+              </a:rPr>
+              <a:t>estimators involving IBU are impossible.</a:t>
+            </a:r>
+            <a:endParaRPr b="0" lang="en-US" sz="1800" spc="-1" strike="noStrike">
+              <a:latin typeface="Arial"/>
+            </a:endParaRPr>
+          </a:p>
+          <a:p>
+            <a:pPr>
+              <a:lnSpc>
+                <a:spcPct val="100000"/>
+              </a:lnSpc>
+            </a:pPr>
+            <a:endParaRPr b="0" lang="en-US" sz="1800" spc="-1" strike="noStrike">
+              <a:latin typeface="Arial"/>
+            </a:endParaRPr>
+          </a:p>
+        </p:txBody>
+      </p:sp>
     </p:spTree>
   </p:cSld>
   <mc:AlternateContent>
@@ -10418,14 +9864,14 @@
       </p:grpSpPr>
       <p:sp>
         <p:nvSpPr>
-          <p:cNvPr id="191" name="CustomShape 1"/>
+          <p:cNvPr id="193" name="CustomShape 1"/>
           <p:cNvSpPr/>
           <p:nvPr/>
         </p:nvSpPr>
         <p:spPr>
           <a:xfrm>
             <a:off x="504000" y="285120"/>
-            <a:ext cx="9070920" cy="669600"/>
+            <a:ext cx="9070560" cy="669600"/>
           </a:xfrm>
           <a:prstGeom prst="rect">
             <a:avLst/>
@@ -10469,14 +9915,14 @@
       </p:sp>
       <p:sp>
         <p:nvSpPr>
-          <p:cNvPr id="192" name="CustomShape 2"/>
+          <p:cNvPr id="194" name="CustomShape 2"/>
           <p:cNvSpPr/>
           <p:nvPr/>
         </p:nvSpPr>
         <p:spPr>
           <a:xfrm>
             <a:off x="504000" y="1769040"/>
-            <a:ext cx="9070920" cy="4383720"/>
+            <a:ext cx="9070560" cy="4383360"/>
           </a:xfrm>
           <a:prstGeom prst="rect">
             <a:avLst/>
@@ -10495,14 +9941,14 @@
       </p:sp>
       <p:sp>
         <p:nvSpPr>
-          <p:cNvPr id="193" name="TextShape 3"/>
-          <p:cNvSpPr txBox="1"/>
+          <p:cNvPr id="195" name="CustomShape 3"/>
+          <p:cNvSpPr/>
           <p:nvPr/>
         </p:nvSpPr>
         <p:spPr>
           <a:xfrm>
             <a:off x="1097280" y="1463040"/>
-            <a:ext cx="7772400" cy="602280"/>
+            <a:ext cx="7772040" cy="2284200"/>
           </a:xfrm>
           <a:prstGeom prst="rect">
             <a:avLst/>
@@ -10512,16 +9958,109 @@
             <a:noFill/>
           </a:ln>
         </p:spPr>
+        <p:style>
+          <a:lnRef idx="0"/>
+          <a:fillRef idx="0"/>
+          <a:effectRef idx="0"/>
+          <a:fontRef idx="minor"/>
+        </p:style>
         <p:txBody>
           <a:bodyPr lIns="90000" rIns="90000" tIns="45000" bIns="45000">
             <a:spAutoFit/>
           </a:bodyPr>
           <a:p>
+            <a:pPr>
+              <a:lnSpc>
+                <a:spcPct val="100000"/>
+              </a:lnSpc>
+            </a:pPr>
             <a:r>
               <a:rPr b="0" lang="en-US" sz="1800" spc="-1" strike="noStrike">
                 <a:latin typeface="Arial"/>
               </a:rPr>
-              <a:t>There is a critical assumption in the modeling of IBU that, if violated, would significantly bias most estimates involving IBU:</a:t>
+              <a:t>There is a critical assumption in the modelling of IBU that, if violated, would significantly bias most estimates involving IBU:</a:t>
+            </a:r>
+            <a:endParaRPr b="0" lang="en-US" sz="1800" spc="-1" strike="noStrike">
+              <a:latin typeface="Arial"/>
+            </a:endParaRPr>
+          </a:p>
+          <a:p>
+            <a:pPr>
+              <a:lnSpc>
+                <a:spcPct val="100000"/>
+              </a:lnSpc>
+            </a:pPr>
+            <a:endParaRPr b="0" lang="en-US" sz="1800" spc="-1" strike="noStrike">
+              <a:latin typeface="Arial"/>
+            </a:endParaRPr>
+          </a:p>
+          <a:p>
+            <a:pPr>
+              <a:lnSpc>
+                <a:spcPct val="100000"/>
+              </a:lnSpc>
+            </a:pPr>
+            <a:r>
+              <a:rPr b="0" lang="en-US" sz="1800" spc="-1" strike="noStrike">
+                <a:latin typeface="Arial"/>
+              </a:rPr>
+              <a:t>	</a:t>
+            </a:r>
+            <a:r>
+              <a:rPr b="0" lang="en-US" sz="1800" spc="-1" strike="noStrike">
+                <a:latin typeface="Arial"/>
+              </a:rPr>
+              <a:t>	</a:t>
+            </a:r>
+            <a:r>
+              <a:rPr b="0" lang="en-US" sz="1800" spc="-1" strike="noStrike">
+                <a:latin typeface="Arial"/>
+              </a:rPr>
+              <a:t>If missingness of IBU is caused by IBU being low, then consistent </a:t>
+            </a:r>
+            <a:r>
+              <a:rPr b="0" lang="en-US" sz="1800" spc="-1" strike="noStrike">
+                <a:latin typeface="Arial"/>
+              </a:rPr>
+              <a:t>	</a:t>
+            </a:r>
+            <a:r>
+              <a:rPr b="0" lang="en-US" sz="1800" spc="-1" strike="noStrike">
+                <a:latin typeface="Arial"/>
+              </a:rPr>
+              <a:t>	</a:t>
+            </a:r>
+            <a:r>
+              <a:rPr b="0" lang="en-US" sz="1800" spc="-1" strike="noStrike">
+                <a:latin typeface="Arial"/>
+              </a:rPr>
+              <a:t>estimators involving IBU are impossible.</a:t>
+            </a:r>
+            <a:endParaRPr b="0" lang="en-US" sz="1800" spc="-1" strike="noStrike">
+              <a:latin typeface="Arial"/>
+            </a:endParaRPr>
+          </a:p>
+          <a:p>
+            <a:pPr>
+              <a:lnSpc>
+                <a:spcPct val="100000"/>
+              </a:lnSpc>
+            </a:pPr>
+            <a:endParaRPr b="0" lang="en-US" sz="1800" spc="-1" strike="noStrike">
+              <a:latin typeface="Arial"/>
+            </a:endParaRPr>
+          </a:p>
+          <a:p>
+            <a:pPr>
+              <a:lnSpc>
+                <a:spcPct val="100000"/>
+              </a:lnSpc>
+            </a:pPr>
+            <a:r>
+              <a:rPr b="0" lang="en-US" sz="1800" spc="-1" strike="noStrike">
+                <a:latin typeface="Arial"/>
+              </a:rPr>
+              <a:t>Therefore, it is in the interest of our data strategy to investigate the missingness of IBU and develop policies to promote IBU reporting. </a:t>
             </a:r>
             <a:endParaRPr b="0" lang="en-US" sz="1800" spc="-1" strike="noStrike">
               <a:latin typeface="Arial"/>
@@ -10588,14 +10127,14 @@
       </p:grpSpPr>
       <p:sp>
         <p:nvSpPr>
-          <p:cNvPr id="194" name="CustomShape 1"/>
+          <p:cNvPr id="196" name="CustomShape 1"/>
           <p:cNvSpPr/>
           <p:nvPr/>
         </p:nvSpPr>
         <p:spPr>
           <a:xfrm>
             <a:off x="504000" y="285120"/>
-            <a:ext cx="9070920" cy="669600"/>
+            <a:ext cx="9070560" cy="669600"/>
           </a:xfrm>
           <a:prstGeom prst="rect">
             <a:avLst/>
@@ -10639,14 +10178,14 @@
       </p:sp>
       <p:sp>
         <p:nvSpPr>
-          <p:cNvPr id="195" name="CustomShape 2"/>
+          <p:cNvPr id="197" name="CustomShape 2"/>
           <p:cNvSpPr/>
           <p:nvPr/>
         </p:nvSpPr>
         <p:spPr>
           <a:xfrm>
             <a:off x="504000" y="1769040"/>
-            <a:ext cx="9070920" cy="4383720"/>
+            <a:ext cx="9070560" cy="4383360"/>
           </a:xfrm>
           <a:prstGeom prst="rect">
             <a:avLst/>
@@ -10665,14 +10204,14 @@
       </p:sp>
       <p:sp>
         <p:nvSpPr>
-          <p:cNvPr id="196" name="TextShape 3"/>
-          <p:cNvSpPr txBox="1"/>
+          <p:cNvPr id="198" name="CustomShape 3"/>
+          <p:cNvSpPr/>
           <p:nvPr/>
         </p:nvSpPr>
         <p:spPr>
           <a:xfrm>
             <a:off x="1097280" y="1463040"/>
-            <a:ext cx="7772400" cy="1626120"/>
+            <a:ext cx="7772040" cy="2284200"/>
           </a:xfrm>
           <a:prstGeom prst="rect">
             <a:avLst/>
@@ -10682,11 +10221,22 @@
             <a:noFill/>
           </a:ln>
         </p:spPr>
+        <p:style>
+          <a:lnRef idx="0"/>
+          <a:fillRef idx="0"/>
+          <a:effectRef idx="0"/>
+          <a:fontRef idx="minor"/>
+        </p:style>
         <p:txBody>
           <a:bodyPr lIns="90000" rIns="90000" tIns="45000" bIns="45000">
             <a:spAutoFit/>
           </a:bodyPr>
           <a:p>
+            <a:pPr>
+              <a:lnSpc>
+                <a:spcPct val="100000"/>
+              </a:lnSpc>
+            </a:pPr>
             <a:r>
               <a:rPr b="0" lang="en-US" sz="1800" spc="-1" strike="noStrike">
                 <a:latin typeface="Arial"/>
@@ -10698,11 +10248,21 @@
             </a:endParaRPr>
           </a:p>
           <a:p>
+            <a:pPr>
+              <a:lnSpc>
+                <a:spcPct val="100000"/>
+              </a:lnSpc>
+            </a:pPr>
             <a:endParaRPr b="0" lang="en-US" sz="1800" spc="-1" strike="noStrike">
               <a:latin typeface="Arial"/>
             </a:endParaRPr>
           </a:p>
           <a:p>
+            <a:pPr>
+              <a:lnSpc>
+                <a:spcPct val="100000"/>
+              </a:lnSpc>
+            </a:pPr>
             <a:r>
               <a:rPr b="0" lang="en-US" sz="1800" spc="-1" strike="noStrike">
                 <a:latin typeface="Arial"/>
@@ -10744,6 +10304,100 @@
             </a:endParaRPr>
           </a:p>
           <a:p>
+            <a:pPr>
+              <a:lnSpc>
+                <a:spcPct val="100000"/>
+              </a:lnSpc>
+            </a:pPr>
+            <a:endParaRPr b="0" lang="en-US" sz="1800" spc="-1" strike="noStrike">
+              <a:latin typeface="Arial"/>
+            </a:endParaRPr>
+          </a:p>
+          <a:p>
+            <a:pPr>
+              <a:lnSpc>
+                <a:spcPct val="100000"/>
+              </a:lnSpc>
+            </a:pPr>
+            <a:r>
+              <a:rPr b="0" lang="en-US" sz="1800" spc="-1" strike="noStrike">
+                <a:latin typeface="Arial"/>
+              </a:rPr>
+              <a:t>Therefore, it is in the interest of our data strategy to investigate the missingness of IBU and develop policies to promote IBU reporting. </a:t>
+            </a:r>
+            <a:endParaRPr b="0" lang="en-US" sz="1800" spc="-1" strike="noStrike">
+              <a:latin typeface="Arial"/>
+            </a:endParaRPr>
+          </a:p>
+        </p:txBody>
+      </p:sp>
+      <p:sp>
+        <p:nvSpPr>
+          <p:cNvPr id="199" name="CustomShape 4"/>
+          <p:cNvSpPr/>
+          <p:nvPr/>
+        </p:nvSpPr>
+        <p:spPr>
+          <a:xfrm>
+            <a:off x="504000" y="3840480"/>
+            <a:ext cx="8822520" cy="912600"/>
+          </a:xfrm>
+          <a:prstGeom prst="rect">
+            <a:avLst/>
+          </a:prstGeom>
+          <a:noFill/>
+          <a:ln>
+            <a:noFill/>
+          </a:ln>
+        </p:spPr>
+        <p:style>
+          <a:lnRef idx="0"/>
+          <a:fillRef idx="0"/>
+          <a:effectRef idx="0"/>
+          <a:fontRef idx="minor"/>
+        </p:style>
+      </p:sp>
+      <p:sp>
+        <p:nvSpPr>
+          <p:cNvPr id="200" name="CustomShape 5"/>
+          <p:cNvSpPr/>
+          <p:nvPr/>
+        </p:nvSpPr>
+        <p:spPr>
+          <a:xfrm>
+            <a:off x="640080" y="4937760"/>
+            <a:ext cx="8686440" cy="912600"/>
+          </a:xfrm>
+          <a:prstGeom prst="rect">
+            <a:avLst/>
+          </a:prstGeom>
+          <a:noFill/>
+          <a:ln>
+            <a:noFill/>
+          </a:ln>
+        </p:spPr>
+        <p:style>
+          <a:lnRef idx="0"/>
+          <a:fillRef idx="0"/>
+          <a:effectRef idx="0"/>
+          <a:fontRef idx="minor"/>
+        </p:style>
+        <p:txBody>
+          <a:bodyPr lIns="90000" rIns="90000" tIns="45000" bIns="45000">
+            <a:spAutoFit/>
+          </a:bodyPr>
+          <a:p>
+            <a:pPr>
+              <a:lnSpc>
+                <a:spcPct val="100000"/>
+              </a:lnSpc>
+            </a:pPr>
+            <a:r>
+              <a:rPr b="0" lang="en-US" sz="1800" spc="-1" strike="noStrike">
+                <a:latin typeface="Arial"/>
+              </a:rPr>
+              <a:t>The primary contribution of this analysis is that we find a positive, strong association between ABV and IBU that is robust to style and imputation, assuming that the missingness was at random. </a:t>
+            </a:r>
             <a:endParaRPr b="0" lang="en-US" sz="1800" spc="-1" strike="noStrike">
               <a:latin typeface="Arial"/>
             </a:endParaRPr>
@@ -10809,14 +10463,14 @@
       </p:grpSpPr>
       <p:sp>
         <p:nvSpPr>
-          <p:cNvPr id="197" name="CustomShape 1"/>
+          <p:cNvPr id="201" name="CustomShape 1"/>
           <p:cNvSpPr/>
           <p:nvPr/>
         </p:nvSpPr>
         <p:spPr>
           <a:xfrm>
-            <a:off x="504000" y="285120"/>
-            <a:ext cx="9070920" cy="669600"/>
+            <a:off x="1188720" y="2834640"/>
+            <a:ext cx="7680600" cy="820800"/>
           </a:xfrm>
           <a:prstGeom prst="rect">
             <a:avLst/>
@@ -10833,170 +10487,22 @@
           <a:fontRef idx="minor"/>
         </p:style>
         <p:txBody>
-          <a:bodyPr lIns="0" rIns="0" tIns="0" bIns="0" anchor="ctr">
-            <a:spAutoFit/>
-          </a:bodyPr>
-          <a:p>
-            <a:pPr algn="ctr">
-              <a:lnSpc>
-                <a:spcPct val="100000"/>
-              </a:lnSpc>
-            </a:pPr>
-            <a:r>
-              <a:rPr b="0" lang="en-US" sz="4400" spc="-1" strike="noStrike">
-                <a:solidFill>
-                  <a:srgbClr val="ffffff"/>
-                </a:solidFill>
-                <a:latin typeface="Arial"/>
-                <a:ea typeface="DejaVu Sans"/>
-              </a:rPr>
-              <a:t>Con</a:t>
-            </a:r>
-            <a:r>
-              <a:rPr b="0" lang="en-US" sz="4400" spc="-1" strike="noStrike">
-                <a:solidFill>
-                  <a:srgbClr val="ffffff"/>
-                </a:solidFill>
-                <a:latin typeface="Arial"/>
-                <a:ea typeface="DejaVu Sans"/>
-              </a:rPr>
-              <a:t>clusi</a:t>
-            </a:r>
-            <a:r>
-              <a:rPr b="0" lang="en-US" sz="4400" spc="-1" strike="noStrike">
-                <a:solidFill>
-                  <a:srgbClr val="ffffff"/>
-                </a:solidFill>
-                <a:latin typeface="Arial"/>
-                <a:ea typeface="DejaVu Sans"/>
-              </a:rPr>
-              <a:t>ons</a:t>
-            </a:r>
-            <a:endParaRPr b="0" lang="en-US" sz="4400" spc="-1" strike="noStrike">
-              <a:latin typeface="Arial"/>
-            </a:endParaRPr>
-          </a:p>
-        </p:txBody>
-      </p:sp>
-      <p:sp>
-        <p:nvSpPr>
-          <p:cNvPr id="198" name="CustomShape 2"/>
-          <p:cNvSpPr/>
-          <p:nvPr/>
-        </p:nvSpPr>
-        <p:spPr>
-          <a:xfrm>
-            <a:off x="504000" y="1769040"/>
-            <a:ext cx="9070920" cy="4383720"/>
-          </a:xfrm>
-          <a:prstGeom prst="rect">
-            <a:avLst/>
-          </a:prstGeom>
-          <a:noFill/>
-          <a:ln>
-            <a:noFill/>
-          </a:ln>
-        </p:spPr>
-        <p:style>
-          <a:lnRef idx="0"/>
-          <a:fillRef idx="0"/>
-          <a:effectRef idx="0"/>
-          <a:fontRef idx="minor"/>
-        </p:style>
-      </p:sp>
-      <p:sp>
-        <p:nvSpPr>
-          <p:cNvPr id="199" name="TextShape 3"/>
-          <p:cNvSpPr txBox="1"/>
-          <p:nvPr/>
-        </p:nvSpPr>
-        <p:spPr>
-          <a:xfrm>
-            <a:off x="1097280" y="1463040"/>
-            <a:ext cx="7772400" cy="2138040"/>
-          </a:xfrm>
-          <a:prstGeom prst="rect">
-            <a:avLst/>
-          </a:prstGeom>
-          <a:noFill/>
-          <a:ln>
-            <a:noFill/>
-          </a:ln>
-        </p:spPr>
-        <p:txBody>
           <a:bodyPr lIns="90000" rIns="90000" tIns="45000" bIns="45000">
             <a:spAutoFit/>
           </a:bodyPr>
           <a:p>
-            <a:r>
-              <a:rPr b="0" lang="en-US" sz="1800" spc="-1" strike="noStrike">
-                <a:latin typeface="Arial"/>
-              </a:rPr>
-              <a:t>There is a critical assumption in the modelling of IBU that, if violated, would significantly bias most estimates involving IBU:</a:t>
-            </a:r>
-            <a:endParaRPr b="0" lang="en-US" sz="1800" spc="-1" strike="noStrike">
-              <a:latin typeface="Arial"/>
-            </a:endParaRPr>
-          </a:p>
-          <a:p>
-            <a:endParaRPr b="0" lang="en-US" sz="1800" spc="-1" strike="noStrike">
-              <a:latin typeface="Arial"/>
-            </a:endParaRPr>
-          </a:p>
-          <a:p>
-            <a:r>
-              <a:rPr b="0" lang="en-US" sz="1800" spc="-1" strike="noStrike">
-                <a:latin typeface="Arial"/>
-              </a:rPr>
-              <a:t>	</a:t>
-            </a:r>
-            <a:r>
-              <a:rPr b="0" lang="en-US" sz="1800" spc="-1" strike="noStrike">
-                <a:latin typeface="Arial"/>
-              </a:rPr>
-              <a:t>	</a:t>
-            </a:r>
-            <a:r>
-              <a:rPr b="0" lang="en-US" sz="1800" spc="-1" strike="noStrike">
-                <a:latin typeface="Arial"/>
-              </a:rPr>
-              <a:t>If missingness of IBU is caused by IBU being low, then consistent </a:t>
-            </a:r>
-            <a:r>
-              <a:rPr b="0" lang="en-US" sz="1800" spc="-1" strike="noStrike">
-                <a:latin typeface="Arial"/>
-              </a:rPr>
-              <a:t>	</a:t>
-            </a:r>
-            <a:r>
-              <a:rPr b="0" lang="en-US" sz="1800" spc="-1" strike="noStrike">
-                <a:latin typeface="Arial"/>
-              </a:rPr>
-              <a:t>	</a:t>
-            </a:r>
-            <a:r>
-              <a:rPr b="0" lang="en-US" sz="1800" spc="-1" strike="noStrike">
-                <a:latin typeface="Arial"/>
-              </a:rPr>
-              <a:t>estimators involving IBU are impossible.</a:t>
-            </a:r>
-            <a:endParaRPr b="0" lang="en-US" sz="1800" spc="-1" strike="noStrike">
-              <a:latin typeface="Arial"/>
-            </a:endParaRPr>
-          </a:p>
-          <a:p>
-            <a:endParaRPr b="0" lang="en-US" sz="1800" spc="-1" strike="noStrike">
-              <a:latin typeface="Arial"/>
-            </a:endParaRPr>
-          </a:p>
-          <a:p>
-            <a:r>
-              <a:rPr b="0" lang="en-US" sz="1800" spc="-1" strike="noStrike">
-                <a:latin typeface="Arial"/>
-              </a:rPr>
-              <a:t>Therefore, it is in the interest of our data strategy to investigate the missingness of IBU and develop policies to promote IBU reporting. </a:t>
-            </a:r>
-            <a:endParaRPr b="0" lang="en-US" sz="1800" spc="-1" strike="noStrike">
+            <a:pPr>
+              <a:lnSpc>
+                <a:spcPct val="100000"/>
+              </a:lnSpc>
+            </a:pPr>
+            <a:r>
+              <a:rPr b="0" lang="en-US" sz="4800" spc="-1" strike="noStrike">
+                <a:latin typeface="Arial"/>
+              </a:rPr>
+              <a:t>Thank you for your time!</a:t>
+            </a:r>
+            <a:endParaRPr b="0" lang="en-US" sz="4800" spc="-1" strike="noStrike">
               <a:latin typeface="Arial"/>
             </a:endParaRPr>
           </a:p>
@@ -11042,671 +10548,6 @@
 </p:sld>
 </file>
 
-<file path=ppt/slides/slide27.xml><?xml version="1.0" encoding="utf-8"?>
-<p:sld xmlns:a="http://schemas.openxmlformats.org/drawingml/2006/main" xmlns:p="http://schemas.openxmlformats.org/presentationml/2006/main" xmlns:r="http://schemas.openxmlformats.org/officeDocument/2006/relationships" xmlns:p14="http://schemas.microsoft.com/office/powerpoint/2010/main" xmlns:p15="http://schemas.microsoft.com/office/powerpoint/2012/main" xmlns:mc="http://schemas.openxmlformats.org/markup-compatibility/2006">
-  <p:cSld>
-    <p:spTree>
-      <p:nvGrpSpPr>
-        <p:cNvPr id="1" name=""/>
-        <p:cNvGrpSpPr/>
-        <p:nvPr/>
-      </p:nvGrpSpPr>
-      <p:grpSpPr>
-        <a:xfrm>
-          <a:off x="0" y="0"/>
-          <a:ext cx="0" cy="0"/>
-          <a:chOff x="0" y="0"/>
-          <a:chExt cx="0" cy="0"/>
-        </a:xfrm>
-      </p:grpSpPr>
-      <p:sp>
-        <p:nvSpPr>
-          <p:cNvPr id="200" name="CustomShape 1"/>
-          <p:cNvSpPr/>
-          <p:nvPr/>
-        </p:nvSpPr>
-        <p:spPr>
-          <a:xfrm>
-            <a:off x="504000" y="285120"/>
-            <a:ext cx="9070920" cy="669600"/>
-          </a:xfrm>
-          <a:prstGeom prst="rect">
-            <a:avLst/>
-          </a:prstGeom>
-          <a:noFill/>
-          <a:ln>
-            <a:noFill/>
-          </a:ln>
-        </p:spPr>
-        <p:style>
-          <a:lnRef idx="0"/>
-          <a:fillRef idx="0"/>
-          <a:effectRef idx="0"/>
-          <a:fontRef idx="minor"/>
-        </p:style>
-        <p:txBody>
-          <a:bodyPr lIns="0" rIns="0" tIns="0" bIns="0" anchor="ctr">
-            <a:spAutoFit/>
-          </a:bodyPr>
-          <a:p>
-            <a:pPr algn="ctr">
-              <a:lnSpc>
-                <a:spcPct val="100000"/>
-              </a:lnSpc>
-            </a:pPr>
-            <a:r>
-              <a:rPr b="0" lang="en-US" sz="4400" spc="-1" strike="noStrike">
-                <a:solidFill>
-                  <a:srgbClr val="ffffff"/>
-                </a:solidFill>
-                <a:latin typeface="Arial"/>
-                <a:ea typeface="DejaVu Sans"/>
-              </a:rPr>
-              <a:t>Conclusions</a:t>
-            </a:r>
-            <a:endParaRPr b="0" lang="en-US" sz="4400" spc="-1" strike="noStrike">
-              <a:latin typeface="Arial"/>
-            </a:endParaRPr>
-          </a:p>
-        </p:txBody>
-      </p:sp>
-      <p:sp>
-        <p:nvSpPr>
-          <p:cNvPr id="201" name="CustomShape 2"/>
-          <p:cNvSpPr/>
-          <p:nvPr/>
-        </p:nvSpPr>
-        <p:spPr>
-          <a:xfrm>
-            <a:off x="504000" y="1769040"/>
-            <a:ext cx="9070920" cy="4383720"/>
-          </a:xfrm>
-          <a:prstGeom prst="rect">
-            <a:avLst/>
-          </a:prstGeom>
-          <a:noFill/>
-          <a:ln>
-            <a:noFill/>
-          </a:ln>
-        </p:spPr>
-        <p:style>
-          <a:lnRef idx="0"/>
-          <a:fillRef idx="0"/>
-          <a:effectRef idx="0"/>
-          <a:fontRef idx="minor"/>
-        </p:style>
-      </p:sp>
-      <p:sp>
-        <p:nvSpPr>
-          <p:cNvPr id="202" name="TextShape 3"/>
-          <p:cNvSpPr txBox="1"/>
-          <p:nvPr/>
-        </p:nvSpPr>
-        <p:spPr>
-          <a:xfrm>
-            <a:off x="1097280" y="1463040"/>
-            <a:ext cx="7772400" cy="2138040"/>
-          </a:xfrm>
-          <a:prstGeom prst="rect">
-            <a:avLst/>
-          </a:prstGeom>
-          <a:noFill/>
-          <a:ln>
-            <a:noFill/>
-          </a:ln>
-        </p:spPr>
-        <p:txBody>
-          <a:bodyPr lIns="90000" rIns="90000" tIns="45000" bIns="45000">
-            <a:spAutoFit/>
-          </a:bodyPr>
-          <a:p>
-            <a:r>
-              <a:rPr b="0" lang="en-US" sz="1800" spc="-1" strike="noStrike">
-                <a:latin typeface="Arial"/>
-              </a:rPr>
-              <a:t>There is a critical assumption in the modelling of IBU that, if violated, would significantly bias most estimates involving IBU:</a:t>
-            </a:r>
-            <a:endParaRPr b="0" lang="en-US" sz="1800" spc="-1" strike="noStrike">
-              <a:latin typeface="Arial"/>
-            </a:endParaRPr>
-          </a:p>
-          <a:p>
-            <a:endParaRPr b="0" lang="en-US" sz="1800" spc="-1" strike="noStrike">
-              <a:latin typeface="Arial"/>
-            </a:endParaRPr>
-          </a:p>
-          <a:p>
-            <a:r>
-              <a:rPr b="0" lang="en-US" sz="1800" spc="-1" strike="noStrike">
-                <a:latin typeface="Arial"/>
-              </a:rPr>
-              <a:t>	</a:t>
-            </a:r>
-            <a:r>
-              <a:rPr b="0" lang="en-US" sz="1800" spc="-1" strike="noStrike">
-                <a:latin typeface="Arial"/>
-              </a:rPr>
-              <a:t>	</a:t>
-            </a:r>
-            <a:r>
-              <a:rPr b="0" lang="en-US" sz="1800" spc="-1" strike="noStrike">
-                <a:latin typeface="Arial"/>
-              </a:rPr>
-              <a:t>If missingness of IBU is caused by IBU being low, then consistent </a:t>
-            </a:r>
-            <a:r>
-              <a:rPr b="0" lang="en-US" sz="1800" spc="-1" strike="noStrike">
-                <a:latin typeface="Arial"/>
-              </a:rPr>
-              <a:t>	</a:t>
-            </a:r>
-            <a:r>
-              <a:rPr b="0" lang="en-US" sz="1800" spc="-1" strike="noStrike">
-                <a:latin typeface="Arial"/>
-              </a:rPr>
-              <a:t>	</a:t>
-            </a:r>
-            <a:r>
-              <a:rPr b="0" lang="en-US" sz="1800" spc="-1" strike="noStrike">
-                <a:latin typeface="Arial"/>
-              </a:rPr>
-              <a:t>estimators involving IBU are impossible.</a:t>
-            </a:r>
-            <a:endParaRPr b="0" lang="en-US" sz="1800" spc="-1" strike="noStrike">
-              <a:latin typeface="Arial"/>
-            </a:endParaRPr>
-          </a:p>
-          <a:p>
-            <a:endParaRPr b="0" lang="en-US" sz="1800" spc="-1" strike="noStrike">
-              <a:latin typeface="Arial"/>
-            </a:endParaRPr>
-          </a:p>
-          <a:p>
-            <a:r>
-              <a:rPr b="0" lang="en-US" sz="1800" spc="-1" strike="noStrike">
-                <a:latin typeface="Arial"/>
-              </a:rPr>
-              <a:t>Therefore, it is in the interest of our data strategy to investigate the missingness of IBU and develop policies to promote IBU reporting. </a:t>
-            </a:r>
-            <a:endParaRPr b="0" lang="en-US" sz="1800" spc="-1" strike="noStrike">
-              <a:latin typeface="Arial"/>
-            </a:endParaRPr>
-          </a:p>
-        </p:txBody>
-      </p:sp>
-      <p:sp>
-        <p:nvSpPr>
-          <p:cNvPr id="203" name="TextShape 4"/>
-          <p:cNvSpPr txBox="1"/>
-          <p:nvPr/>
-        </p:nvSpPr>
-        <p:spPr>
-          <a:xfrm>
-            <a:off x="504000" y="3840480"/>
-            <a:ext cx="8822880" cy="858240"/>
-          </a:xfrm>
-          <a:prstGeom prst="rect">
-            <a:avLst/>
-          </a:prstGeom>
-          <a:noFill/>
-          <a:ln>
-            <a:noFill/>
-          </a:ln>
-        </p:spPr>
-        <p:txBody>
-          <a:bodyPr lIns="90000" rIns="90000" tIns="45000" bIns="45000">
-            <a:spAutoFit/>
-          </a:bodyPr>
-          <a:p>
-            <a:r>
-              <a:rPr b="0" lang="en-US" sz="1800" spc="-1" strike="noStrike">
-                <a:latin typeface="Arial"/>
-              </a:rPr>
-              <a:t>If IBU does not influence its own missingness, then recovering good, consistent estimates will usually be feasible, but may require extracting additional data. This will depend on a literature review or iterative investigation.</a:t>
-            </a:r>
-            <a:endParaRPr b="0" lang="en-US" sz="1800" spc="-1" strike="noStrike">
-              <a:latin typeface="Arial"/>
-            </a:endParaRPr>
-          </a:p>
-        </p:txBody>
-      </p:sp>
-    </p:spTree>
-  </p:cSld>
-  <mc:AlternateContent>
-    <mc:Choice Requires="p14">
-      <p:transition spd="slow" p14:dur="2000"/>
-    </mc:Choice>
-    <mc:Fallback>
-      <p:transition spd="slow"/>
-    </mc:Fallback>
-  </mc:AlternateContent>
-  <p:timing>
-    <p:tnLst>
-      <p:par>
-        <p:cTn id="53" dur="indefinite" restart="never" nodeType="tmRoot">
-          <p:childTnLst>
-            <p:seq>
-              <p:cTn id="54" dur="indefinite" nodeType="mainSeq"/>
-              <p:prevCondLst>
-                <p:cond delay="0" evt="onPrev">
-                  <p:tgtEl>
-                    <p:sldTgt/>
-                  </p:tgtEl>
-                </p:cond>
-              </p:prevCondLst>
-              <p:nextCondLst>
-                <p:cond delay="0" evt="onNext">
-                  <p:tgtEl>
-                    <p:sldTgt/>
-                  </p:tgtEl>
-                </p:cond>
-              </p:nextCondLst>
-            </p:seq>
-          </p:childTnLst>
-        </p:cTn>
-      </p:par>
-    </p:tnLst>
-  </p:timing>
-</p:sld>
-</file>
-
-<file path=ppt/slides/slide28.xml><?xml version="1.0" encoding="utf-8"?>
-<p:sld xmlns:a="http://schemas.openxmlformats.org/drawingml/2006/main" xmlns:p="http://schemas.openxmlformats.org/presentationml/2006/main" xmlns:r="http://schemas.openxmlformats.org/officeDocument/2006/relationships" xmlns:p14="http://schemas.microsoft.com/office/powerpoint/2010/main" xmlns:p15="http://schemas.microsoft.com/office/powerpoint/2012/main" xmlns:mc="http://schemas.openxmlformats.org/markup-compatibility/2006">
-  <p:cSld>
-    <p:spTree>
-      <p:nvGrpSpPr>
-        <p:cNvPr id="1" name=""/>
-        <p:cNvGrpSpPr/>
-        <p:nvPr/>
-      </p:nvGrpSpPr>
-      <p:grpSpPr>
-        <a:xfrm>
-          <a:off x="0" y="0"/>
-          <a:ext cx="0" cy="0"/>
-          <a:chOff x="0" y="0"/>
-          <a:chExt cx="0" cy="0"/>
-        </a:xfrm>
-      </p:grpSpPr>
-      <p:sp>
-        <p:nvSpPr>
-          <p:cNvPr id="204" name="CustomShape 1"/>
-          <p:cNvSpPr/>
-          <p:nvPr/>
-        </p:nvSpPr>
-        <p:spPr>
-          <a:xfrm>
-            <a:off x="504000" y="285120"/>
-            <a:ext cx="9070920" cy="669600"/>
-          </a:xfrm>
-          <a:prstGeom prst="rect">
-            <a:avLst/>
-          </a:prstGeom>
-          <a:noFill/>
-          <a:ln>
-            <a:noFill/>
-          </a:ln>
-        </p:spPr>
-        <p:style>
-          <a:lnRef idx="0"/>
-          <a:fillRef idx="0"/>
-          <a:effectRef idx="0"/>
-          <a:fontRef idx="minor"/>
-        </p:style>
-        <p:txBody>
-          <a:bodyPr lIns="0" rIns="0" tIns="0" bIns="0" anchor="ctr">
-            <a:spAutoFit/>
-          </a:bodyPr>
-          <a:p>
-            <a:pPr algn="ctr">
-              <a:lnSpc>
-                <a:spcPct val="100000"/>
-              </a:lnSpc>
-            </a:pPr>
-            <a:r>
-              <a:rPr b="0" lang="en-US" sz="4400" spc="-1" strike="noStrike">
-                <a:solidFill>
-                  <a:srgbClr val="ffffff"/>
-                </a:solidFill>
-                <a:latin typeface="Arial"/>
-                <a:ea typeface="DejaVu Sans"/>
-              </a:rPr>
-              <a:t>Conclusions</a:t>
-            </a:r>
-            <a:endParaRPr b="0" lang="en-US" sz="4400" spc="-1" strike="noStrike">
-              <a:latin typeface="Arial"/>
-            </a:endParaRPr>
-          </a:p>
-        </p:txBody>
-      </p:sp>
-      <p:sp>
-        <p:nvSpPr>
-          <p:cNvPr id="205" name="CustomShape 2"/>
-          <p:cNvSpPr/>
-          <p:nvPr/>
-        </p:nvSpPr>
-        <p:spPr>
-          <a:xfrm>
-            <a:off x="504000" y="1769040"/>
-            <a:ext cx="9070920" cy="4383720"/>
-          </a:xfrm>
-          <a:prstGeom prst="rect">
-            <a:avLst/>
-          </a:prstGeom>
-          <a:noFill/>
-          <a:ln>
-            <a:noFill/>
-          </a:ln>
-        </p:spPr>
-        <p:style>
-          <a:lnRef idx="0"/>
-          <a:fillRef idx="0"/>
-          <a:effectRef idx="0"/>
-          <a:fontRef idx="minor"/>
-        </p:style>
-      </p:sp>
-      <p:sp>
-        <p:nvSpPr>
-          <p:cNvPr id="206" name="TextShape 3"/>
-          <p:cNvSpPr txBox="1"/>
-          <p:nvPr/>
-        </p:nvSpPr>
-        <p:spPr>
-          <a:xfrm>
-            <a:off x="1097280" y="1463040"/>
-            <a:ext cx="7772400" cy="2138040"/>
-          </a:xfrm>
-          <a:prstGeom prst="rect">
-            <a:avLst/>
-          </a:prstGeom>
-          <a:noFill/>
-          <a:ln>
-            <a:noFill/>
-          </a:ln>
-        </p:spPr>
-        <p:txBody>
-          <a:bodyPr lIns="90000" rIns="90000" tIns="45000" bIns="45000">
-            <a:spAutoFit/>
-          </a:bodyPr>
-          <a:p>
-            <a:r>
-              <a:rPr b="0" lang="en-US" sz="1800" spc="-1" strike="noStrike">
-                <a:latin typeface="Arial"/>
-              </a:rPr>
-              <a:t>There is a critical assumption in the modelling of IBU that, if violated, would significantly bias most estimates involving IBU:</a:t>
-            </a:r>
-            <a:endParaRPr b="0" lang="en-US" sz="1800" spc="-1" strike="noStrike">
-              <a:latin typeface="Arial"/>
-            </a:endParaRPr>
-          </a:p>
-          <a:p>
-            <a:endParaRPr b="0" lang="en-US" sz="1800" spc="-1" strike="noStrike">
-              <a:latin typeface="Arial"/>
-            </a:endParaRPr>
-          </a:p>
-          <a:p>
-            <a:r>
-              <a:rPr b="0" lang="en-US" sz="1800" spc="-1" strike="noStrike">
-                <a:latin typeface="Arial"/>
-              </a:rPr>
-              <a:t>	</a:t>
-            </a:r>
-            <a:r>
-              <a:rPr b="0" lang="en-US" sz="1800" spc="-1" strike="noStrike">
-                <a:latin typeface="Arial"/>
-              </a:rPr>
-              <a:t>	</a:t>
-            </a:r>
-            <a:r>
-              <a:rPr b="0" lang="en-US" sz="1800" spc="-1" strike="noStrike">
-                <a:latin typeface="Arial"/>
-              </a:rPr>
-              <a:t>If missingness of IBU is caused by IBU being low, then consistent </a:t>
-            </a:r>
-            <a:r>
-              <a:rPr b="0" lang="en-US" sz="1800" spc="-1" strike="noStrike">
-                <a:latin typeface="Arial"/>
-              </a:rPr>
-              <a:t>	</a:t>
-            </a:r>
-            <a:r>
-              <a:rPr b="0" lang="en-US" sz="1800" spc="-1" strike="noStrike">
-                <a:latin typeface="Arial"/>
-              </a:rPr>
-              <a:t>	</a:t>
-            </a:r>
-            <a:r>
-              <a:rPr b="0" lang="en-US" sz="1800" spc="-1" strike="noStrike">
-                <a:latin typeface="Arial"/>
-              </a:rPr>
-              <a:t>estimators involving IBU are impossible.</a:t>
-            </a:r>
-            <a:endParaRPr b="0" lang="en-US" sz="1800" spc="-1" strike="noStrike">
-              <a:latin typeface="Arial"/>
-            </a:endParaRPr>
-          </a:p>
-          <a:p>
-            <a:endParaRPr b="0" lang="en-US" sz="1800" spc="-1" strike="noStrike">
-              <a:latin typeface="Arial"/>
-            </a:endParaRPr>
-          </a:p>
-          <a:p>
-            <a:r>
-              <a:rPr b="0" lang="en-US" sz="1800" spc="-1" strike="noStrike">
-                <a:latin typeface="Arial"/>
-              </a:rPr>
-              <a:t>Therefore, it is in the interest of our data strategy to investigate the missingness of IBU and develop policies to promote IBU reporting. </a:t>
-            </a:r>
-            <a:endParaRPr b="0" lang="en-US" sz="1800" spc="-1" strike="noStrike">
-              <a:latin typeface="Arial"/>
-            </a:endParaRPr>
-          </a:p>
-        </p:txBody>
-      </p:sp>
-      <p:sp>
-        <p:nvSpPr>
-          <p:cNvPr id="207" name="TextShape 4"/>
-          <p:cNvSpPr txBox="1"/>
-          <p:nvPr/>
-        </p:nvSpPr>
-        <p:spPr>
-          <a:xfrm>
-            <a:off x="504000" y="3840480"/>
-            <a:ext cx="8822880" cy="858240"/>
-          </a:xfrm>
-          <a:prstGeom prst="rect">
-            <a:avLst/>
-          </a:prstGeom>
-          <a:noFill/>
-          <a:ln>
-            <a:noFill/>
-          </a:ln>
-        </p:spPr>
-        <p:txBody>
-          <a:bodyPr lIns="90000" rIns="90000" tIns="45000" bIns="45000">
-            <a:spAutoFit/>
-          </a:bodyPr>
-          <a:p>
-            <a:r>
-              <a:rPr b="0" lang="en-US" sz="1800" spc="-1" strike="noStrike">
-                <a:latin typeface="Arial"/>
-              </a:rPr>
-              <a:t>If IBU does not influence its own missingness, then recovering good, consistent estimates will usually be feasible, but may require extracting additional data. This will depend on a literature review or iterative investigation.</a:t>
-            </a:r>
-            <a:endParaRPr b="0" lang="en-US" sz="1800" spc="-1" strike="noStrike">
-              <a:latin typeface="Arial"/>
-            </a:endParaRPr>
-          </a:p>
-        </p:txBody>
-      </p:sp>
-      <p:sp>
-        <p:nvSpPr>
-          <p:cNvPr id="208" name="TextShape 5"/>
-          <p:cNvSpPr txBox="1"/>
-          <p:nvPr/>
-        </p:nvSpPr>
-        <p:spPr>
-          <a:xfrm>
-            <a:off x="640080" y="4937760"/>
-            <a:ext cx="8686800" cy="858240"/>
-          </a:xfrm>
-          <a:prstGeom prst="rect">
-            <a:avLst/>
-          </a:prstGeom>
-          <a:noFill/>
-          <a:ln>
-            <a:noFill/>
-          </a:ln>
-        </p:spPr>
-        <p:txBody>
-          <a:bodyPr lIns="90000" rIns="90000" tIns="45000" bIns="45000">
-            <a:spAutoFit/>
-          </a:bodyPr>
-          <a:p>
-            <a:r>
-              <a:rPr b="0" lang="en-US" sz="1800" spc="-1" strike="noStrike">
-                <a:latin typeface="Arial"/>
-              </a:rPr>
-              <a:t>The primary contribution of this analysis is that we find a positive, strong association between ABV and IBU that is robust to style and imputation, assuming that the missingness was at random. </a:t>
-            </a:r>
-            <a:endParaRPr b="0" lang="en-US" sz="1800" spc="-1" strike="noStrike">
-              <a:latin typeface="Arial"/>
-            </a:endParaRPr>
-          </a:p>
-        </p:txBody>
-      </p:sp>
-    </p:spTree>
-  </p:cSld>
-  <mc:AlternateContent>
-    <mc:Choice Requires="p14">
-      <p:transition spd="slow" p14:dur="2000"/>
-    </mc:Choice>
-    <mc:Fallback>
-      <p:transition spd="slow"/>
-    </mc:Fallback>
-  </mc:AlternateContent>
-  <p:timing>
-    <p:tnLst>
-      <p:par>
-        <p:cTn id="55" dur="indefinite" restart="never" nodeType="tmRoot">
-          <p:childTnLst>
-            <p:seq>
-              <p:cTn id="56" dur="indefinite" nodeType="mainSeq"/>
-              <p:prevCondLst>
-                <p:cond delay="0" evt="onPrev">
-                  <p:tgtEl>
-                    <p:sldTgt/>
-                  </p:tgtEl>
-                </p:cond>
-              </p:prevCondLst>
-              <p:nextCondLst>
-                <p:cond delay="0" evt="onNext">
-                  <p:tgtEl>
-                    <p:sldTgt/>
-                  </p:tgtEl>
-                </p:cond>
-              </p:nextCondLst>
-            </p:seq>
-          </p:childTnLst>
-        </p:cTn>
-      </p:par>
-    </p:tnLst>
-  </p:timing>
-</p:sld>
-</file>
-
-<file path=ppt/slides/slide29.xml><?xml version="1.0" encoding="utf-8"?>
-<p:sld xmlns:a="http://schemas.openxmlformats.org/drawingml/2006/main" xmlns:p="http://schemas.openxmlformats.org/presentationml/2006/main" xmlns:r="http://schemas.openxmlformats.org/officeDocument/2006/relationships" xmlns:p14="http://schemas.microsoft.com/office/powerpoint/2010/main" xmlns:p15="http://schemas.microsoft.com/office/powerpoint/2012/main" xmlns:mc="http://schemas.openxmlformats.org/markup-compatibility/2006">
-  <p:cSld>
-    <p:spTree>
-      <p:nvGrpSpPr>
-        <p:cNvPr id="1" name=""/>
-        <p:cNvGrpSpPr/>
-        <p:nvPr/>
-      </p:nvGrpSpPr>
-      <p:grpSpPr>
-        <a:xfrm>
-          <a:off x="0" y="0"/>
-          <a:ext cx="0" cy="0"/>
-          <a:chOff x="0" y="0"/>
-          <a:chExt cx="0" cy="0"/>
-        </a:xfrm>
-      </p:grpSpPr>
-      <p:sp>
-        <p:nvSpPr>
-          <p:cNvPr id="209" name="TextShape 1"/>
-          <p:cNvSpPr txBox="1"/>
-          <p:nvPr/>
-        </p:nvSpPr>
-        <p:spPr>
-          <a:xfrm>
-            <a:off x="1188720" y="2834640"/>
-            <a:ext cx="7680960" cy="771480"/>
-          </a:xfrm>
-          <a:prstGeom prst="rect">
-            <a:avLst/>
-          </a:prstGeom>
-          <a:noFill/>
-          <a:ln>
-            <a:noFill/>
-          </a:ln>
-        </p:spPr>
-        <p:txBody>
-          <a:bodyPr lIns="90000" rIns="90000" tIns="45000" bIns="45000">
-            <a:spAutoFit/>
-          </a:bodyPr>
-          <a:p>
-            <a:r>
-              <a:rPr b="0" lang="en-US" sz="4800" spc="-1" strike="noStrike">
-                <a:latin typeface="Arial"/>
-              </a:rPr>
-              <a:t>Thank you for your time!</a:t>
-            </a:r>
-            <a:endParaRPr b="0" lang="en-US" sz="4800" spc="-1" strike="noStrike">
-              <a:latin typeface="Arial"/>
-            </a:endParaRPr>
-          </a:p>
-        </p:txBody>
-      </p:sp>
-    </p:spTree>
-  </p:cSld>
-  <mc:AlternateContent>
-    <mc:Choice Requires="p14">
-      <p:transition spd="slow" p14:dur="2000"/>
-    </mc:Choice>
-    <mc:Fallback>
-      <p:transition spd="slow"/>
-    </mc:Fallback>
-  </mc:AlternateContent>
-  <p:timing>
-    <p:tnLst>
-      <p:par>
-        <p:cTn id="57" dur="indefinite" restart="never" nodeType="tmRoot">
-          <p:childTnLst>
-            <p:seq>
-              <p:cTn id="58" dur="indefinite" nodeType="mainSeq"/>
-              <p:prevCondLst>
-                <p:cond delay="0" evt="onPrev">
-                  <p:tgtEl>
-                    <p:sldTgt/>
-                  </p:tgtEl>
-                </p:cond>
-              </p:prevCondLst>
-              <p:nextCondLst>
-                <p:cond delay="0" evt="onNext">
-                  <p:tgtEl>
-                    <p:sldTgt/>
-                  </p:tgtEl>
-                </p:cond>
-              </p:nextCondLst>
-            </p:seq>
-          </p:childTnLst>
-        </p:cTn>
-      </p:par>
-    </p:tnLst>
-  </p:timing>
-</p:sld>
-</file>
-
 <file path=ppt/slides/slide3.xml><?xml version="1.0" encoding="utf-8"?>
 <p:sld xmlns:a="http://schemas.openxmlformats.org/drawingml/2006/main" xmlns:p="http://schemas.openxmlformats.org/presentationml/2006/main" xmlns:r="http://schemas.openxmlformats.org/officeDocument/2006/relationships" xmlns:p14="http://schemas.microsoft.com/office/powerpoint/2010/main" xmlns:p15="http://schemas.microsoft.com/office/powerpoint/2012/main" xmlns:mc="http://schemas.openxmlformats.org/markup-compatibility/2006">
   <p:cSld>
@@ -11733,7 +10574,7 @@
         <p:spPr>
           <a:xfrm>
             <a:off x="822960" y="1097280"/>
-            <a:ext cx="7954560" cy="1186920"/>
+            <a:ext cx="7954200" cy="1186920"/>
           </a:xfrm>
           <a:prstGeom prst="rect">
             <a:avLst/>
@@ -11785,7 +10626,7 @@
             </a:endParaRPr>
           </a:p>
           <a:p>
-            <a:pPr marL="216000" indent="-215280">
+            <a:pPr marL="216000" indent="-214920">
               <a:lnSpc>
                 <a:spcPct val="100000"/>
               </a:lnSpc>
@@ -11887,7 +10728,7 @@
         <p:spPr>
           <a:xfrm>
             <a:off x="822960" y="1097280"/>
-            <a:ext cx="7954560" cy="1552680"/>
+            <a:ext cx="7954200" cy="1552680"/>
           </a:xfrm>
           <a:prstGeom prst="rect">
             <a:avLst/>
@@ -11939,7 +10780,7 @@
             </a:endParaRPr>
           </a:p>
           <a:p>
-            <a:pPr marL="216000" indent="-215280">
+            <a:pPr marL="216000" indent="-214920">
               <a:lnSpc>
                 <a:spcPct val="100000"/>
               </a:lnSpc>
@@ -11974,7 +10815,7 @@
             </a:endParaRPr>
           </a:p>
           <a:p>
-            <a:pPr marL="216000" indent="-215280">
+            <a:pPr marL="216000" indent="-214920">
               <a:lnSpc>
                 <a:spcPct val="100000"/>
               </a:lnSpc>
@@ -12076,7 +10917,7 @@
         <p:spPr>
           <a:xfrm>
             <a:off x="822960" y="1097280"/>
-            <a:ext cx="7954560" cy="1918440"/>
+            <a:ext cx="7954200" cy="1918440"/>
           </a:xfrm>
           <a:prstGeom prst="rect">
             <a:avLst/>
@@ -12128,7 +10969,7 @@
             </a:endParaRPr>
           </a:p>
           <a:p>
-            <a:pPr marL="216000" indent="-215280">
+            <a:pPr marL="216000" indent="-214920">
               <a:lnSpc>
                 <a:spcPct val="100000"/>
               </a:lnSpc>
@@ -12163,7 +11004,7 @@
             </a:endParaRPr>
           </a:p>
           <a:p>
-            <a:pPr marL="216000" indent="-215280">
+            <a:pPr marL="216000" indent="-214920">
               <a:lnSpc>
                 <a:spcPct val="100000"/>
               </a:lnSpc>
@@ -12198,7 +11039,7 @@
             </a:endParaRPr>
           </a:p>
           <a:p>
-            <a:pPr marL="216000" indent="-215280">
+            <a:pPr marL="216000" indent="-214920">
               <a:lnSpc>
                 <a:spcPct val="100000"/>
               </a:lnSpc>
@@ -12300,7 +11141,7 @@
         <p:spPr>
           <a:xfrm>
             <a:off x="822960" y="1097280"/>
-            <a:ext cx="7954560" cy="2284200"/>
+            <a:ext cx="7954200" cy="2284920"/>
           </a:xfrm>
           <a:prstGeom prst="rect">
             <a:avLst/>
@@ -12352,7 +11193,7 @@
             </a:endParaRPr>
           </a:p>
           <a:p>
-            <a:pPr marL="216000" indent="-215280">
+            <a:pPr marL="216000" indent="-214920">
               <a:lnSpc>
                 <a:spcPct val="100000"/>
               </a:lnSpc>
@@ -12387,7 +11228,7 @@
             </a:endParaRPr>
           </a:p>
           <a:p>
-            <a:pPr marL="216000" indent="-215280">
+            <a:pPr marL="216000" indent="-214920">
               <a:lnSpc>
                 <a:spcPct val="100000"/>
               </a:lnSpc>
@@ -12422,7 +11263,7 @@
             </a:endParaRPr>
           </a:p>
           <a:p>
-            <a:pPr marL="216000" indent="-215280">
+            <a:pPr marL="216000" indent="-214920">
               <a:lnSpc>
                 <a:spcPct val="100000"/>
               </a:lnSpc>
@@ -12457,7 +11298,7 @@
             </a:endParaRPr>
           </a:p>
           <a:p>
-            <a:pPr marL="216000" indent="-215280">
+            <a:pPr marL="216000" indent="-214920">
               <a:lnSpc>
                 <a:spcPct val="100000"/>
               </a:lnSpc>
@@ -12559,7 +11400,7 @@
         <p:spPr>
           <a:xfrm>
             <a:off x="822960" y="1097280"/>
-            <a:ext cx="7954560" cy="2650320"/>
+            <a:ext cx="7954200" cy="2650680"/>
           </a:xfrm>
           <a:prstGeom prst="rect">
             <a:avLst/>
@@ -12611,7 +11452,7 @@
             </a:endParaRPr>
           </a:p>
           <a:p>
-            <a:pPr marL="216000" indent="-215280">
+            <a:pPr marL="216000" indent="-214920">
               <a:lnSpc>
                 <a:spcPct val="100000"/>
               </a:lnSpc>
@@ -12646,7 +11487,7 @@
             </a:endParaRPr>
           </a:p>
           <a:p>
-            <a:pPr marL="216000" indent="-215280">
+            <a:pPr marL="216000" indent="-214920">
               <a:lnSpc>
                 <a:spcPct val="100000"/>
               </a:lnSpc>
@@ -12681,7 +11522,7 @@
             </a:endParaRPr>
           </a:p>
           <a:p>
-            <a:pPr marL="216000" indent="-215280">
+            <a:pPr marL="216000" indent="-214920">
               <a:lnSpc>
                 <a:spcPct val="100000"/>
               </a:lnSpc>
@@ -12716,7 +11557,7 @@
             </a:endParaRPr>
           </a:p>
           <a:p>
-            <a:pPr marL="216000" indent="-215280">
+            <a:pPr marL="216000" indent="-214920">
               <a:lnSpc>
                 <a:spcPct val="100000"/>
               </a:lnSpc>
@@ -12751,7 +11592,7 @@
             </a:endParaRPr>
           </a:p>
           <a:p>
-            <a:pPr marL="216000" indent="-215280">
+            <a:pPr marL="216000" indent="-214920">
               <a:lnSpc>
                 <a:spcPct val="100000"/>
               </a:lnSpc>
@@ -12779,7 +11620,7 @@
                 <a:latin typeface="Arial"/>
                 <a:ea typeface="DejaVu Sans"/>
               </a:rPr>
-              <a:t>Facts of Interest</a:t>
+              <a:t>Conclusions</a:t>
             </a:r>
             <a:endParaRPr b="0" lang="en-US" sz="2400" spc="-1" strike="noStrike">
               <a:latin typeface="Arial"/>
@@ -12852,8 +11693,8 @@
         </p:nvSpPr>
         <p:spPr>
           <a:xfrm>
-            <a:off x="822960" y="1097280"/>
-            <a:ext cx="7954560" cy="3015720"/>
+            <a:off x="504000" y="285120"/>
+            <a:ext cx="9070560" cy="669600"/>
           </a:xfrm>
           <a:prstGeom prst="rect">
             <a:avLst/>
@@ -12870,6 +11711,57 @@
           <a:fontRef idx="minor"/>
         </p:style>
         <p:txBody>
+          <a:bodyPr lIns="0" rIns="0" tIns="0" bIns="0" anchor="ctr">
+            <a:spAutoFit/>
+          </a:bodyPr>
+          <a:p>
+            <a:pPr algn="ctr">
+              <a:lnSpc>
+                <a:spcPct val="100000"/>
+              </a:lnSpc>
+            </a:pPr>
+            <a:r>
+              <a:rPr b="0" lang="en-US" sz="4400" spc="-1" strike="noStrike">
+                <a:solidFill>
+                  <a:srgbClr val="ffffff"/>
+                </a:solidFill>
+                <a:latin typeface="Arial"/>
+                <a:ea typeface="DejaVu Sans"/>
+              </a:rPr>
+              <a:t>Discussion of Prior Beliefs</a:t>
+            </a:r>
+            <a:endParaRPr b="0" lang="en-US" sz="4400" spc="-1" strike="noStrike">
+              <a:latin typeface="Arial"/>
+            </a:endParaRPr>
+          </a:p>
+        </p:txBody>
+      </p:sp>
+      <p:sp>
+        <p:nvSpPr>
+          <p:cNvPr id="127" name="CustomShape 2"/>
+          <p:cNvSpPr/>
+          <p:nvPr/>
+        </p:nvSpPr>
+        <p:spPr>
+          <a:xfrm>
+            <a:off x="6949440" y="1554480"/>
+            <a:ext cx="3129480" cy="4478760"/>
+          </a:xfrm>
+          <a:prstGeom prst="rect">
+            <a:avLst/>
+          </a:prstGeom>
+          <a:noFill/>
+          <a:ln>
+            <a:noFill/>
+          </a:ln>
+        </p:spPr>
+        <p:style>
+          <a:lnRef idx="0"/>
+          <a:fillRef idx="0"/>
+          <a:effectRef idx="0"/>
+          <a:fontRef idx="minor"/>
+        </p:style>
+        <p:txBody>
           <a:bodyPr lIns="90000" rIns="90000" tIns="45000" bIns="45000">
             <a:spAutoFit/>
           </a:bodyPr>
@@ -12880,17 +11772,16 @@
               </a:lnSpc>
             </a:pPr>
             <a:r>
-              <a:rPr b="1" lang="en-US" sz="2400" spc="-1" strike="noStrike" u="sng">
+              <a:rPr b="0" lang="en-US" sz="1800" spc="-1" strike="noStrike">
                 <a:solidFill>
                   <a:srgbClr val="000000"/>
                 </a:solidFill>
-                <a:uFillTx/>
                 <a:latin typeface="Arial"/>
                 <a:ea typeface="DejaVu Sans"/>
               </a:rPr>
-              <a:t>Overview</a:t>
-            </a:r>
-            <a:endParaRPr b="0" lang="en-US" sz="2400" spc="-1" strike="noStrike">
+              <a:t>Some Implications:</a:t>
+            </a:r>
+            <a:endParaRPr b="0" lang="en-US" sz="1800" spc="-1" strike="noStrike">
               <a:latin typeface="Arial"/>
             </a:endParaRPr>
           </a:p>
@@ -12900,222 +11791,235 @@
                 <a:spcPct val="100000"/>
               </a:lnSpc>
             </a:pPr>
-            <a:endParaRPr b="0" lang="en-US" sz="2400" spc="-1" strike="noStrike">
-              <a:latin typeface="Arial"/>
-            </a:endParaRPr>
-          </a:p>
-          <a:p>
-            <a:pPr marL="216000" indent="-215280">
-              <a:lnSpc>
-                <a:spcPct val="100000"/>
-              </a:lnSpc>
-              <a:buClr>
-                <a:srgbClr val="000000"/>
-              </a:buClr>
-              <a:buFont typeface="StarSymbol"/>
-              <a:buAutoNum type="arabicParenR"/>
-            </a:pPr>
-            <a:r>
-              <a:rPr b="0" lang="en-US" sz="2400" spc="-1" strike="noStrike">
+            <a:endParaRPr b="0" lang="en-US" sz="1800" spc="-1" strike="noStrike">
+              <a:latin typeface="Arial"/>
+            </a:endParaRPr>
+          </a:p>
+          <a:p>
+            <a:pPr>
+              <a:lnSpc>
+                <a:spcPct val="100000"/>
+              </a:lnSpc>
+            </a:pPr>
+            <a:r>
+              <a:rPr b="0" lang="en-US" sz="1800" spc="-1" strike="noStrike">
                 <a:solidFill>
                   <a:srgbClr val="000000"/>
                 </a:solidFill>
                 <a:latin typeface="Arial"/>
                 <a:ea typeface="DejaVu Sans"/>
               </a:rPr>
-              <a:t> </a:t>
-            </a:r>
-            <a:r>
-              <a:rPr b="0" lang="en-US" sz="2400" spc="-1" strike="noStrike">
+              <a:t>1) Style Depends on State</a:t>
+            </a:r>
+            <a:endParaRPr b="0" lang="en-US" sz="1800" spc="-1" strike="noStrike">
+              <a:latin typeface="Arial"/>
+            </a:endParaRPr>
+          </a:p>
+          <a:p>
+            <a:pPr>
+              <a:lnSpc>
+                <a:spcPct val="100000"/>
+              </a:lnSpc>
+            </a:pPr>
+            <a:endParaRPr b="0" lang="en-US" sz="1800" spc="-1" strike="noStrike">
+              <a:latin typeface="Arial"/>
+            </a:endParaRPr>
+          </a:p>
+          <a:p>
+            <a:pPr>
+              <a:lnSpc>
+                <a:spcPct val="100000"/>
+              </a:lnSpc>
+            </a:pPr>
+            <a:r>
+              <a:rPr b="0" lang="en-US" sz="1800" spc="-1" strike="noStrike">
                 <a:solidFill>
                   <a:srgbClr val="000000"/>
                 </a:solidFill>
                 <a:latin typeface="Arial"/>
                 <a:ea typeface="DejaVu Sans"/>
               </a:rPr>
-              <a:t>Discussion Of Prior Beliefs</a:t>
-            </a:r>
-            <a:endParaRPr b="0" lang="en-US" sz="2400" spc="-1" strike="noStrike">
-              <a:latin typeface="Arial"/>
-            </a:endParaRPr>
-          </a:p>
-          <a:p>
-            <a:pPr marL="216000" indent="-215280">
-              <a:lnSpc>
-                <a:spcPct val="100000"/>
-              </a:lnSpc>
-              <a:buClr>
-                <a:srgbClr val="000000"/>
-              </a:buClr>
-              <a:buFont typeface="StarSymbol"/>
-              <a:buAutoNum type="arabicParenR"/>
-            </a:pPr>
-            <a:r>
-              <a:rPr b="0" lang="en-US" sz="2400" spc="-1" strike="noStrike">
+              <a:t>2) Ounces Depends on Style</a:t>
+            </a:r>
+            <a:endParaRPr b="0" lang="en-US" sz="1800" spc="-1" strike="noStrike">
+              <a:latin typeface="Arial"/>
+            </a:endParaRPr>
+          </a:p>
+          <a:p>
+            <a:pPr>
+              <a:lnSpc>
+                <a:spcPct val="100000"/>
+              </a:lnSpc>
+            </a:pPr>
+            <a:endParaRPr b="0" lang="en-US" sz="1800" spc="-1" strike="noStrike">
+              <a:latin typeface="Arial"/>
+            </a:endParaRPr>
+          </a:p>
+          <a:p>
+            <a:pPr>
+              <a:lnSpc>
+                <a:spcPct val="100000"/>
+              </a:lnSpc>
+            </a:pPr>
+            <a:r>
+              <a:rPr b="0" lang="en-US" sz="1800" spc="-1" strike="noStrike">
                 <a:solidFill>
                   <a:srgbClr val="000000"/>
                 </a:solidFill>
                 <a:latin typeface="Arial"/>
                 <a:ea typeface="DejaVu Sans"/>
               </a:rPr>
-              <a:t> </a:t>
-            </a:r>
-            <a:r>
-              <a:rPr b="0" lang="en-US" sz="2400" spc="-1" strike="noStrike">
+              <a:t>3) Missingness is MCAR</a:t>
+            </a:r>
+            <a:endParaRPr b="0" lang="en-US" sz="1800" spc="-1" strike="noStrike">
+              <a:latin typeface="Arial"/>
+            </a:endParaRPr>
+          </a:p>
+          <a:p>
+            <a:pPr>
+              <a:lnSpc>
+                <a:spcPct val="100000"/>
+              </a:lnSpc>
+            </a:pPr>
+            <a:endParaRPr b="0" lang="en-US" sz="1800" spc="-1" strike="noStrike">
+              <a:latin typeface="Arial"/>
+            </a:endParaRPr>
+          </a:p>
+          <a:p>
+            <a:pPr>
+              <a:lnSpc>
+                <a:spcPct val="100000"/>
+              </a:lnSpc>
+            </a:pPr>
+            <a:r>
+              <a:rPr b="0" lang="en-US" sz="1800" spc="-1" strike="noStrike">
                 <a:solidFill>
                   <a:srgbClr val="000000"/>
                 </a:solidFill>
                 <a:latin typeface="Arial"/>
                 <a:ea typeface="DejaVu Sans"/>
               </a:rPr>
-              <a:t>Exploratory Analysis</a:t>
-            </a:r>
-            <a:endParaRPr b="0" lang="en-US" sz="2400" spc="-1" strike="noStrike">
-              <a:latin typeface="Arial"/>
-            </a:endParaRPr>
-          </a:p>
-          <a:p>
-            <a:pPr marL="216000" indent="-215280">
-              <a:lnSpc>
-                <a:spcPct val="100000"/>
-              </a:lnSpc>
-              <a:buClr>
-                <a:srgbClr val="000000"/>
-              </a:buClr>
-              <a:buFont typeface="StarSymbol"/>
-              <a:buAutoNum type="arabicParenR"/>
-            </a:pPr>
-            <a:r>
-              <a:rPr b="0" lang="en-US" sz="2400" spc="-1" strike="noStrike">
+              <a:t>4) ABV Depends on Ounces</a:t>
+            </a:r>
+            <a:endParaRPr b="0" lang="en-US" sz="1800" spc="-1" strike="noStrike">
+              <a:latin typeface="Arial"/>
+            </a:endParaRPr>
+          </a:p>
+          <a:p>
+            <a:pPr>
+              <a:lnSpc>
+                <a:spcPct val="100000"/>
+              </a:lnSpc>
+            </a:pPr>
+            <a:endParaRPr b="0" lang="en-US" sz="1800" spc="-1" strike="noStrike">
+              <a:latin typeface="Arial"/>
+            </a:endParaRPr>
+          </a:p>
+          <a:p>
+            <a:pPr>
+              <a:lnSpc>
+                <a:spcPct val="100000"/>
+              </a:lnSpc>
+            </a:pPr>
+            <a:r>
+              <a:rPr b="0" lang="en-US" sz="1800" spc="-1" strike="noStrike">
                 <a:solidFill>
                   <a:srgbClr val="000000"/>
                 </a:solidFill>
                 <a:latin typeface="Arial"/>
                 <a:ea typeface="DejaVu Sans"/>
               </a:rPr>
-              <a:t> </a:t>
-            </a:r>
-            <a:r>
-              <a:rPr b="0" lang="en-US" sz="2400" spc="-1" strike="noStrike">
+              <a:t>5) ABV Depends on Style</a:t>
+            </a:r>
+            <a:endParaRPr b="0" lang="en-US" sz="1800" spc="-1" strike="noStrike">
+              <a:latin typeface="Arial"/>
+            </a:endParaRPr>
+          </a:p>
+          <a:p>
+            <a:pPr>
+              <a:lnSpc>
+                <a:spcPct val="100000"/>
+              </a:lnSpc>
+            </a:pPr>
+            <a:endParaRPr b="0" lang="en-US" sz="1800" spc="-1" strike="noStrike">
+              <a:latin typeface="Arial"/>
+            </a:endParaRPr>
+          </a:p>
+          <a:p>
+            <a:pPr>
+              <a:lnSpc>
+                <a:spcPct val="100000"/>
+              </a:lnSpc>
+            </a:pPr>
+            <a:r>
+              <a:rPr b="0" lang="en-US" sz="1800" spc="-1" strike="noStrike">
                 <a:solidFill>
                   <a:srgbClr val="000000"/>
                 </a:solidFill>
                 <a:latin typeface="Arial"/>
                 <a:ea typeface="DejaVu Sans"/>
               </a:rPr>
-              <a:t>Updated Pre-Estimation Beliefs</a:t>
-            </a:r>
-            <a:endParaRPr b="0" lang="en-US" sz="2400" spc="-1" strike="noStrike">
-              <a:latin typeface="Arial"/>
-            </a:endParaRPr>
-          </a:p>
-          <a:p>
-            <a:pPr marL="216000" indent="-215280">
-              <a:lnSpc>
-                <a:spcPct val="100000"/>
-              </a:lnSpc>
-              <a:buClr>
-                <a:srgbClr val="000000"/>
-              </a:buClr>
-              <a:buFont typeface="StarSymbol"/>
-              <a:buAutoNum type="arabicParenR"/>
-            </a:pPr>
-            <a:r>
-              <a:rPr b="0" lang="en-US" sz="2400" spc="-1" strike="noStrike">
+              <a:t>6) ABV Depends on IBU</a:t>
+            </a:r>
+            <a:endParaRPr b="0" lang="en-US" sz="1800" spc="-1" strike="noStrike">
+              <a:latin typeface="Arial"/>
+            </a:endParaRPr>
+          </a:p>
+          <a:p>
+            <a:pPr>
+              <a:lnSpc>
+                <a:spcPct val="100000"/>
+              </a:lnSpc>
+            </a:pPr>
+            <a:endParaRPr b="0" lang="en-US" sz="1800" spc="-1" strike="noStrike">
+              <a:latin typeface="Arial"/>
+            </a:endParaRPr>
+          </a:p>
+          <a:p>
+            <a:pPr>
+              <a:lnSpc>
+                <a:spcPct val="100000"/>
+              </a:lnSpc>
+            </a:pPr>
+            <a:r>
+              <a:rPr b="0" lang="en-US" sz="1800" spc="-1" strike="noStrike">
                 <a:solidFill>
                   <a:srgbClr val="000000"/>
                 </a:solidFill>
                 <a:latin typeface="Arial"/>
                 <a:ea typeface="DejaVu Sans"/>
               </a:rPr>
-              <a:t> </a:t>
-            </a:r>
-            <a:r>
-              <a:rPr b="0" lang="en-US" sz="2400" spc="-1" strike="noStrike">
-                <a:solidFill>
-                  <a:srgbClr val="000000"/>
-                </a:solidFill>
-                <a:latin typeface="Arial"/>
-                <a:ea typeface="DejaVu Sans"/>
-              </a:rPr>
-              <a:t>Estimation of Relationship between ABV and IBU</a:t>
-            </a:r>
-            <a:endParaRPr b="0" lang="en-US" sz="2400" spc="-1" strike="noStrike">
-              <a:latin typeface="Arial"/>
-            </a:endParaRPr>
-          </a:p>
-          <a:p>
-            <a:pPr marL="216000" indent="-215280">
-              <a:lnSpc>
-                <a:spcPct val="100000"/>
-              </a:lnSpc>
-              <a:buClr>
-                <a:srgbClr val="000000"/>
-              </a:buClr>
-              <a:buFont typeface="StarSymbol"/>
-              <a:buAutoNum type="arabicParenR"/>
-            </a:pPr>
-            <a:r>
-              <a:rPr b="0" lang="en-US" sz="2400" spc="-1" strike="noStrike">
-                <a:solidFill>
-                  <a:srgbClr val="000000"/>
-                </a:solidFill>
-                <a:latin typeface="Arial"/>
-                <a:ea typeface="DejaVu Sans"/>
-              </a:rPr>
-              <a:t> </a:t>
-            </a:r>
-            <a:r>
-              <a:rPr b="0" lang="en-US" sz="2400" spc="-1" strike="noStrike">
-                <a:solidFill>
-                  <a:srgbClr val="000000"/>
-                </a:solidFill>
-                <a:latin typeface="Arial"/>
-                <a:ea typeface="DejaVu Sans"/>
-              </a:rPr>
-              <a:t>Facts of Interest</a:t>
-            </a:r>
-            <a:endParaRPr b="0" lang="en-US" sz="2400" spc="-1" strike="noStrike">
-              <a:latin typeface="Arial"/>
-            </a:endParaRPr>
-          </a:p>
-          <a:p>
-            <a:pPr marL="216000" indent="-215280">
-              <a:lnSpc>
-                <a:spcPct val="100000"/>
-              </a:lnSpc>
-              <a:buClr>
-                <a:srgbClr val="000000"/>
-              </a:buClr>
-              <a:buFont typeface="StarSymbol"/>
-              <a:buAutoNum type="arabicParenR"/>
-            </a:pPr>
-            <a:r>
-              <a:rPr b="0" lang="en-US" sz="2400" spc="-1" strike="noStrike">
-                <a:solidFill>
-                  <a:srgbClr val="000000"/>
-                </a:solidFill>
-                <a:latin typeface="Arial"/>
-                <a:ea typeface="DejaVu Sans"/>
-              </a:rPr>
-              <a:t> </a:t>
-            </a:r>
-            <a:r>
-              <a:rPr b="0" lang="en-US" sz="2400" spc="-1" strike="noStrike">
-                <a:solidFill>
-                  <a:srgbClr val="000000"/>
-                </a:solidFill>
-                <a:latin typeface="Arial"/>
-                <a:ea typeface="DejaVu Sans"/>
-              </a:rPr>
-              <a:t>Conclusions</a:t>
-            </a:r>
-            <a:endParaRPr b="0" lang="en-US" sz="2400" spc="-1" strike="noStrike">
-              <a:latin typeface="Arial"/>
-            </a:endParaRPr>
-          </a:p>
-        </p:txBody>
-      </p:sp>
+              <a:t>7) ABV Unrelated to the Missingness of IBU</a:t>
+            </a:r>
+            <a:endParaRPr b="0" lang="en-US" sz="1800" spc="-1" strike="noStrike">
+              <a:latin typeface="Arial"/>
+            </a:endParaRPr>
+          </a:p>
+        </p:txBody>
+      </p:sp>
+      <p:pic>
+        <p:nvPicPr>
+          <p:cNvPr id="128" name="" descr=""/>
+          <p:cNvPicPr/>
+          <p:nvPr/>
+        </p:nvPicPr>
+        <p:blipFill>
+          <a:blip r:embed="rId1"/>
+          <a:stretch/>
+        </p:blipFill>
+        <p:spPr>
+          <a:xfrm>
+            <a:off x="634680" y="1183320"/>
+            <a:ext cx="5491080" cy="5216760"/>
+          </a:xfrm>
+          <a:prstGeom prst="rect">
+            <a:avLst/>
+          </a:prstGeom>
+          <a:ln>
+            <a:noFill/>
+          </a:ln>
+        </p:spPr>
+      </p:pic>
     </p:spTree>
   </p:cSld>
   <mc:AlternateContent>
@@ -13175,14 +12079,14 @@
       </p:grpSpPr>
       <p:sp>
         <p:nvSpPr>
-          <p:cNvPr id="127" name="CustomShape 1"/>
+          <p:cNvPr id="129" name="CustomShape 1"/>
           <p:cNvSpPr/>
           <p:nvPr/>
         </p:nvSpPr>
         <p:spPr>
           <a:xfrm>
             <a:off x="504000" y="285120"/>
-            <a:ext cx="9070920" cy="669600"/>
+            <a:ext cx="9070560" cy="669600"/>
           </a:xfrm>
           <a:prstGeom prst="rect">
             <a:avLst/>
@@ -13216,7 +12120,7 @@
                 <a:latin typeface="Arial"/>
                 <a:ea typeface="DejaVu Sans"/>
               </a:rPr>
-              <a:t>Discussion of Prior Beliefs</a:t>
+              <a:t>Exploratory Analysis</a:t>
             </a:r>
             <a:endParaRPr b="0" lang="en-US" sz="4400" spc="-1" strike="noStrike">
               <a:latin typeface="Arial"/>
@@ -13226,14 +12130,14 @@
       </p:sp>
       <p:sp>
         <p:nvSpPr>
-          <p:cNvPr id="128" name="CustomShape 2"/>
+          <p:cNvPr id="130" name="CustomShape 2"/>
           <p:cNvSpPr/>
           <p:nvPr/>
         </p:nvSpPr>
         <p:spPr>
           <a:xfrm>
-            <a:off x="6949440" y="1554480"/>
-            <a:ext cx="3129840" cy="4478760"/>
+            <a:off x="0" y="938880"/>
+            <a:ext cx="9965880" cy="5552280"/>
           </a:xfrm>
           <a:prstGeom prst="rect">
             <a:avLst/>
@@ -13250,26 +12154,39 @@
           <a:fontRef idx="minor"/>
         </p:style>
         <p:txBody>
-          <a:bodyPr lIns="90000" rIns="90000" tIns="45000" bIns="45000">
-            <a:spAutoFit/>
+          <a:bodyPr lIns="0" rIns="0" tIns="0" bIns="0">
+            <a:noAutofit/>
           </a:bodyPr>
           <a:p>
             <a:pPr>
               <a:lnSpc>
                 <a:spcPct val="100000"/>
               </a:lnSpc>
-            </a:pPr>
-            <a:r>
-              <a:rPr b="0" lang="en-US" sz="1800" spc="-1" strike="noStrike">
+              <a:spcBef>
+                <a:spcPts val="1417"/>
+              </a:spcBef>
+            </a:pPr>
+            <a:r>
+              <a:rPr b="0" lang="en-US" sz="2800" spc="-1" strike="noStrike">
                 <a:solidFill>
-                  <a:srgbClr val="000000"/>
+                  <a:srgbClr val="0066cc"/>
                 </a:solidFill>
                 <a:latin typeface="Arial"/>
                 <a:ea typeface="DejaVu Sans"/>
               </a:rPr>
-              <a:t>Some Implications:</a:t>
-            </a:r>
-            <a:endParaRPr b="0" lang="en-US" sz="1800" spc="-1" strike="noStrike">
+              <a:t>	</a:t>
+            </a:r>
+            <a:r>
+              <a:rPr b="0" lang="en-US" sz="2800" spc="-1" strike="noStrike">
+                <a:solidFill>
+                  <a:srgbClr val="0066cc"/>
+                </a:solidFill>
+                <a:latin typeface="Arial"/>
+                <a:ea typeface="DejaVu Sans"/>
+              </a:rPr>
+              <a:t>	</a:t>
+            </a:r>
+            <a:endParaRPr b="0" lang="en-US" sz="2800" spc="-1" strike="noStrike">
               <a:latin typeface="Arial"/>
             </a:endParaRPr>
           </a:p>
@@ -13278,8 +12195,41 @@
               <a:lnSpc>
                 <a:spcPct val="100000"/>
               </a:lnSpc>
-            </a:pPr>
-            <a:endParaRPr b="0" lang="en-US" sz="1800" spc="-1" strike="noStrike">
+              <a:spcBef>
+                <a:spcPts val="1417"/>
+              </a:spcBef>
+            </a:pPr>
+            <a:r>
+              <a:rPr b="0" lang="en-US" sz="2800" spc="-1" strike="noStrike">
+                <a:solidFill>
+                  <a:srgbClr val="0066cc"/>
+                </a:solidFill>
+                <a:latin typeface="Arial"/>
+                <a:ea typeface="DejaVu Sans"/>
+              </a:rPr>
+              <a:t>	</a:t>
+            </a:r>
+            <a:r>
+              <a:rPr b="0" lang="en-US" sz="2800" spc="-1" strike="noStrike">
+                <a:solidFill>
+                  <a:srgbClr val="0066cc"/>
+                </a:solidFill>
+                <a:latin typeface="Arial"/>
+                <a:ea typeface="DejaVu Sans"/>
+              </a:rPr>
+              <a:t>	</a:t>
+            </a:r>
+            <a:r>
+              <a:rPr b="0" lang="en-US" sz="2800" spc="-1" strike="noStrike">
+                <a:solidFill>
+                  <a:srgbClr val="0066cc"/>
+                </a:solidFill>
+                <a:latin typeface="Arial"/>
+                <a:ea typeface="DejaVu Sans"/>
+              </a:rPr>
+              <a:t>Style By State</a:t>
+            </a:r>
+            <a:endParaRPr b="0" lang="en-US" sz="2800" spc="-1" strike="noStrike">
               <a:latin typeface="Arial"/>
             </a:endParaRPr>
           </a:p>
@@ -13288,18 +12238,11 @@
               <a:lnSpc>
                 <a:spcPct val="100000"/>
               </a:lnSpc>
-            </a:pPr>
-            <a:r>
-              <a:rPr b="0" lang="en-US" sz="1800" spc="-1" strike="noStrike">
-                <a:solidFill>
-                  <a:srgbClr val="000000"/>
-                </a:solidFill>
-                <a:latin typeface="Arial"/>
-                <a:ea typeface="DejaVu Sans"/>
-              </a:rPr>
-              <a:t>1) Style Depends on State</a:t>
-            </a:r>
-            <a:endParaRPr b="0" lang="en-US" sz="1800" spc="-1" strike="noStrike">
+              <a:spcBef>
+                <a:spcPts val="1417"/>
+              </a:spcBef>
+            </a:pPr>
+            <a:endParaRPr b="0" lang="en-US" sz="2800" spc="-1" strike="noStrike">
               <a:latin typeface="Arial"/>
             </a:endParaRPr>
           </a:p>
@@ -13308,8 +12251,11 @@
               <a:lnSpc>
                 <a:spcPct val="100000"/>
               </a:lnSpc>
-            </a:pPr>
-            <a:endParaRPr b="0" lang="en-US" sz="1800" spc="-1" strike="noStrike">
+              <a:spcBef>
+                <a:spcPts val="1417"/>
+              </a:spcBef>
+            </a:pPr>
+            <a:endParaRPr b="0" lang="en-US" sz="2800" spc="-1" strike="noStrike">
               <a:latin typeface="Arial"/>
             </a:endParaRPr>
           </a:p>
@@ -13318,168 +12264,11 @@
               <a:lnSpc>
                 <a:spcPct val="100000"/>
               </a:lnSpc>
-            </a:pPr>
-            <a:r>
-              <a:rPr b="0" lang="en-US" sz="1800" spc="-1" strike="noStrike">
-                <a:solidFill>
-                  <a:srgbClr val="000000"/>
-                </a:solidFill>
-                <a:latin typeface="Arial"/>
-                <a:ea typeface="DejaVu Sans"/>
-              </a:rPr>
-              <a:t>2) Ounces Depends on Style</a:t>
-            </a:r>
-            <a:endParaRPr b="0" lang="en-US" sz="1800" spc="-1" strike="noStrike">
-              <a:latin typeface="Arial"/>
-            </a:endParaRPr>
-          </a:p>
-          <a:p>
-            <a:pPr>
-              <a:lnSpc>
-                <a:spcPct val="100000"/>
-              </a:lnSpc>
-            </a:pPr>
-            <a:endParaRPr b="0" lang="en-US" sz="1800" spc="-1" strike="noStrike">
-              <a:latin typeface="Arial"/>
-            </a:endParaRPr>
-          </a:p>
-          <a:p>
-            <a:pPr>
-              <a:lnSpc>
-                <a:spcPct val="100000"/>
-              </a:lnSpc>
-            </a:pPr>
-            <a:r>
-              <a:rPr b="0" lang="en-US" sz="1800" spc="-1" strike="noStrike">
-                <a:solidFill>
-                  <a:srgbClr val="000000"/>
-                </a:solidFill>
-                <a:latin typeface="Arial"/>
-                <a:ea typeface="DejaVu Sans"/>
-              </a:rPr>
-              <a:t>3) Missingness is MCAR</a:t>
-            </a:r>
-            <a:endParaRPr b="0" lang="en-US" sz="1800" spc="-1" strike="noStrike">
-              <a:latin typeface="Arial"/>
-            </a:endParaRPr>
-          </a:p>
-          <a:p>
-            <a:pPr>
-              <a:lnSpc>
-                <a:spcPct val="100000"/>
-              </a:lnSpc>
-            </a:pPr>
-            <a:endParaRPr b="0" lang="en-US" sz="1800" spc="-1" strike="noStrike">
-              <a:latin typeface="Arial"/>
-            </a:endParaRPr>
-          </a:p>
-          <a:p>
-            <a:pPr>
-              <a:lnSpc>
-                <a:spcPct val="100000"/>
-              </a:lnSpc>
-            </a:pPr>
-            <a:r>
-              <a:rPr b="0" lang="en-US" sz="1800" spc="-1" strike="noStrike">
-                <a:solidFill>
-                  <a:srgbClr val="000000"/>
-                </a:solidFill>
-                <a:latin typeface="Arial"/>
-                <a:ea typeface="DejaVu Sans"/>
-              </a:rPr>
-              <a:t>4) ABV Depends on Ounces</a:t>
-            </a:r>
-            <a:endParaRPr b="0" lang="en-US" sz="1800" spc="-1" strike="noStrike">
-              <a:latin typeface="Arial"/>
-            </a:endParaRPr>
-          </a:p>
-          <a:p>
-            <a:pPr>
-              <a:lnSpc>
-                <a:spcPct val="100000"/>
-              </a:lnSpc>
-            </a:pPr>
-            <a:endParaRPr b="0" lang="en-US" sz="1800" spc="-1" strike="noStrike">
-              <a:latin typeface="Arial"/>
-            </a:endParaRPr>
-          </a:p>
-          <a:p>
-            <a:pPr>
-              <a:lnSpc>
-                <a:spcPct val="100000"/>
-              </a:lnSpc>
-            </a:pPr>
-            <a:r>
-              <a:rPr b="0" lang="en-US" sz="1800" spc="-1" strike="noStrike">
-                <a:solidFill>
-                  <a:srgbClr val="000000"/>
-                </a:solidFill>
-                <a:latin typeface="Arial"/>
-                <a:ea typeface="DejaVu Sans"/>
-              </a:rPr>
-              <a:t>5) ABV Depends on Style</a:t>
-            </a:r>
-            <a:endParaRPr b="0" lang="en-US" sz="1800" spc="-1" strike="noStrike">
-              <a:latin typeface="Arial"/>
-            </a:endParaRPr>
-          </a:p>
-          <a:p>
-            <a:pPr>
-              <a:lnSpc>
-                <a:spcPct val="100000"/>
-              </a:lnSpc>
-            </a:pPr>
-            <a:endParaRPr b="0" lang="en-US" sz="1800" spc="-1" strike="noStrike">
-              <a:latin typeface="Arial"/>
-            </a:endParaRPr>
-          </a:p>
-          <a:p>
-            <a:pPr>
-              <a:lnSpc>
-                <a:spcPct val="100000"/>
-              </a:lnSpc>
-            </a:pPr>
-            <a:r>
-              <a:rPr b="0" lang="en-US" sz="1800" spc="-1" strike="noStrike">
-                <a:solidFill>
-                  <a:srgbClr val="000000"/>
-                </a:solidFill>
-                <a:latin typeface="Arial"/>
-                <a:ea typeface="DejaVu Sans"/>
-              </a:rPr>
-              <a:t>6) ABV Depends on IBU</a:t>
-            </a:r>
-            <a:endParaRPr b="0" lang="en-US" sz="1800" spc="-1" strike="noStrike">
-              <a:latin typeface="Arial"/>
-            </a:endParaRPr>
-          </a:p>
-          <a:p>
-            <a:pPr>
-              <a:lnSpc>
-                <a:spcPct val="100000"/>
-              </a:lnSpc>
-            </a:pPr>
-            <a:endParaRPr b="0" lang="en-US" sz="1800" spc="-1" strike="noStrike">
-              <a:latin typeface="Arial"/>
-            </a:endParaRPr>
-          </a:p>
-          <a:p>
-            <a:pPr>
-              <a:lnSpc>
-                <a:spcPct val="100000"/>
-              </a:lnSpc>
-            </a:pPr>
-            <a:r>
-              <a:rPr b="0" lang="en-US" sz="1800" spc="-1" strike="noStrike">
-                <a:solidFill>
-                  <a:srgbClr val="000000"/>
-                </a:solidFill>
-                <a:latin typeface="Arial"/>
-                <a:ea typeface="DejaVu Sans"/>
-              </a:rPr>
-              <a:t>7) ABV Unrelated to the Missingness of IBU</a:t>
-            </a:r>
-            <a:endParaRPr b="0" lang="en-US" sz="1800" spc="-1" strike="noStrike">
+              <a:spcBef>
+                <a:spcPts val="1417"/>
+              </a:spcBef>
+            </a:pPr>
+            <a:endParaRPr b="0" lang="en-US" sz="2800" spc="-1" strike="noStrike">
               <a:latin typeface="Arial"/>
             </a:endParaRPr>
           </a:p>
@@ -13487,7 +12276,7 @@
       </p:sp>
       <p:pic>
         <p:nvPicPr>
-          <p:cNvPr id="129" name="" descr=""/>
+          <p:cNvPr id="131" name="" descr=""/>
           <p:cNvPicPr/>
           <p:nvPr/>
         </p:nvPicPr>
@@ -13497,8 +12286,31 @@
         </p:blipFill>
         <p:spPr>
           <a:xfrm>
-            <a:off x="634680" y="1183320"/>
-            <a:ext cx="5491440" cy="5217120"/>
+            <a:off x="548640" y="1996200"/>
+            <a:ext cx="4205520" cy="3489480"/>
+          </a:xfrm>
+          <a:prstGeom prst="rect">
+            <a:avLst/>
+          </a:prstGeom>
+          <a:ln>
+            <a:noFill/>
+          </a:ln>
+        </p:spPr>
+      </p:pic>
+      <p:pic>
+        <p:nvPicPr>
+          <p:cNvPr id="132" name="" descr=""/>
+          <p:cNvPicPr/>
+          <p:nvPr/>
+        </p:nvPicPr>
+        <p:blipFill>
+          <a:blip r:embed="rId2"/>
+          <a:stretch/>
+        </p:blipFill>
+        <p:spPr>
+          <a:xfrm>
+            <a:off x="5486400" y="2051280"/>
+            <a:ext cx="4043880" cy="3342960"/>
           </a:xfrm>
           <a:prstGeom prst="rect">
             <a:avLst/>
